--- a/documents/Presentation/MealMate.pptx
+++ b/documents/Presentation/MealMate.pptx
@@ -5,11 +5,14 @@
     <p:sldMasterId id="2147483672" r:id="rId1"/>
   </p:sldMasterIdLst>
   <p:notesMasterIdLst>
-    <p:notesMasterId r:id="rId4"/>
+    <p:notesMasterId r:id="rId7"/>
   </p:notesMasterIdLst>
   <p:sldIdLst>
     <p:sldId id="256" r:id="rId2"/>
     <p:sldId id="257" r:id="rId3"/>
+    <p:sldId id="258" r:id="rId4"/>
+    <p:sldId id="259" r:id="rId5"/>
+    <p:sldId id="260" r:id="rId6"/>
   </p:sldIdLst>
   <p:sldSz cx="12192000" cy="6858000"/>
   <p:notesSz cx="6858000" cy="9144000"/>
@@ -587,6 +590,136 @@
     <p:extLst>
       <p:ext uri="{BB962C8B-B14F-4D97-AF65-F5344CB8AC3E}">
         <p14:creationId xmlns:p14="http://schemas.microsoft.com/office/powerpoint/2010/main" val="3013010686"/>
+      </p:ext>
+    </p:extLst>
+  </p:cSld>
+  <p:clrMapOvr>
+    <a:masterClrMapping/>
+  </p:clrMapOvr>
+</p:notes>
+</file>
+
+<file path=ppt/notesSlides/notesSlide2.xml><?xml version="1.0" encoding="utf-8"?>
+<p:notes xmlns:a="http://schemas.openxmlformats.org/drawingml/2006/main" xmlns:r="http://schemas.openxmlformats.org/officeDocument/2006/relationships" xmlns:p="http://schemas.openxmlformats.org/presentationml/2006/main">
+  <p:cSld>
+    <p:spTree>
+      <p:nvGrpSpPr>
+        <p:cNvPr id="1" name=""/>
+        <p:cNvGrpSpPr/>
+        <p:nvPr/>
+      </p:nvGrpSpPr>
+      <p:grpSpPr>
+        <a:xfrm>
+          <a:off x="0" y="0"/>
+          <a:ext cx="0" cy="0"/>
+          <a:chOff x="0" y="0"/>
+          <a:chExt cx="0" cy="0"/>
+        </a:xfrm>
+      </p:grpSpPr>
+      <p:sp>
+        <p:nvSpPr>
+          <p:cNvPr id="2" name="Segnaposto immagine diapositiva 1"/>
+          <p:cNvSpPr>
+            <a:spLocks noGrp="1" noRot="1" noChangeAspect="1"/>
+          </p:cNvSpPr>
+          <p:nvPr>
+            <p:ph type="sldImg"/>
+          </p:nvPr>
+        </p:nvSpPr>
+        <p:spPr/>
+      </p:sp>
+      <p:sp>
+        <p:nvSpPr>
+          <p:cNvPr id="3" name="Segnaposto note 2"/>
+          <p:cNvSpPr>
+            <a:spLocks noGrp="1"/>
+          </p:cNvSpPr>
+          <p:nvPr>
+            <p:ph type="body" idx="1"/>
+          </p:nvPr>
+        </p:nvSpPr>
+        <p:spPr/>
+        <p:txBody>
+          <a:bodyPr/>
+          <a:lstStyle/>
+          <a:p>
+            <a:r>
+              <a:rPr lang="en-US" dirty="0"/>
+              <a:t>To do&gt; </a:t>
+            </a:r>
+            <a:r>
+              <a:rPr lang="en-US" dirty="0" err="1"/>
+              <a:t>aggiungere</a:t>
+            </a:r>
+            <a:r>
+              <a:rPr lang="en-US" dirty="0"/>
+              <a:t> </a:t>
+            </a:r>
+            <a:r>
+              <a:rPr lang="en-US" dirty="0" err="1"/>
+              <a:t>loghino</a:t>
+            </a:r>
+            <a:r>
+              <a:rPr lang="en-US" dirty="0"/>
+              <a:t>, fare </a:t>
+            </a:r>
+            <a:r>
+              <a:rPr lang="en-US" dirty="0" err="1"/>
+              <a:t>grafica</a:t>
+            </a:r>
+            <a:endParaRPr lang="en-US" dirty="0"/>
+          </a:p>
+          <a:p>
+            <a:r>
+              <a:rPr lang="en-US" dirty="0"/>
+              <a:t>Font&gt; Segoe UI </a:t>
+            </a:r>
+            <a:r>
+              <a:rPr lang="en-US" dirty="0" err="1"/>
+              <a:t>Semibold</a:t>
+            </a:r>
+            <a:r>
+              <a:rPr lang="en-US" dirty="0"/>
+              <a:t> (</a:t>
+            </a:r>
+            <a:r>
+              <a:rPr lang="en-US" dirty="0" err="1"/>
+              <a:t>titoli</a:t>
+            </a:r>
+            <a:r>
+              <a:rPr lang="en-US" dirty="0"/>
+              <a:t>), Century Gothic(testo)</a:t>
+            </a:r>
+          </a:p>
+        </p:txBody>
+      </p:sp>
+      <p:sp>
+        <p:nvSpPr>
+          <p:cNvPr id="4" name="Segnaposto numero diapositiva 3"/>
+          <p:cNvSpPr>
+            <a:spLocks noGrp="1"/>
+          </p:cNvSpPr>
+          <p:nvPr>
+            <p:ph type="sldNum" sz="quarter" idx="5"/>
+          </p:nvPr>
+        </p:nvSpPr>
+        <p:spPr/>
+        <p:txBody>
+          <a:bodyPr/>
+          <a:lstStyle/>
+          <a:p>
+            <a:fld id="{D8D55580-2FF4-4D84-8958-8097752F81CD}" type="slidenum">
+              <a:rPr lang="en-US" smtClean="0"/>
+              <a:t>5</a:t>
+            </a:fld>
+            <a:endParaRPr lang="en-US"/>
+          </a:p>
+        </p:txBody>
+      </p:sp>
+    </p:spTree>
+    <p:extLst>
+      <p:ext uri="{BB962C8B-B14F-4D97-AF65-F5344CB8AC3E}">
+        <p14:creationId xmlns:p14="http://schemas.microsoft.com/office/powerpoint/2010/main" val="3906869380"/>
       </p:ext>
     </p:extLst>
   </p:cSld>
@@ -3457,67 +3590,38 @@
           <a:chExt cx="0" cy="0"/>
         </a:xfrm>
       </p:grpSpPr>
-      <p:sp>
-        <p:nvSpPr>
-          <p:cNvPr id="7" name="Triangolo rettangolo 6">
+      <p:pic>
+        <p:nvPicPr>
+          <p:cNvPr id="22" name="Immagine 21">
             <a:extLst>
               <a:ext uri="{FF2B5EF4-FFF2-40B4-BE49-F238E27FC236}">
-                <a16:creationId xmlns:a16="http://schemas.microsoft.com/office/drawing/2014/main" id="{D4354E7F-BC76-4C86-FCD7-BE1E948D23A4}"/>
+                <a16:creationId xmlns:a16="http://schemas.microsoft.com/office/drawing/2014/main" id="{6F1E0ADC-5E17-2998-4526-E85CE3B0E78A}"/>
               </a:ext>
             </a:extLst>
           </p:cNvPr>
-          <p:cNvSpPr/>
+          <p:cNvPicPr>
+            <a:picLocks noChangeAspect="1"/>
+          </p:cNvPicPr>
           <p:nvPr/>
-        </p:nvSpPr>
+        </p:nvPicPr>
+        <p:blipFill>
+          <a:blip r:embed="rId3">
+            <a:alphaModFix amt="20000"/>
+          </a:blip>
+          <a:stretch>
+            <a:fillRect/>
+          </a:stretch>
+        </p:blipFill>
         <p:spPr>
-          <a:xfrm flipH="1">
-            <a:off x="2895600" y="0"/>
-            <a:ext cx="9296400" cy="6858000"/>
+          <a:xfrm>
+            <a:off x="0" y="-297"/>
+            <a:ext cx="12192000" cy="6858000"/>
           </a:xfrm>
-          <a:prstGeom prst="rtTriangle">
+          <a:prstGeom prst="rect">
             <a:avLst/>
           </a:prstGeom>
-          <a:solidFill>
-            <a:schemeClr val="bg2"/>
-          </a:solidFill>
-          <a:ln>
-            <a:solidFill>
-              <a:schemeClr val="bg2"/>
-            </a:solidFill>
-          </a:ln>
-          <a:effectLst>
-            <a:outerShdw blurRad="50800" dist="38100" dir="10800000" algn="r" rotWithShape="0">
-              <a:prstClr val="black">
-                <a:alpha val="40000"/>
-              </a:prstClr>
-            </a:outerShdw>
-          </a:effectLst>
         </p:spPr>
-        <p:style>
-          <a:lnRef idx="2">
-            <a:schemeClr val="accent1">
-              <a:shade val="50000"/>
-            </a:schemeClr>
-          </a:lnRef>
-          <a:fillRef idx="1">
-            <a:schemeClr val="accent1"/>
-          </a:fillRef>
-          <a:effectRef idx="0">
-            <a:schemeClr val="accent1"/>
-          </a:effectRef>
-          <a:fontRef idx="minor">
-            <a:schemeClr val="lt1"/>
-          </a:fontRef>
-        </p:style>
-        <p:txBody>
-          <a:bodyPr rtlCol="0" anchor="ctr"/>
-          <a:lstStyle/>
-          <a:p>
-            <a:pPr algn="ctr"/>
-            <a:endParaRPr lang="en-US"/>
-          </a:p>
-        </p:txBody>
-      </p:sp>
+      </p:pic>
       <p:sp>
         <p:nvSpPr>
           <p:cNvPr id="2" name="Titolo 1">
@@ -3534,7 +3638,12 @@
             <p:ph type="ctrTitle"/>
           </p:nvPr>
         </p:nvSpPr>
-        <p:spPr/>
+        <p:spPr>
+          <a:xfrm>
+            <a:off x="1385138" y="1140619"/>
+            <a:ext cx="9144000" cy="2387600"/>
+          </a:xfrm>
+        </p:spPr>
         <p:txBody>
           <a:bodyPr/>
           <a:lstStyle/>
@@ -3565,18 +3674,131 @@
             <p:ph type="subTitle" idx="1"/>
           </p:nvPr>
         </p:nvSpPr>
-        <p:spPr/>
-        <p:txBody>
-          <a:bodyPr/>
-          <a:lstStyle/>
-          <a:p>
+        <p:spPr>
+          <a:xfrm>
+            <a:off x="4155441" y="3660747"/>
+            <a:ext cx="8197376" cy="1655762"/>
+          </a:xfrm>
+        </p:spPr>
+        <p:txBody>
+          <a:bodyPr/>
+          <a:lstStyle/>
+          <a:p>
+            <a:pPr algn="l"/>
             <a:r>
               <a:rPr lang="en-US" dirty="0">
+                <a:solidFill>
+                  <a:schemeClr val="tx1">
+                    <a:lumMod val="60000"/>
+                    <a:lumOff val="40000"/>
+                  </a:schemeClr>
+                </a:solidFill>
                 <a:latin typeface="Century Gothic" panose="020B0502020202020204" pitchFamily="34" charset="0"/>
                 <a:cs typeface="Segoe UI Semibold" panose="020B0702040204020203" pitchFamily="34" charset="0"/>
               </a:rPr>
-              <a:t>La spesa facile selezionata appositamente per te</a:t>
-            </a:r>
+              <a:t>La </a:t>
+            </a:r>
+            <a:r>
+              <a:rPr lang="en-US" dirty="0" err="1">
+                <a:solidFill>
+                  <a:schemeClr val="tx1">
+                    <a:lumMod val="60000"/>
+                    <a:lumOff val="40000"/>
+                  </a:schemeClr>
+                </a:solidFill>
+                <a:latin typeface="Century Gothic" panose="020B0502020202020204" pitchFamily="34" charset="0"/>
+                <a:cs typeface="Segoe UI Semibold" panose="020B0702040204020203" pitchFamily="34" charset="0"/>
+              </a:rPr>
+              <a:t>spesa</a:t>
+            </a:r>
+            <a:r>
+              <a:rPr lang="en-US" dirty="0">
+                <a:solidFill>
+                  <a:schemeClr val="tx1">
+                    <a:lumMod val="60000"/>
+                    <a:lumOff val="40000"/>
+                  </a:schemeClr>
+                </a:solidFill>
+                <a:latin typeface="Century Gothic" panose="020B0502020202020204" pitchFamily="34" charset="0"/>
+                <a:cs typeface="Segoe UI Semibold" panose="020B0702040204020203" pitchFamily="34" charset="0"/>
+              </a:rPr>
+              <a:t> </a:t>
+            </a:r>
+            <a:r>
+              <a:rPr lang="en-US" dirty="0" err="1">
+                <a:solidFill>
+                  <a:schemeClr val="tx1">
+                    <a:lumMod val="60000"/>
+                    <a:lumOff val="40000"/>
+                  </a:schemeClr>
+                </a:solidFill>
+                <a:latin typeface="Century Gothic" panose="020B0502020202020204" pitchFamily="34" charset="0"/>
+                <a:cs typeface="Segoe UI Semibold" panose="020B0702040204020203" pitchFamily="34" charset="0"/>
+              </a:rPr>
+              <a:t>che</a:t>
+            </a:r>
+            <a:r>
+              <a:rPr lang="en-US" dirty="0">
+                <a:solidFill>
+                  <a:schemeClr val="tx1">
+                    <a:lumMod val="60000"/>
+                    <a:lumOff val="40000"/>
+                  </a:schemeClr>
+                </a:solidFill>
+                <a:latin typeface="Century Gothic" panose="020B0502020202020204" pitchFamily="34" charset="0"/>
+                <a:cs typeface="Segoe UI Semibold" panose="020B0702040204020203" pitchFamily="34" charset="0"/>
+              </a:rPr>
+              <a:t> </a:t>
+            </a:r>
+            <a:r>
+              <a:rPr lang="en-US" dirty="0" err="1">
+                <a:solidFill>
+                  <a:schemeClr val="tx1">
+                    <a:lumMod val="60000"/>
+                    <a:lumOff val="40000"/>
+                  </a:schemeClr>
+                </a:solidFill>
+                <a:latin typeface="Century Gothic" panose="020B0502020202020204" pitchFamily="34" charset="0"/>
+                <a:cs typeface="Segoe UI Semibold" panose="020B0702040204020203" pitchFamily="34" charset="0"/>
+              </a:rPr>
+              <a:t>si</a:t>
+            </a:r>
+            <a:r>
+              <a:rPr lang="en-US" dirty="0">
+                <a:solidFill>
+                  <a:schemeClr val="tx1">
+                    <a:lumMod val="60000"/>
+                    <a:lumOff val="40000"/>
+                  </a:schemeClr>
+                </a:solidFill>
+                <a:latin typeface="Century Gothic" panose="020B0502020202020204" pitchFamily="34" charset="0"/>
+                <a:cs typeface="Segoe UI Semibold" panose="020B0702040204020203" pitchFamily="34" charset="0"/>
+              </a:rPr>
+              <a:t> scrive per </a:t>
+            </a:r>
+            <a:r>
+              <a:rPr lang="en-US" dirty="0" err="1">
+                <a:solidFill>
+                  <a:schemeClr val="tx1">
+                    <a:lumMod val="60000"/>
+                    <a:lumOff val="40000"/>
+                  </a:schemeClr>
+                </a:solidFill>
+                <a:latin typeface="Century Gothic" panose="020B0502020202020204" pitchFamily="34" charset="0"/>
+                <a:cs typeface="Segoe UI Semibold" panose="020B0702040204020203" pitchFamily="34" charset="0"/>
+              </a:rPr>
+              <a:t>te</a:t>
+            </a:r>
+            <a:endParaRPr lang="en-US" dirty="0">
+              <a:solidFill>
+                <a:schemeClr val="tx1">
+                  <a:lumMod val="60000"/>
+                  <a:lumOff val="40000"/>
+                </a:schemeClr>
+              </a:solidFill>
+              <a:latin typeface="Century Gothic" panose="020B0502020202020204" pitchFamily="34" charset="0"/>
+              <a:cs typeface="Segoe UI Semibold" panose="020B0702040204020203" pitchFamily="34" charset="0"/>
+            </a:endParaRPr>
           </a:p>
         </p:txBody>
       </p:sp>
@@ -3638,40 +3860,10 @@
       </p:sp>
       <p:pic>
         <p:nvPicPr>
-          <p:cNvPr id="5" name="Immagine 4">
+          <p:cNvPr id="8" name="Immagine 7">
             <a:extLst>
               <a:ext uri="{FF2B5EF4-FFF2-40B4-BE49-F238E27FC236}">
-                <a16:creationId xmlns:a16="http://schemas.microsoft.com/office/drawing/2014/main" id="{E97D094D-80F9-08AE-87E2-CFFAADCEC12C}"/>
-              </a:ext>
-            </a:extLst>
-          </p:cNvPr>
-          <p:cNvPicPr>
-            <a:picLocks noChangeAspect="1"/>
-          </p:cNvPicPr>
-          <p:nvPr/>
-        </p:nvPicPr>
-        <p:blipFill>
-          <a:blip r:embed="rId3"/>
-          <a:stretch>
-            <a:fillRect/>
-          </a:stretch>
-        </p:blipFill>
-        <p:spPr>
-          <a:xfrm>
-            <a:off x="634227" y="328402"/>
-            <a:ext cx="3620273" cy="2543596"/>
-          </a:xfrm>
-          <a:prstGeom prst="rect">
-            <a:avLst/>
-          </a:prstGeom>
-        </p:spPr>
-      </p:pic>
-      <p:pic>
-        <p:nvPicPr>
-          <p:cNvPr id="9" name="Immagine 8">
-            <a:extLst>
-              <a:ext uri="{FF2B5EF4-FFF2-40B4-BE49-F238E27FC236}">
-                <a16:creationId xmlns:a16="http://schemas.microsoft.com/office/drawing/2014/main" id="{1058DE5F-6AD0-9E4B-90AB-F6EFB5E7A0AC}"/>
+                <a16:creationId xmlns:a16="http://schemas.microsoft.com/office/drawing/2014/main" id="{95364A47-D25D-25CE-6EBA-39E5EAD48647}"/>
               </a:ext>
             </a:extLst>
           </p:cNvPr>
@@ -3694,14 +3886,63 @@
         </p:blipFill>
         <p:spPr>
           <a:xfrm>
-            <a:off x="7000467" y="6015950"/>
-            <a:ext cx="898933" cy="755455"/>
+            <a:off x="1385138" y="1744882"/>
+            <a:ext cx="3020923" cy="2538756"/>
           </a:xfrm>
           <a:prstGeom prst="rect">
             <a:avLst/>
           </a:prstGeom>
         </p:spPr>
       </p:pic>
+      <p:sp>
+        <p:nvSpPr>
+          <p:cNvPr id="10" name="Rettangolo 9">
+            <a:extLst>
+              <a:ext uri="{FF2B5EF4-FFF2-40B4-BE49-F238E27FC236}">
+                <a16:creationId xmlns:a16="http://schemas.microsoft.com/office/drawing/2014/main" id="{18945261-3B2E-2093-0796-F84B4B0CA05F}"/>
+              </a:ext>
+            </a:extLst>
+          </p:cNvPr>
+          <p:cNvSpPr/>
+          <p:nvPr/>
+        </p:nvSpPr>
+        <p:spPr>
+          <a:xfrm>
+            <a:off x="4274820" y="3429000"/>
+            <a:ext cx="7326053" cy="99219"/>
+          </a:xfrm>
+          <a:prstGeom prst="rect">
+            <a:avLst/>
+          </a:prstGeom>
+          <a:ln>
+            <a:noFill/>
+          </a:ln>
+        </p:spPr>
+        <p:style>
+          <a:lnRef idx="2">
+            <a:schemeClr val="dk1">
+              <a:shade val="50000"/>
+            </a:schemeClr>
+          </a:lnRef>
+          <a:fillRef idx="1">
+            <a:schemeClr val="dk1"/>
+          </a:fillRef>
+          <a:effectRef idx="0">
+            <a:schemeClr val="dk1"/>
+          </a:effectRef>
+          <a:fontRef idx="minor">
+            <a:schemeClr val="lt1"/>
+          </a:fontRef>
+        </p:style>
+        <p:txBody>
+          <a:bodyPr rtlCol="0" anchor="ctr"/>
+          <a:lstStyle/>
+          <a:p>
+            <a:pPr algn="ctr"/>
+            <a:endParaRPr lang="en-GB"/>
+          </a:p>
+        </p:txBody>
+      </p:sp>
     </p:spTree>
     <p:extLst>
       <p:ext uri="{BB962C8B-B14F-4D97-AF65-F5344CB8AC3E}">
@@ -3732,10 +3973,805 @@
           <a:chExt cx="0" cy="0"/>
         </a:xfrm>
       </p:grpSpPr>
+      <p:pic>
+        <p:nvPicPr>
+          <p:cNvPr id="7" name="Immagine 6">
+            <a:extLst>
+              <a:ext uri="{FF2B5EF4-FFF2-40B4-BE49-F238E27FC236}">
+                <a16:creationId xmlns:a16="http://schemas.microsoft.com/office/drawing/2014/main" id="{54F5B3F2-3971-301C-0EAC-EF15421BC15C}"/>
+              </a:ext>
+            </a:extLst>
+          </p:cNvPr>
+          <p:cNvPicPr>
+            <a:picLocks noChangeAspect="1"/>
+          </p:cNvPicPr>
+          <p:nvPr/>
+        </p:nvPicPr>
+        <p:blipFill>
+          <a:blip r:embed="rId2">
+            <a:alphaModFix amt="20000"/>
+            <a:extLst>
+              <a:ext uri="{28A0092B-C50C-407E-A947-70E740481C1C}">
+                <a14:useLocalDpi xmlns:a14="http://schemas.microsoft.com/office/drawing/2010/main" val="0"/>
+              </a:ext>
+            </a:extLst>
+          </a:blip>
+          <a:stretch>
+            <a:fillRect/>
+          </a:stretch>
+        </p:blipFill>
+        <p:spPr>
+          <a:xfrm>
+            <a:off x="0" y="0"/>
+            <a:ext cx="12192000" cy="6858000"/>
+          </a:xfrm>
+          <a:prstGeom prst="rect">
+            <a:avLst/>
+          </a:prstGeom>
+        </p:spPr>
+      </p:pic>
+      <p:pic>
+        <p:nvPicPr>
+          <p:cNvPr id="2" name="Immagine 1">
+            <a:extLst>
+              <a:ext uri="{FF2B5EF4-FFF2-40B4-BE49-F238E27FC236}">
+                <a16:creationId xmlns:a16="http://schemas.microsoft.com/office/drawing/2014/main" id="{678EBE94-B8F4-BD52-7A0D-E5385E34DCB6}"/>
+              </a:ext>
+            </a:extLst>
+          </p:cNvPr>
+          <p:cNvPicPr>
+            <a:picLocks noChangeAspect="1"/>
+          </p:cNvPicPr>
+          <p:nvPr/>
+        </p:nvPicPr>
+        <p:blipFill>
+          <a:blip r:embed="rId3">
+            <a:extLst>
+              <a:ext uri="{28A0092B-C50C-407E-A947-70E740481C1C}">
+                <a14:useLocalDpi xmlns:a14="http://schemas.microsoft.com/office/drawing/2010/main" val="0"/>
+              </a:ext>
+            </a:extLst>
+          </a:blip>
+          <a:stretch>
+            <a:fillRect/>
+          </a:stretch>
+        </p:blipFill>
+        <p:spPr>
+          <a:xfrm>
+            <a:off x="9974997" y="5920978"/>
+            <a:ext cx="877866" cy="737750"/>
+          </a:xfrm>
+          <a:prstGeom prst="rect">
+            <a:avLst/>
+          </a:prstGeom>
+        </p:spPr>
+      </p:pic>
+      <p:sp>
+        <p:nvSpPr>
+          <p:cNvPr id="3" name="CasellaDiTesto 2">
+            <a:extLst>
+              <a:ext uri="{FF2B5EF4-FFF2-40B4-BE49-F238E27FC236}">
+                <a16:creationId xmlns:a16="http://schemas.microsoft.com/office/drawing/2014/main" id="{B8F84D0F-F8A9-3868-64E5-D30541CD8BF4}"/>
+              </a:ext>
+            </a:extLst>
+          </p:cNvPr>
+          <p:cNvSpPr txBox="1"/>
+          <p:nvPr/>
+        </p:nvSpPr>
+        <p:spPr>
+          <a:xfrm>
+            <a:off x="10690303" y="6178698"/>
+            <a:ext cx="1388962" cy="400110"/>
+          </a:xfrm>
+          <a:prstGeom prst="rect">
+            <a:avLst/>
+          </a:prstGeom>
+          <a:noFill/>
+        </p:spPr>
+        <p:txBody>
+          <a:bodyPr wrap="square" rtlCol="0">
+            <a:spAutoFit/>
+          </a:bodyPr>
+          <a:lstStyle/>
+          <a:p>
+            <a:r>
+              <a:rPr lang="en-US" sz="2000" dirty="0">
+                <a:latin typeface="Segoe UI Semibold" panose="020B0702040204020203" pitchFamily="34" charset="0"/>
+                <a:cs typeface="Segoe UI Semibold" panose="020B0702040204020203" pitchFamily="34" charset="0"/>
+              </a:rPr>
+              <a:t>MealMate</a:t>
+            </a:r>
+            <a:endParaRPr lang="en-GB" sz="2000" dirty="0"/>
+          </a:p>
+        </p:txBody>
+      </p:sp>
+      <p:sp>
+        <p:nvSpPr>
+          <p:cNvPr id="4" name="CasellaDiTesto 3">
+            <a:extLst>
+              <a:ext uri="{FF2B5EF4-FFF2-40B4-BE49-F238E27FC236}">
+                <a16:creationId xmlns:a16="http://schemas.microsoft.com/office/drawing/2014/main" id="{353588A8-C6F0-BC85-5178-7270B34B90E6}"/>
+              </a:ext>
+            </a:extLst>
+          </p:cNvPr>
+          <p:cNvSpPr txBox="1"/>
+          <p:nvPr/>
+        </p:nvSpPr>
+        <p:spPr>
+          <a:xfrm>
+            <a:off x="477520" y="690880"/>
+            <a:ext cx="2672080" cy="923330"/>
+          </a:xfrm>
+          <a:prstGeom prst="rect">
+            <a:avLst/>
+          </a:prstGeom>
+          <a:noFill/>
+        </p:spPr>
+        <p:txBody>
+          <a:bodyPr wrap="square" rtlCol="0">
+            <a:spAutoFit/>
+          </a:bodyPr>
+          <a:lstStyle/>
+          <a:p>
+            <a:pPr algn="ctr" defTabSz="914400">
+              <a:lnSpc>
+                <a:spcPct val="90000"/>
+              </a:lnSpc>
+              <a:spcBef>
+                <a:spcPct val="0"/>
+              </a:spcBef>
+            </a:pPr>
+            <a:r>
+              <a:rPr lang="it-IT" sz="6000" dirty="0">
+                <a:latin typeface="Segoe UI Semibold" panose="020B0702040204020203" pitchFamily="34" charset="0"/>
+                <a:ea typeface="+mj-ea"/>
+                <a:cs typeface="Segoe UI Semibold" panose="020B0702040204020203" pitchFamily="34" charset="0"/>
+              </a:rPr>
+              <a:t>Indice:</a:t>
+            </a:r>
+            <a:endParaRPr lang="en-GB" sz="6000" dirty="0">
+              <a:latin typeface="Segoe UI Semibold" panose="020B0702040204020203" pitchFamily="34" charset="0"/>
+              <a:ea typeface="+mj-ea"/>
+              <a:cs typeface="Segoe UI Semibold" panose="020B0702040204020203" pitchFamily="34" charset="0"/>
+            </a:endParaRPr>
+          </a:p>
+        </p:txBody>
+      </p:sp>
     </p:spTree>
     <p:extLst>
       <p:ext uri="{BB962C8B-B14F-4D97-AF65-F5344CB8AC3E}">
         <p14:creationId xmlns:p14="http://schemas.microsoft.com/office/powerpoint/2010/main" val="1067692637"/>
+      </p:ext>
+    </p:extLst>
+  </p:cSld>
+  <p:clrMapOvr>
+    <a:masterClrMapping/>
+  </p:clrMapOvr>
+</p:sld>
+</file>
+
+<file path=ppt/slides/slide3.xml><?xml version="1.0" encoding="utf-8"?>
+<p:sld xmlns:a="http://schemas.openxmlformats.org/drawingml/2006/main" xmlns:r="http://schemas.openxmlformats.org/officeDocument/2006/relationships" xmlns:p="http://schemas.openxmlformats.org/presentationml/2006/main">
+  <p:cSld>
+    <p:spTree>
+      <p:nvGrpSpPr>
+        <p:cNvPr id="1" name=""/>
+        <p:cNvGrpSpPr/>
+        <p:nvPr/>
+      </p:nvGrpSpPr>
+      <p:grpSpPr>
+        <a:xfrm>
+          <a:off x="0" y="0"/>
+          <a:ext cx="0" cy="0"/>
+          <a:chOff x="0" y="0"/>
+          <a:chExt cx="0" cy="0"/>
+        </a:xfrm>
+      </p:grpSpPr>
+      <p:pic>
+        <p:nvPicPr>
+          <p:cNvPr id="2" name="Immagine 1">
+            <a:extLst>
+              <a:ext uri="{FF2B5EF4-FFF2-40B4-BE49-F238E27FC236}">
+                <a16:creationId xmlns:a16="http://schemas.microsoft.com/office/drawing/2014/main" id="{678EBE94-B8F4-BD52-7A0D-E5385E34DCB6}"/>
+              </a:ext>
+            </a:extLst>
+          </p:cNvPr>
+          <p:cNvPicPr>
+            <a:picLocks noChangeAspect="1"/>
+          </p:cNvPicPr>
+          <p:nvPr/>
+        </p:nvPicPr>
+        <p:blipFill>
+          <a:blip r:embed="rId2">
+            <a:extLst>
+              <a:ext uri="{28A0092B-C50C-407E-A947-70E740481C1C}">
+                <a14:useLocalDpi xmlns:a14="http://schemas.microsoft.com/office/drawing/2010/main" val="0"/>
+              </a:ext>
+            </a:extLst>
+          </a:blip>
+          <a:stretch>
+            <a:fillRect/>
+          </a:stretch>
+        </p:blipFill>
+        <p:spPr>
+          <a:xfrm>
+            <a:off x="9974997" y="5920978"/>
+            <a:ext cx="877866" cy="737750"/>
+          </a:xfrm>
+          <a:prstGeom prst="rect">
+            <a:avLst/>
+          </a:prstGeom>
+        </p:spPr>
+      </p:pic>
+      <p:sp>
+        <p:nvSpPr>
+          <p:cNvPr id="3" name="CasellaDiTesto 2">
+            <a:extLst>
+              <a:ext uri="{FF2B5EF4-FFF2-40B4-BE49-F238E27FC236}">
+                <a16:creationId xmlns:a16="http://schemas.microsoft.com/office/drawing/2014/main" id="{B8F84D0F-F8A9-3868-64E5-D30541CD8BF4}"/>
+              </a:ext>
+            </a:extLst>
+          </p:cNvPr>
+          <p:cNvSpPr txBox="1"/>
+          <p:nvPr/>
+        </p:nvSpPr>
+        <p:spPr>
+          <a:xfrm>
+            <a:off x="10690303" y="6178698"/>
+            <a:ext cx="1388962" cy="400110"/>
+          </a:xfrm>
+          <a:prstGeom prst="rect">
+            <a:avLst/>
+          </a:prstGeom>
+          <a:noFill/>
+        </p:spPr>
+        <p:txBody>
+          <a:bodyPr wrap="square" rtlCol="0">
+            <a:spAutoFit/>
+          </a:bodyPr>
+          <a:lstStyle/>
+          <a:p>
+            <a:r>
+              <a:rPr lang="en-US" sz="2000" dirty="0">
+                <a:latin typeface="Segoe UI Semibold" panose="020B0702040204020203" pitchFamily="34" charset="0"/>
+                <a:cs typeface="Segoe UI Semibold" panose="020B0702040204020203" pitchFamily="34" charset="0"/>
+              </a:rPr>
+              <a:t>MealMate</a:t>
+            </a:r>
+            <a:endParaRPr lang="en-GB" sz="2000" dirty="0"/>
+          </a:p>
+        </p:txBody>
+      </p:sp>
+    </p:spTree>
+    <p:extLst>
+      <p:ext uri="{BB962C8B-B14F-4D97-AF65-F5344CB8AC3E}">
+        <p14:creationId xmlns:p14="http://schemas.microsoft.com/office/powerpoint/2010/main" val="3001815331"/>
+      </p:ext>
+    </p:extLst>
+  </p:cSld>
+  <p:clrMapOvr>
+    <a:masterClrMapping/>
+  </p:clrMapOvr>
+</p:sld>
+</file>
+
+<file path=ppt/slides/slide4.xml><?xml version="1.0" encoding="utf-8"?>
+<p:sld xmlns:a="http://schemas.openxmlformats.org/drawingml/2006/main" xmlns:r="http://schemas.openxmlformats.org/officeDocument/2006/relationships" xmlns:p="http://schemas.openxmlformats.org/presentationml/2006/main">
+  <p:cSld>
+    <p:spTree>
+      <p:nvGrpSpPr>
+        <p:cNvPr id="1" name=""/>
+        <p:cNvGrpSpPr/>
+        <p:nvPr/>
+      </p:nvGrpSpPr>
+      <p:grpSpPr>
+        <a:xfrm>
+          <a:off x="0" y="0"/>
+          <a:ext cx="0" cy="0"/>
+          <a:chOff x="0" y="0"/>
+          <a:chExt cx="0" cy="0"/>
+        </a:xfrm>
+      </p:grpSpPr>
+      <p:sp>
+        <p:nvSpPr>
+          <p:cNvPr id="2" name="Titolo 1">
+            <a:extLst>
+              <a:ext uri="{FF2B5EF4-FFF2-40B4-BE49-F238E27FC236}">
+                <a16:creationId xmlns:a16="http://schemas.microsoft.com/office/drawing/2014/main" id="{A38D2AA0-140D-E299-C6DF-1E2407DA821A}"/>
+              </a:ext>
+            </a:extLst>
+          </p:cNvPr>
+          <p:cNvSpPr>
+            <a:spLocks noGrp="1"/>
+          </p:cNvSpPr>
+          <p:nvPr>
+            <p:ph type="title"/>
+          </p:nvPr>
+        </p:nvSpPr>
+        <p:spPr/>
+        <p:txBody>
+          <a:bodyPr/>
+          <a:lstStyle/>
+          <a:p>
+            <a:endParaRPr lang="en-GB"/>
+          </a:p>
+        </p:txBody>
+      </p:sp>
+      <p:sp>
+        <p:nvSpPr>
+          <p:cNvPr id="3" name="Segnaposto contenuto 2">
+            <a:extLst>
+              <a:ext uri="{FF2B5EF4-FFF2-40B4-BE49-F238E27FC236}">
+                <a16:creationId xmlns:a16="http://schemas.microsoft.com/office/drawing/2014/main" id="{6BB13B5B-D1AD-6098-1A09-A48A8734B84C}"/>
+              </a:ext>
+            </a:extLst>
+          </p:cNvPr>
+          <p:cNvSpPr>
+            <a:spLocks noGrp="1"/>
+          </p:cNvSpPr>
+          <p:nvPr>
+            <p:ph idx="1"/>
+          </p:nvPr>
+        </p:nvSpPr>
+        <p:spPr/>
+        <p:txBody>
+          <a:bodyPr/>
+          <a:lstStyle/>
+          <a:p>
+            <a:endParaRPr lang="en-GB"/>
+          </a:p>
+        </p:txBody>
+      </p:sp>
+    </p:spTree>
+    <p:extLst>
+      <p:ext uri="{BB962C8B-B14F-4D97-AF65-F5344CB8AC3E}">
+        <p14:creationId xmlns:p14="http://schemas.microsoft.com/office/powerpoint/2010/main" val="1154944090"/>
+      </p:ext>
+    </p:extLst>
+  </p:cSld>
+  <p:clrMapOvr>
+    <a:masterClrMapping/>
+  </p:clrMapOvr>
+</p:sld>
+</file>
+
+<file path=ppt/slides/slide5.xml><?xml version="1.0" encoding="utf-8"?>
+<p:sld xmlns:a="http://schemas.openxmlformats.org/drawingml/2006/main" xmlns:r="http://schemas.openxmlformats.org/officeDocument/2006/relationships" xmlns:p="http://schemas.openxmlformats.org/presentationml/2006/main">
+  <p:cSld>
+    <p:spTree>
+      <p:nvGrpSpPr>
+        <p:cNvPr id="1" name=""/>
+        <p:cNvGrpSpPr/>
+        <p:nvPr/>
+      </p:nvGrpSpPr>
+      <p:grpSpPr>
+        <a:xfrm>
+          <a:off x="0" y="0"/>
+          <a:ext cx="0" cy="0"/>
+          <a:chOff x="0" y="0"/>
+          <a:chExt cx="0" cy="0"/>
+        </a:xfrm>
+      </p:grpSpPr>
+      <p:sp>
+        <p:nvSpPr>
+          <p:cNvPr id="15" name="Documento 14">
+            <a:extLst>
+              <a:ext uri="{FF2B5EF4-FFF2-40B4-BE49-F238E27FC236}">
+                <a16:creationId xmlns:a16="http://schemas.microsoft.com/office/drawing/2014/main" id="{9D1D7D0F-BF5B-BB09-3990-69D3FE3A0727}"/>
+              </a:ext>
+            </a:extLst>
+          </p:cNvPr>
+          <p:cNvSpPr/>
+          <p:nvPr/>
+        </p:nvSpPr>
+        <p:spPr>
+          <a:xfrm>
+            <a:off x="-1213009" y="-600286"/>
+            <a:ext cx="14132631" cy="4106613"/>
+          </a:xfrm>
+          <a:custGeom>
+            <a:avLst/>
+            <a:gdLst>
+              <a:gd name="connsiteX0" fmla="*/ 0 w 21600"/>
+              <a:gd name="connsiteY0" fmla="*/ 0 h 21600"/>
+              <a:gd name="connsiteX1" fmla="*/ 21600 w 21600"/>
+              <a:gd name="connsiteY1" fmla="*/ 0 h 21600"/>
+              <a:gd name="connsiteX2" fmla="*/ 21600 w 21600"/>
+              <a:gd name="connsiteY2" fmla="*/ 17322 h 21600"/>
+              <a:gd name="connsiteX3" fmla="*/ 0 w 21600"/>
+              <a:gd name="connsiteY3" fmla="*/ 20172 h 21600"/>
+              <a:gd name="connsiteX4" fmla="*/ 0 w 21600"/>
+              <a:gd name="connsiteY4" fmla="*/ 0 h 21600"/>
+              <a:gd name="connsiteX0" fmla="*/ 3878 w 25478"/>
+              <a:gd name="connsiteY0" fmla="*/ 0 h 35306"/>
+              <a:gd name="connsiteX1" fmla="*/ 25478 w 25478"/>
+              <a:gd name="connsiteY1" fmla="*/ 0 h 35306"/>
+              <a:gd name="connsiteX2" fmla="*/ 25478 w 25478"/>
+              <a:gd name="connsiteY2" fmla="*/ 17322 h 35306"/>
+              <a:gd name="connsiteX3" fmla="*/ 0 w 25478"/>
+              <a:gd name="connsiteY3" fmla="*/ 34864 h 35306"/>
+              <a:gd name="connsiteX4" fmla="*/ 3878 w 25478"/>
+              <a:gd name="connsiteY4" fmla="*/ 0 h 35306"/>
+              <a:gd name="connsiteX0" fmla="*/ 3878 w 28319"/>
+              <a:gd name="connsiteY0" fmla="*/ 0 h 35177"/>
+              <a:gd name="connsiteX1" fmla="*/ 25478 w 28319"/>
+              <a:gd name="connsiteY1" fmla="*/ 0 h 35177"/>
+              <a:gd name="connsiteX2" fmla="*/ 28319 w 28319"/>
+              <a:gd name="connsiteY2" fmla="*/ 7462 h 35177"/>
+              <a:gd name="connsiteX3" fmla="*/ 0 w 28319"/>
+              <a:gd name="connsiteY3" fmla="*/ 34864 h 35177"/>
+              <a:gd name="connsiteX4" fmla="*/ 3878 w 28319"/>
+              <a:gd name="connsiteY4" fmla="*/ 0 h 35177"/>
+              <a:gd name="connsiteX0" fmla="*/ 5411 w 29852"/>
+              <a:gd name="connsiteY0" fmla="*/ 0 h 48743"/>
+              <a:gd name="connsiteX1" fmla="*/ 27011 w 29852"/>
+              <a:gd name="connsiteY1" fmla="*/ 0 h 48743"/>
+              <a:gd name="connsiteX2" fmla="*/ 29852 w 29852"/>
+              <a:gd name="connsiteY2" fmla="*/ 7462 h 48743"/>
+              <a:gd name="connsiteX3" fmla="*/ 0 w 29852"/>
+              <a:gd name="connsiteY3" fmla="*/ 48521 h 48743"/>
+              <a:gd name="connsiteX4" fmla="*/ 5411 w 29852"/>
+              <a:gd name="connsiteY4" fmla="*/ 0 h 48743"/>
+              <a:gd name="connsiteX0" fmla="*/ 5479 w 29920"/>
+              <a:gd name="connsiteY0" fmla="*/ 0 h 38589"/>
+              <a:gd name="connsiteX1" fmla="*/ 27079 w 29920"/>
+              <a:gd name="connsiteY1" fmla="*/ 0 h 38589"/>
+              <a:gd name="connsiteX2" fmla="*/ 29920 w 29920"/>
+              <a:gd name="connsiteY2" fmla="*/ 7462 h 38589"/>
+              <a:gd name="connsiteX3" fmla="*/ 0 w 29920"/>
+              <a:gd name="connsiteY3" fmla="*/ 38305 h 38589"/>
+              <a:gd name="connsiteX4" fmla="*/ 5479 w 29920"/>
+              <a:gd name="connsiteY4" fmla="*/ 0 h 38589"/>
+              <a:gd name="connsiteX0" fmla="*/ 5479 w 62523"/>
+              <a:gd name="connsiteY0" fmla="*/ 0 h 38554"/>
+              <a:gd name="connsiteX1" fmla="*/ 27079 w 62523"/>
+              <a:gd name="connsiteY1" fmla="*/ 0 h 38554"/>
+              <a:gd name="connsiteX2" fmla="*/ 62523 w 62523"/>
+              <a:gd name="connsiteY2" fmla="*/ 2208 h 38554"/>
+              <a:gd name="connsiteX3" fmla="*/ 0 w 62523"/>
+              <a:gd name="connsiteY3" fmla="*/ 38305 h 38554"/>
+              <a:gd name="connsiteX4" fmla="*/ 5479 w 62523"/>
+              <a:gd name="connsiteY4" fmla="*/ 0 h 38554"/>
+              <a:gd name="connsiteX0" fmla="*/ 5479 w 62523"/>
+              <a:gd name="connsiteY0" fmla="*/ 0 h 38495"/>
+              <a:gd name="connsiteX1" fmla="*/ 27079 w 62523"/>
+              <a:gd name="connsiteY1" fmla="*/ 0 h 38495"/>
+              <a:gd name="connsiteX2" fmla="*/ 62523 w 62523"/>
+              <a:gd name="connsiteY2" fmla="*/ 2208 h 38495"/>
+              <a:gd name="connsiteX3" fmla="*/ 0 w 62523"/>
+              <a:gd name="connsiteY3" fmla="*/ 38305 h 38495"/>
+              <a:gd name="connsiteX4" fmla="*/ 5479 w 62523"/>
+              <a:gd name="connsiteY4" fmla="*/ 0 h 38495"/>
+              <a:gd name="connsiteX0" fmla="*/ 5479 w 62523"/>
+              <a:gd name="connsiteY0" fmla="*/ 0 h 36314"/>
+              <a:gd name="connsiteX1" fmla="*/ 27079 w 62523"/>
+              <a:gd name="connsiteY1" fmla="*/ 0 h 36314"/>
+              <a:gd name="connsiteX2" fmla="*/ 62523 w 62523"/>
+              <a:gd name="connsiteY2" fmla="*/ 2208 h 36314"/>
+              <a:gd name="connsiteX3" fmla="*/ 0 w 62523"/>
+              <a:gd name="connsiteY3" fmla="*/ 36116 h 36314"/>
+              <a:gd name="connsiteX4" fmla="*/ 5479 w 62523"/>
+              <a:gd name="connsiteY4" fmla="*/ 0 h 36314"/>
+              <a:gd name="connsiteX0" fmla="*/ 5479 w 62523"/>
+              <a:gd name="connsiteY0" fmla="*/ 583 h 36699"/>
+              <a:gd name="connsiteX1" fmla="*/ 27079 w 62523"/>
+              <a:gd name="connsiteY1" fmla="*/ 583 h 36699"/>
+              <a:gd name="connsiteX2" fmla="*/ 62523 w 62523"/>
+              <a:gd name="connsiteY2" fmla="*/ 2791 h 36699"/>
+              <a:gd name="connsiteX3" fmla="*/ 0 w 62523"/>
+              <a:gd name="connsiteY3" fmla="*/ 36699 h 36699"/>
+              <a:gd name="connsiteX4" fmla="*/ 5479 w 62523"/>
+              <a:gd name="connsiteY4" fmla="*/ 583 h 36699"/>
+              <a:gd name="connsiteX0" fmla="*/ 5479 w 62658"/>
+              <a:gd name="connsiteY0" fmla="*/ 0 h 36116"/>
+              <a:gd name="connsiteX1" fmla="*/ 27079 w 62658"/>
+              <a:gd name="connsiteY1" fmla="*/ 0 h 36116"/>
+              <a:gd name="connsiteX2" fmla="*/ 62658 w 62658"/>
+              <a:gd name="connsiteY2" fmla="*/ 3959 h 36116"/>
+              <a:gd name="connsiteX3" fmla="*/ 0 w 62658"/>
+              <a:gd name="connsiteY3" fmla="*/ 36116 h 36116"/>
+              <a:gd name="connsiteX4" fmla="*/ 5479 w 62658"/>
+              <a:gd name="connsiteY4" fmla="*/ 0 h 36116"/>
+              <a:gd name="connsiteX0" fmla="*/ 5479 w 62658"/>
+              <a:gd name="connsiteY0" fmla="*/ 0 h 36116"/>
+              <a:gd name="connsiteX1" fmla="*/ 27079 w 62658"/>
+              <a:gd name="connsiteY1" fmla="*/ 0 h 36116"/>
+              <a:gd name="connsiteX2" fmla="*/ 62658 w 62658"/>
+              <a:gd name="connsiteY2" fmla="*/ 3959 h 36116"/>
+              <a:gd name="connsiteX3" fmla="*/ 0 w 62658"/>
+              <a:gd name="connsiteY3" fmla="*/ 36116 h 36116"/>
+              <a:gd name="connsiteX4" fmla="*/ 5479 w 62658"/>
+              <a:gd name="connsiteY4" fmla="*/ 0 h 36116"/>
+              <a:gd name="connsiteX0" fmla="*/ 5479 w 62658"/>
+              <a:gd name="connsiteY0" fmla="*/ 3211 h 39327"/>
+              <a:gd name="connsiteX1" fmla="*/ 26403 w 62658"/>
+              <a:gd name="connsiteY1" fmla="*/ 0 h 39327"/>
+              <a:gd name="connsiteX2" fmla="*/ 62658 w 62658"/>
+              <a:gd name="connsiteY2" fmla="*/ 7170 h 39327"/>
+              <a:gd name="connsiteX3" fmla="*/ 0 w 62658"/>
+              <a:gd name="connsiteY3" fmla="*/ 39327 h 39327"/>
+              <a:gd name="connsiteX4" fmla="*/ 5479 w 62658"/>
+              <a:gd name="connsiteY4" fmla="*/ 3211 h 39327"/>
+              <a:gd name="connsiteX0" fmla="*/ 5479 w 62726"/>
+              <a:gd name="connsiteY0" fmla="*/ 3211 h 39327"/>
+              <a:gd name="connsiteX1" fmla="*/ 26403 w 62726"/>
+              <a:gd name="connsiteY1" fmla="*/ 0 h 39327"/>
+              <a:gd name="connsiteX2" fmla="*/ 62726 w 62726"/>
+              <a:gd name="connsiteY2" fmla="*/ 5856 h 39327"/>
+              <a:gd name="connsiteX3" fmla="*/ 0 w 62726"/>
+              <a:gd name="connsiteY3" fmla="*/ 39327 h 39327"/>
+              <a:gd name="connsiteX4" fmla="*/ 5479 w 62726"/>
+              <a:gd name="connsiteY4" fmla="*/ 3211 h 39327"/>
+            </a:gdLst>
+            <a:ahLst/>
+            <a:cxnLst>
+              <a:cxn ang="0">
+                <a:pos x="connsiteX0" y="connsiteY0"/>
+              </a:cxn>
+              <a:cxn ang="0">
+                <a:pos x="connsiteX1" y="connsiteY1"/>
+              </a:cxn>
+              <a:cxn ang="0">
+                <a:pos x="connsiteX2" y="connsiteY2"/>
+              </a:cxn>
+              <a:cxn ang="0">
+                <a:pos x="connsiteX3" y="connsiteY3"/>
+              </a:cxn>
+              <a:cxn ang="0">
+                <a:pos x="connsiteX4" y="connsiteY4"/>
+              </a:cxn>
+            </a:cxnLst>
+            <a:rect l="l" t="t" r="r" b="b"/>
+            <a:pathLst>
+              <a:path w="62726" h="39327">
+                <a:moveTo>
+                  <a:pt x="5479" y="3211"/>
+                </a:moveTo>
+                <a:lnTo>
+                  <a:pt x="26403" y="0"/>
+                </a:lnTo>
+                <a:lnTo>
+                  <a:pt x="62726" y="5856"/>
+                </a:lnTo>
+                <a:cubicBezTo>
+                  <a:pt x="39750" y="5418"/>
+                  <a:pt x="9515" y="29212"/>
+                  <a:pt x="0" y="39327"/>
+                </a:cubicBezTo>
+                <a:lnTo>
+                  <a:pt x="5479" y="3211"/>
+                </a:lnTo>
+                <a:close/>
+              </a:path>
+            </a:pathLst>
+          </a:custGeom>
+          <a:solidFill>
+            <a:srgbClr val="61AC43"/>
+          </a:solidFill>
+          <a:ln>
+            <a:noFill/>
+          </a:ln>
+        </p:spPr>
+        <p:style>
+          <a:lnRef idx="2">
+            <a:schemeClr val="accent1">
+              <a:shade val="50000"/>
+            </a:schemeClr>
+          </a:lnRef>
+          <a:fillRef idx="1">
+            <a:schemeClr val="accent1"/>
+          </a:fillRef>
+          <a:effectRef idx="0">
+            <a:schemeClr val="accent1"/>
+          </a:effectRef>
+          <a:fontRef idx="minor">
+            <a:schemeClr val="lt1"/>
+          </a:fontRef>
+        </p:style>
+        <p:txBody>
+          <a:bodyPr rtlCol="0" anchor="ctr"/>
+          <a:lstStyle/>
+          <a:p>
+            <a:pPr algn="ctr"/>
+            <a:endParaRPr lang="en-GB">
+              <a:solidFill>
+                <a:srgbClr val="54A339"/>
+              </a:solidFill>
+            </a:endParaRPr>
+          </a:p>
+        </p:txBody>
+      </p:sp>
+      <p:sp>
+        <p:nvSpPr>
+          <p:cNvPr id="18" name="Documento 14">
+            <a:extLst>
+              <a:ext uri="{FF2B5EF4-FFF2-40B4-BE49-F238E27FC236}">
+                <a16:creationId xmlns:a16="http://schemas.microsoft.com/office/drawing/2014/main" id="{6D91E880-30D5-A636-DBDF-06BE16318FAC}"/>
+              </a:ext>
+            </a:extLst>
+          </p:cNvPr>
+          <p:cNvSpPr/>
+          <p:nvPr/>
+        </p:nvSpPr>
+        <p:spPr>
+          <a:xfrm rot="11754232">
+            <a:off x="-902761" y="2906222"/>
+            <a:ext cx="13466398" cy="7559960"/>
+          </a:xfrm>
+          <a:custGeom>
+            <a:avLst/>
+            <a:gdLst>
+              <a:gd name="connsiteX0" fmla="*/ 0 w 21600"/>
+              <a:gd name="connsiteY0" fmla="*/ 0 h 21600"/>
+              <a:gd name="connsiteX1" fmla="*/ 21600 w 21600"/>
+              <a:gd name="connsiteY1" fmla="*/ 0 h 21600"/>
+              <a:gd name="connsiteX2" fmla="*/ 21600 w 21600"/>
+              <a:gd name="connsiteY2" fmla="*/ 17322 h 21600"/>
+              <a:gd name="connsiteX3" fmla="*/ 0 w 21600"/>
+              <a:gd name="connsiteY3" fmla="*/ 20172 h 21600"/>
+              <a:gd name="connsiteX4" fmla="*/ 0 w 21600"/>
+              <a:gd name="connsiteY4" fmla="*/ 0 h 21600"/>
+              <a:gd name="connsiteX0" fmla="*/ 3878 w 25478"/>
+              <a:gd name="connsiteY0" fmla="*/ 0 h 35306"/>
+              <a:gd name="connsiteX1" fmla="*/ 25478 w 25478"/>
+              <a:gd name="connsiteY1" fmla="*/ 0 h 35306"/>
+              <a:gd name="connsiteX2" fmla="*/ 25478 w 25478"/>
+              <a:gd name="connsiteY2" fmla="*/ 17322 h 35306"/>
+              <a:gd name="connsiteX3" fmla="*/ 0 w 25478"/>
+              <a:gd name="connsiteY3" fmla="*/ 34864 h 35306"/>
+              <a:gd name="connsiteX4" fmla="*/ 3878 w 25478"/>
+              <a:gd name="connsiteY4" fmla="*/ 0 h 35306"/>
+              <a:gd name="connsiteX0" fmla="*/ 3878 w 28319"/>
+              <a:gd name="connsiteY0" fmla="*/ 0 h 35177"/>
+              <a:gd name="connsiteX1" fmla="*/ 25478 w 28319"/>
+              <a:gd name="connsiteY1" fmla="*/ 0 h 35177"/>
+              <a:gd name="connsiteX2" fmla="*/ 28319 w 28319"/>
+              <a:gd name="connsiteY2" fmla="*/ 7462 h 35177"/>
+              <a:gd name="connsiteX3" fmla="*/ 0 w 28319"/>
+              <a:gd name="connsiteY3" fmla="*/ 34864 h 35177"/>
+              <a:gd name="connsiteX4" fmla="*/ 3878 w 28319"/>
+              <a:gd name="connsiteY4" fmla="*/ 0 h 35177"/>
+              <a:gd name="connsiteX0" fmla="*/ 5411 w 29852"/>
+              <a:gd name="connsiteY0" fmla="*/ 0 h 48743"/>
+              <a:gd name="connsiteX1" fmla="*/ 27011 w 29852"/>
+              <a:gd name="connsiteY1" fmla="*/ 0 h 48743"/>
+              <a:gd name="connsiteX2" fmla="*/ 29852 w 29852"/>
+              <a:gd name="connsiteY2" fmla="*/ 7462 h 48743"/>
+              <a:gd name="connsiteX3" fmla="*/ 0 w 29852"/>
+              <a:gd name="connsiteY3" fmla="*/ 48521 h 48743"/>
+              <a:gd name="connsiteX4" fmla="*/ 5411 w 29852"/>
+              <a:gd name="connsiteY4" fmla="*/ 0 h 48743"/>
+              <a:gd name="connsiteX0" fmla="*/ 5411 w 35876"/>
+              <a:gd name="connsiteY0" fmla="*/ 0 h 48801"/>
+              <a:gd name="connsiteX1" fmla="*/ 27011 w 35876"/>
+              <a:gd name="connsiteY1" fmla="*/ 0 h 48801"/>
+              <a:gd name="connsiteX2" fmla="*/ 35876 w 35876"/>
+              <a:gd name="connsiteY2" fmla="*/ 17117 h 48801"/>
+              <a:gd name="connsiteX3" fmla="*/ 0 w 35876"/>
+              <a:gd name="connsiteY3" fmla="*/ 48521 h 48801"/>
+              <a:gd name="connsiteX4" fmla="*/ 5411 w 35876"/>
+              <a:gd name="connsiteY4" fmla="*/ 0 h 48801"/>
+              <a:gd name="connsiteX0" fmla="*/ 5411 w 35876"/>
+              <a:gd name="connsiteY0" fmla="*/ 0 h 48741"/>
+              <a:gd name="connsiteX1" fmla="*/ 27011 w 35876"/>
+              <a:gd name="connsiteY1" fmla="*/ 0 h 48741"/>
+              <a:gd name="connsiteX2" fmla="*/ 35876 w 35876"/>
+              <a:gd name="connsiteY2" fmla="*/ 17117 h 48741"/>
+              <a:gd name="connsiteX3" fmla="*/ 0 w 35876"/>
+              <a:gd name="connsiteY3" fmla="*/ 48521 h 48741"/>
+              <a:gd name="connsiteX4" fmla="*/ 5411 w 35876"/>
+              <a:gd name="connsiteY4" fmla="*/ 0 h 48741"/>
+              <a:gd name="connsiteX0" fmla="*/ 5411 w 35876"/>
+              <a:gd name="connsiteY0" fmla="*/ 0 h 48741"/>
+              <a:gd name="connsiteX1" fmla="*/ 27427 w 35876"/>
+              <a:gd name="connsiteY1" fmla="*/ 5885 h 48741"/>
+              <a:gd name="connsiteX2" fmla="*/ 35876 w 35876"/>
+              <a:gd name="connsiteY2" fmla="*/ 17117 h 48741"/>
+              <a:gd name="connsiteX3" fmla="*/ 0 w 35876"/>
+              <a:gd name="connsiteY3" fmla="*/ 48521 h 48741"/>
+              <a:gd name="connsiteX4" fmla="*/ 5411 w 35876"/>
+              <a:gd name="connsiteY4" fmla="*/ 0 h 48741"/>
+              <a:gd name="connsiteX0" fmla="*/ 5411 w 59769"/>
+              <a:gd name="connsiteY0" fmla="*/ 0 h 48687"/>
+              <a:gd name="connsiteX1" fmla="*/ 27427 w 59769"/>
+              <a:gd name="connsiteY1" fmla="*/ 5885 h 48687"/>
+              <a:gd name="connsiteX2" fmla="*/ 59769 w 59769"/>
+              <a:gd name="connsiteY2" fmla="*/ 1518 h 48687"/>
+              <a:gd name="connsiteX3" fmla="*/ 0 w 59769"/>
+              <a:gd name="connsiteY3" fmla="*/ 48521 h 48687"/>
+              <a:gd name="connsiteX4" fmla="*/ 5411 w 59769"/>
+              <a:gd name="connsiteY4" fmla="*/ 0 h 48687"/>
+              <a:gd name="connsiteX0" fmla="*/ 5411 w 59769"/>
+              <a:gd name="connsiteY0" fmla="*/ 23711 h 72398"/>
+              <a:gd name="connsiteX1" fmla="*/ 48909 w 59769"/>
+              <a:gd name="connsiteY1" fmla="*/ 0 h 72398"/>
+              <a:gd name="connsiteX2" fmla="*/ 59769 w 59769"/>
+              <a:gd name="connsiteY2" fmla="*/ 25229 h 72398"/>
+              <a:gd name="connsiteX3" fmla="*/ 0 w 59769"/>
+              <a:gd name="connsiteY3" fmla="*/ 72232 h 72398"/>
+              <a:gd name="connsiteX4" fmla="*/ 5411 w 59769"/>
+              <a:gd name="connsiteY4" fmla="*/ 23711 h 72398"/>
+            </a:gdLst>
+            <a:ahLst/>
+            <a:cxnLst>
+              <a:cxn ang="0">
+                <a:pos x="connsiteX0" y="connsiteY0"/>
+              </a:cxn>
+              <a:cxn ang="0">
+                <a:pos x="connsiteX1" y="connsiteY1"/>
+              </a:cxn>
+              <a:cxn ang="0">
+                <a:pos x="connsiteX2" y="connsiteY2"/>
+              </a:cxn>
+              <a:cxn ang="0">
+                <a:pos x="connsiteX3" y="connsiteY3"/>
+              </a:cxn>
+              <a:cxn ang="0">
+                <a:pos x="connsiteX4" y="connsiteY4"/>
+              </a:cxn>
+            </a:cxnLst>
+            <a:rect l="l" t="t" r="r" b="b"/>
+            <a:pathLst>
+              <a:path w="59769" h="72398">
+                <a:moveTo>
+                  <a:pt x="5411" y="23711"/>
+                </a:moveTo>
+                <a:lnTo>
+                  <a:pt x="48909" y="0"/>
+                </a:lnTo>
+                <a:lnTo>
+                  <a:pt x="59769" y="25229"/>
+                </a:lnTo>
+                <a:cubicBezTo>
+                  <a:pt x="42687" y="14964"/>
+                  <a:pt x="10800" y="75982"/>
+                  <a:pt x="0" y="72232"/>
+                </a:cubicBezTo>
+                <a:lnTo>
+                  <a:pt x="5411" y="23711"/>
+                </a:lnTo>
+                <a:close/>
+              </a:path>
+            </a:pathLst>
+          </a:custGeom>
+          <a:solidFill>
+            <a:srgbClr val="61AC43"/>
+          </a:solidFill>
+          <a:ln>
+            <a:solidFill>
+              <a:srgbClr val="61AC43"/>
+            </a:solidFill>
+          </a:ln>
+        </p:spPr>
+        <p:style>
+          <a:lnRef idx="2">
+            <a:schemeClr val="accent1">
+              <a:shade val="50000"/>
+            </a:schemeClr>
+          </a:lnRef>
+          <a:fillRef idx="1">
+            <a:schemeClr val="accent1"/>
+          </a:fillRef>
+          <a:effectRef idx="0">
+            <a:schemeClr val="accent1"/>
+          </a:effectRef>
+          <a:fontRef idx="minor">
+            <a:schemeClr val="lt1"/>
+          </a:fontRef>
+        </p:style>
+        <p:txBody>
+          <a:bodyPr rtlCol="0" anchor="ctr"/>
+          <a:lstStyle/>
+          <a:p>
+            <a:pPr algn="ctr"/>
+            <a:endParaRPr lang="en-GB"/>
+          </a:p>
+        </p:txBody>
+      </p:sp>
+    </p:spTree>
+    <p:extLst>
+      <p:ext uri="{BB962C8B-B14F-4D97-AF65-F5344CB8AC3E}">
+        <p14:creationId xmlns:p14="http://schemas.microsoft.com/office/powerpoint/2010/main" val="2772124038"/>
       </p:ext>
     </p:extLst>
   </p:cSld>

--- a/documents/Presentation/MealMate.pptx
+++ b/documents/Presentation/MealMate.pptx
@@ -5,14 +5,16 @@
     <p:sldMasterId id="2147483672" r:id="rId1"/>
   </p:sldMasterIdLst>
   <p:notesMasterIdLst>
-    <p:notesMasterId r:id="rId7"/>
+    <p:notesMasterId r:id="rId9"/>
   </p:notesMasterIdLst>
   <p:sldIdLst>
     <p:sldId id="256" r:id="rId2"/>
-    <p:sldId id="257" r:id="rId3"/>
-    <p:sldId id="258" r:id="rId4"/>
-    <p:sldId id="259" r:id="rId5"/>
-    <p:sldId id="260" r:id="rId6"/>
+    <p:sldId id="262" r:id="rId3"/>
+    <p:sldId id="257" r:id="rId4"/>
+    <p:sldId id="260" r:id="rId5"/>
+    <p:sldId id="258" r:id="rId6"/>
+    <p:sldId id="261" r:id="rId7"/>
+    <p:sldId id="259" r:id="rId8"/>
   </p:sldIdLst>
   <p:sldSz cx="12192000" cy="6858000"/>
   <p:notesSz cx="6858000" cy="9144000"/>
@@ -514,30 +516,53 @@
           <a:lstStyle/>
           <a:p>
             <a:r>
-              <a:rPr lang="en-US" dirty="0"/>
-              <a:t>To do&gt; </a:t>
-            </a:r>
-            <a:r>
-              <a:rPr lang="en-US" dirty="0" err="1"/>
-              <a:t>aggiungere</a:t>
-            </a:r>
-            <a:r>
-              <a:rPr lang="en-US" dirty="0"/>
-              <a:t> </a:t>
-            </a:r>
-            <a:r>
-              <a:rPr lang="en-US" dirty="0" err="1"/>
-              <a:t>loghino</a:t>
-            </a:r>
-            <a:r>
-              <a:rPr lang="en-US" dirty="0"/>
-              <a:t>, fare </a:t>
-            </a:r>
-            <a:r>
-              <a:rPr lang="en-US" dirty="0" err="1"/>
-              <a:t>grafica</a:t>
-            </a:r>
-            <a:endParaRPr lang="en-US" dirty="0"/>
+              <a:rPr lang="it-IT" b="0" i="0" dirty="0">
+                <a:solidFill>
+                  <a:srgbClr val="DCDDDE"/>
+                </a:solidFill>
+                <a:effectLst/>
+                <a:latin typeface="gg sans"/>
+              </a:rPr>
+              <a:t>Quante volte vi è capitato di andare a fare la spesa e dimenticarvi di comprare qualcosa o di non sapere cosa prendere? Ecco, questo da oggi in poi sarà solo un brutto ricordo, perché con </a:t>
+            </a:r>
+            <a:r>
+              <a:rPr lang="it-IT" b="0" i="0" dirty="0" err="1">
+                <a:solidFill>
+                  <a:srgbClr val="DCDDDE"/>
+                </a:solidFill>
+                <a:effectLst/>
+                <a:latin typeface="gg sans"/>
+              </a:rPr>
+              <a:t>Meal</a:t>
+            </a:r>
+            <a:r>
+              <a:rPr lang="it-IT" b="0" i="0" dirty="0">
+                <a:solidFill>
+                  <a:srgbClr val="DCDDDE"/>
+                </a:solidFill>
+                <a:effectLst/>
+                <a:latin typeface="gg sans"/>
+              </a:rPr>
+              <a:t> Mate la spesa si scriverà per voi!</a:t>
+            </a:r>
+          </a:p>
+          <a:p>
+            <a:endParaRPr lang="it-IT" b="0" i="0" dirty="0">
+              <a:solidFill>
+                <a:srgbClr val="DCDDDE"/>
+              </a:solidFill>
+              <a:effectLst/>
+              <a:latin typeface="gg sans"/>
+            </a:endParaRPr>
+          </a:p>
+          <a:p>
+            <a:endParaRPr lang="it-IT" b="0" i="0" dirty="0">
+              <a:solidFill>
+                <a:srgbClr val="DCDDDE"/>
+              </a:solidFill>
+              <a:effectLst/>
+              <a:latin typeface="gg sans"/>
+            </a:endParaRPr>
           </a:p>
           <a:p>
             <a:r>
@@ -644,52 +669,150 @@
           <a:lstStyle/>
           <a:p>
             <a:r>
-              <a:rPr lang="en-US" dirty="0"/>
-              <a:t>To do&gt; </a:t>
-            </a:r>
-            <a:r>
-              <a:rPr lang="en-US" dirty="0" err="1"/>
-              <a:t>aggiungere</a:t>
-            </a:r>
-            <a:r>
-              <a:rPr lang="en-US" dirty="0"/>
-              <a:t> </a:t>
-            </a:r>
-            <a:r>
-              <a:rPr lang="en-US" dirty="0" err="1"/>
-              <a:t>loghino</a:t>
-            </a:r>
-            <a:r>
-              <a:rPr lang="en-US" dirty="0"/>
-              <a:t>, fare </a:t>
-            </a:r>
-            <a:r>
-              <a:rPr lang="en-US" dirty="0" err="1"/>
-              <a:t>grafica</a:t>
-            </a:r>
-            <a:endParaRPr lang="en-US" dirty="0"/>
-          </a:p>
-          <a:p>
-            <a:r>
-              <a:rPr lang="en-US" dirty="0"/>
-              <a:t>Font&gt; Segoe UI </a:t>
-            </a:r>
-            <a:r>
-              <a:rPr lang="en-US" dirty="0" err="1"/>
-              <a:t>Semibold</a:t>
-            </a:r>
-            <a:r>
-              <a:rPr lang="en-US" dirty="0"/>
-              <a:t> (</a:t>
-            </a:r>
-            <a:r>
-              <a:rPr lang="en-US" dirty="0" err="1"/>
-              <a:t>titoli</a:t>
-            </a:r>
-            <a:r>
-              <a:rPr lang="en-US" dirty="0"/>
-              <a:t>), Century Gothic(testo)</a:t>
-            </a:r>
+              <a:rPr lang="it-IT" b="0" i="0" dirty="0" err="1">
+                <a:solidFill>
+                  <a:srgbClr val="DCDDDE"/>
+                </a:solidFill>
+                <a:effectLst/>
+                <a:latin typeface="gg sans"/>
+              </a:rPr>
+              <a:t>Meal</a:t>
+            </a:r>
+            <a:r>
+              <a:rPr lang="it-IT" b="0" i="0" dirty="0">
+                <a:solidFill>
+                  <a:srgbClr val="DCDDDE"/>
+                </a:solidFill>
+                <a:effectLst/>
+                <a:latin typeface="gg sans"/>
+              </a:rPr>
+              <a:t> Mate </a:t>
+            </a:r>
+            <a:r>
+              <a:rPr lang="it-IT" b="0" i="0" dirty="0" err="1">
+                <a:solidFill>
+                  <a:srgbClr val="DCDDDE"/>
+                </a:solidFill>
+                <a:effectLst/>
+                <a:latin typeface="gg sans"/>
+              </a:rPr>
+              <a:t>e’</a:t>
+            </a:r>
+            <a:r>
+              <a:rPr lang="it-IT" b="0" i="0" dirty="0">
+                <a:solidFill>
+                  <a:srgbClr val="DCDDDE"/>
+                </a:solidFill>
+                <a:effectLst/>
+                <a:latin typeface="gg sans"/>
+              </a:rPr>
+              <a:t> un software </a:t>
+            </a:r>
+            <a:r>
+              <a:rPr lang="it-IT" b="0" i="0" dirty="0" err="1">
+                <a:solidFill>
+                  <a:srgbClr val="DCDDDE"/>
+                </a:solidFill>
+                <a:effectLst/>
+                <a:latin typeface="gg sans"/>
+              </a:rPr>
+              <a:t>multiplatform</a:t>
+            </a:r>
+            <a:r>
+              <a:rPr lang="it-IT" b="0" i="0" dirty="0">
+                <a:solidFill>
+                  <a:srgbClr val="DCDDDE"/>
+                </a:solidFill>
+                <a:effectLst/>
+                <a:latin typeface="gg sans"/>
+              </a:rPr>
+              <a:t> ideato per stilare una lista della spesa in base alle preferenze alimentare del cliente.</a:t>
+            </a:r>
+            <a:endParaRPr lang="en-GB" dirty="0"/>
+          </a:p>
+        </p:txBody>
+      </p:sp>
+      <p:sp>
+        <p:nvSpPr>
+          <p:cNvPr id="4" name="Segnaposto numero diapositiva 3"/>
+          <p:cNvSpPr>
+            <a:spLocks noGrp="1"/>
+          </p:cNvSpPr>
+          <p:nvPr>
+            <p:ph type="sldNum" sz="quarter" idx="5"/>
+          </p:nvPr>
+        </p:nvSpPr>
+        <p:spPr/>
+        <p:txBody>
+          <a:bodyPr/>
+          <a:lstStyle/>
+          <a:p>
+            <a:fld id="{D8D55580-2FF4-4D84-8958-8097752F81CD}" type="slidenum">
+              <a:rPr lang="en-US" smtClean="0"/>
+              <a:t>2</a:t>
+            </a:fld>
+            <a:endParaRPr lang="en-US"/>
+          </a:p>
+        </p:txBody>
+      </p:sp>
+    </p:spTree>
+    <p:extLst>
+      <p:ext uri="{BB962C8B-B14F-4D97-AF65-F5344CB8AC3E}">
+        <p14:creationId xmlns:p14="http://schemas.microsoft.com/office/powerpoint/2010/main" val="3023607486"/>
+      </p:ext>
+    </p:extLst>
+  </p:cSld>
+  <p:clrMapOvr>
+    <a:masterClrMapping/>
+  </p:clrMapOvr>
+</p:notes>
+</file>
+
+<file path=ppt/notesSlides/notesSlide3.xml><?xml version="1.0" encoding="utf-8"?>
+<p:notes xmlns:a="http://schemas.openxmlformats.org/drawingml/2006/main" xmlns:r="http://schemas.openxmlformats.org/officeDocument/2006/relationships" xmlns:p="http://schemas.openxmlformats.org/presentationml/2006/main">
+  <p:cSld>
+    <p:spTree>
+      <p:nvGrpSpPr>
+        <p:cNvPr id="1" name=""/>
+        <p:cNvGrpSpPr/>
+        <p:nvPr/>
+      </p:nvGrpSpPr>
+      <p:grpSpPr>
+        <a:xfrm>
+          <a:off x="0" y="0"/>
+          <a:ext cx="0" cy="0"/>
+          <a:chOff x="0" y="0"/>
+          <a:chExt cx="0" cy="0"/>
+        </a:xfrm>
+      </p:grpSpPr>
+      <p:sp>
+        <p:nvSpPr>
+          <p:cNvPr id="2" name="Segnaposto immagine diapositiva 1"/>
+          <p:cNvSpPr>
+            <a:spLocks noGrp="1" noRot="1" noChangeAspect="1"/>
+          </p:cNvSpPr>
+          <p:nvPr>
+            <p:ph type="sldImg"/>
+          </p:nvPr>
+        </p:nvSpPr>
+        <p:spPr/>
+      </p:sp>
+      <p:sp>
+        <p:nvSpPr>
+          <p:cNvPr id="3" name="Segnaposto note 2"/>
+          <p:cNvSpPr>
+            <a:spLocks noGrp="1"/>
+          </p:cNvSpPr>
+          <p:nvPr>
+            <p:ph type="body" idx="1"/>
+          </p:nvPr>
+        </p:nvSpPr>
+        <p:spPr/>
+        <p:txBody>
+          <a:bodyPr/>
+          <a:lstStyle/>
+          <a:p>
+            <a:endParaRPr lang="en-GB" dirty="0"/>
           </a:p>
         </p:txBody>
       </p:sp>
@@ -719,7 +842,91 @@
     </p:spTree>
     <p:extLst>
       <p:ext uri="{BB962C8B-B14F-4D97-AF65-F5344CB8AC3E}">
-        <p14:creationId xmlns:p14="http://schemas.microsoft.com/office/powerpoint/2010/main" val="3906869380"/>
+        <p14:creationId xmlns:p14="http://schemas.microsoft.com/office/powerpoint/2010/main" val="1225884831"/>
+      </p:ext>
+    </p:extLst>
+  </p:cSld>
+  <p:clrMapOvr>
+    <a:masterClrMapping/>
+  </p:clrMapOvr>
+</p:notes>
+</file>
+
+<file path=ppt/notesSlides/notesSlide4.xml><?xml version="1.0" encoding="utf-8"?>
+<p:notes xmlns:a="http://schemas.openxmlformats.org/drawingml/2006/main" xmlns:r="http://schemas.openxmlformats.org/officeDocument/2006/relationships" xmlns:p="http://schemas.openxmlformats.org/presentationml/2006/main">
+  <p:cSld>
+    <p:spTree>
+      <p:nvGrpSpPr>
+        <p:cNvPr id="1" name=""/>
+        <p:cNvGrpSpPr/>
+        <p:nvPr/>
+      </p:nvGrpSpPr>
+      <p:grpSpPr>
+        <a:xfrm>
+          <a:off x="0" y="0"/>
+          <a:ext cx="0" cy="0"/>
+          <a:chOff x="0" y="0"/>
+          <a:chExt cx="0" cy="0"/>
+        </a:xfrm>
+      </p:grpSpPr>
+      <p:sp>
+        <p:nvSpPr>
+          <p:cNvPr id="2" name="Segnaposto immagine diapositiva 1"/>
+          <p:cNvSpPr>
+            <a:spLocks noGrp="1" noRot="1" noChangeAspect="1"/>
+          </p:cNvSpPr>
+          <p:nvPr>
+            <p:ph type="sldImg"/>
+          </p:nvPr>
+        </p:nvSpPr>
+        <p:spPr/>
+      </p:sp>
+      <p:sp>
+        <p:nvSpPr>
+          <p:cNvPr id="3" name="Segnaposto note 2"/>
+          <p:cNvSpPr>
+            <a:spLocks noGrp="1"/>
+          </p:cNvSpPr>
+          <p:nvPr>
+            <p:ph type="body" idx="1"/>
+          </p:nvPr>
+        </p:nvSpPr>
+        <p:spPr/>
+        <p:txBody>
+          <a:bodyPr/>
+          <a:lstStyle/>
+          <a:p>
+            <a:endParaRPr lang="en-GB" dirty="0"/>
+          </a:p>
+        </p:txBody>
+      </p:sp>
+      <p:sp>
+        <p:nvSpPr>
+          <p:cNvPr id="4" name="Segnaposto numero diapositiva 3"/>
+          <p:cNvSpPr>
+            <a:spLocks noGrp="1"/>
+          </p:cNvSpPr>
+          <p:nvPr>
+            <p:ph type="sldNum" sz="quarter" idx="5"/>
+          </p:nvPr>
+        </p:nvSpPr>
+        <p:spPr/>
+        <p:txBody>
+          <a:bodyPr/>
+          <a:lstStyle/>
+          <a:p>
+            <a:fld id="{D8D55580-2FF4-4D84-8958-8097752F81CD}" type="slidenum">
+              <a:rPr lang="en-US" smtClean="0"/>
+              <a:t>6</a:t>
+            </a:fld>
+            <a:endParaRPr lang="en-US"/>
+          </a:p>
+        </p:txBody>
+      </p:sp>
+    </p:spTree>
+    <p:extLst>
+      <p:ext uri="{BB962C8B-B14F-4D97-AF65-F5344CB8AC3E}">
+        <p14:creationId xmlns:p14="http://schemas.microsoft.com/office/powerpoint/2010/main" val="1880175499"/>
       </p:ext>
     </p:extLst>
   </p:cSld>
@@ -3696,109 +3903,8 @@
                 <a:latin typeface="Century Gothic" panose="020B0502020202020204" pitchFamily="34" charset="0"/>
                 <a:cs typeface="Segoe UI Semibold" panose="020B0702040204020203" pitchFamily="34" charset="0"/>
               </a:rPr>
-              <a:t>La </a:t>
-            </a:r>
-            <a:r>
-              <a:rPr lang="en-US" dirty="0" err="1">
-                <a:solidFill>
-                  <a:schemeClr val="tx1">
-                    <a:lumMod val="60000"/>
-                    <a:lumOff val="40000"/>
-                  </a:schemeClr>
-                </a:solidFill>
-                <a:latin typeface="Century Gothic" panose="020B0502020202020204" pitchFamily="34" charset="0"/>
-                <a:cs typeface="Segoe UI Semibold" panose="020B0702040204020203" pitchFamily="34" charset="0"/>
-              </a:rPr>
-              <a:t>spesa</a:t>
-            </a:r>
-            <a:r>
-              <a:rPr lang="en-US" dirty="0">
-                <a:solidFill>
-                  <a:schemeClr val="tx1">
-                    <a:lumMod val="60000"/>
-                    <a:lumOff val="40000"/>
-                  </a:schemeClr>
-                </a:solidFill>
-                <a:latin typeface="Century Gothic" panose="020B0502020202020204" pitchFamily="34" charset="0"/>
-                <a:cs typeface="Segoe UI Semibold" panose="020B0702040204020203" pitchFamily="34" charset="0"/>
-              </a:rPr>
-              <a:t> </a:t>
-            </a:r>
-            <a:r>
-              <a:rPr lang="en-US" dirty="0" err="1">
-                <a:solidFill>
-                  <a:schemeClr val="tx1">
-                    <a:lumMod val="60000"/>
-                    <a:lumOff val="40000"/>
-                  </a:schemeClr>
-                </a:solidFill>
-                <a:latin typeface="Century Gothic" panose="020B0502020202020204" pitchFamily="34" charset="0"/>
-                <a:cs typeface="Segoe UI Semibold" panose="020B0702040204020203" pitchFamily="34" charset="0"/>
-              </a:rPr>
-              <a:t>che</a:t>
-            </a:r>
-            <a:r>
-              <a:rPr lang="en-US" dirty="0">
-                <a:solidFill>
-                  <a:schemeClr val="tx1">
-                    <a:lumMod val="60000"/>
-                    <a:lumOff val="40000"/>
-                  </a:schemeClr>
-                </a:solidFill>
-                <a:latin typeface="Century Gothic" panose="020B0502020202020204" pitchFamily="34" charset="0"/>
-                <a:cs typeface="Segoe UI Semibold" panose="020B0702040204020203" pitchFamily="34" charset="0"/>
-              </a:rPr>
-              <a:t> </a:t>
-            </a:r>
-            <a:r>
-              <a:rPr lang="en-US" dirty="0" err="1">
-                <a:solidFill>
-                  <a:schemeClr val="tx1">
-                    <a:lumMod val="60000"/>
-                    <a:lumOff val="40000"/>
-                  </a:schemeClr>
-                </a:solidFill>
-                <a:latin typeface="Century Gothic" panose="020B0502020202020204" pitchFamily="34" charset="0"/>
-                <a:cs typeface="Segoe UI Semibold" panose="020B0702040204020203" pitchFamily="34" charset="0"/>
-              </a:rPr>
-              <a:t>si</a:t>
-            </a:r>
-            <a:r>
-              <a:rPr lang="en-US" dirty="0">
-                <a:solidFill>
-                  <a:schemeClr val="tx1">
-                    <a:lumMod val="60000"/>
-                    <a:lumOff val="40000"/>
-                  </a:schemeClr>
-                </a:solidFill>
-                <a:latin typeface="Century Gothic" panose="020B0502020202020204" pitchFamily="34" charset="0"/>
-                <a:cs typeface="Segoe UI Semibold" panose="020B0702040204020203" pitchFamily="34" charset="0"/>
-              </a:rPr>
-              <a:t> scrive per </a:t>
-            </a:r>
-            <a:r>
-              <a:rPr lang="en-US" dirty="0" err="1">
-                <a:solidFill>
-                  <a:schemeClr val="tx1">
-                    <a:lumMod val="60000"/>
-                    <a:lumOff val="40000"/>
-                  </a:schemeClr>
-                </a:solidFill>
-                <a:latin typeface="Century Gothic" panose="020B0502020202020204" pitchFamily="34" charset="0"/>
-                <a:cs typeface="Segoe UI Semibold" panose="020B0702040204020203" pitchFamily="34" charset="0"/>
-              </a:rPr>
-              <a:t>te</a:t>
-            </a:r>
-            <a:endParaRPr lang="en-US" dirty="0">
-              <a:solidFill>
-                <a:schemeClr val="tx1">
-                  <a:lumMod val="60000"/>
-                  <a:lumOff val="40000"/>
-                </a:schemeClr>
-              </a:solidFill>
-              <a:latin typeface="Century Gothic" panose="020B0502020202020204" pitchFamily="34" charset="0"/>
-              <a:cs typeface="Segoe UI Semibold" panose="020B0702040204020203" pitchFamily="34" charset="0"/>
-            </a:endParaRPr>
+              <a:t>LA SPESA CHE SI SCRIVE PER TE</a:t>
+            </a:r>
           </a:p>
         </p:txBody>
       </p:sp>
@@ -3959,6 +4065,20 @@
 <file path=ppt/slides/slide2.xml><?xml version="1.0" encoding="utf-8"?>
 <p:sld xmlns:a="http://schemas.openxmlformats.org/drawingml/2006/main" xmlns:r="http://schemas.openxmlformats.org/officeDocument/2006/relationships" xmlns:p="http://schemas.openxmlformats.org/presentationml/2006/main">
   <p:cSld>
+    <p:bg>
+      <p:bgPr>
+        <a:blipFill dpi="0" rotWithShape="1">
+          <a:blip r:embed="rId3">
+            <a:lum/>
+          </a:blip>
+          <a:srcRect/>
+          <a:stretch>
+            <a:fillRect/>
+          </a:stretch>
+        </a:blipFill>
+        <a:effectLst/>
+      </p:bgPr>
+    </p:bg>
     <p:spTree>
       <p:nvGrpSpPr>
         <p:cNvPr id="1" name=""/>
@@ -3973,174 +4093,64 @@
           <a:chExt cx="0" cy="0"/>
         </a:xfrm>
       </p:grpSpPr>
-      <p:pic>
-        <p:nvPicPr>
-          <p:cNvPr id="7" name="Immagine 6">
+      <p:sp>
+        <p:nvSpPr>
+          <p:cNvPr id="2" name="Titolo 1">
             <a:extLst>
               <a:ext uri="{FF2B5EF4-FFF2-40B4-BE49-F238E27FC236}">
-                <a16:creationId xmlns:a16="http://schemas.microsoft.com/office/drawing/2014/main" id="{54F5B3F2-3971-301C-0EAC-EF15421BC15C}"/>
+                <a16:creationId xmlns:a16="http://schemas.microsoft.com/office/drawing/2014/main" id="{5B25E957-4E25-48E8-32E2-7229300A3F97}"/>
               </a:ext>
             </a:extLst>
           </p:cNvPr>
-          <p:cNvPicPr>
-            <a:picLocks noChangeAspect="1"/>
-          </p:cNvPicPr>
-          <p:nvPr/>
-        </p:nvPicPr>
-        <p:blipFill>
-          <a:blip r:embed="rId2">
-            <a:alphaModFix amt="20000"/>
-            <a:extLst>
-              <a:ext uri="{28A0092B-C50C-407E-A947-70E740481C1C}">
-                <a14:useLocalDpi xmlns:a14="http://schemas.microsoft.com/office/drawing/2010/main" val="0"/>
-              </a:ext>
-            </a:extLst>
-          </a:blip>
-          <a:stretch>
-            <a:fillRect/>
-          </a:stretch>
-        </p:blipFill>
-        <p:spPr>
-          <a:xfrm>
-            <a:off x="0" y="0"/>
-            <a:ext cx="12192000" cy="6858000"/>
-          </a:xfrm>
-          <a:prstGeom prst="rect">
-            <a:avLst/>
-          </a:prstGeom>
-        </p:spPr>
-      </p:pic>
-      <p:pic>
-        <p:nvPicPr>
-          <p:cNvPr id="2" name="Immagine 1">
+          <p:cNvSpPr>
+            <a:spLocks noGrp="1"/>
+          </p:cNvSpPr>
+          <p:nvPr>
+            <p:ph type="title"/>
+          </p:nvPr>
+        </p:nvSpPr>
+        <p:spPr/>
+        <p:txBody>
+          <a:bodyPr/>
+          <a:lstStyle/>
+          <a:p>
+            <a:endParaRPr lang="en-GB"/>
+          </a:p>
+        </p:txBody>
+      </p:sp>
+      <p:sp>
+        <p:nvSpPr>
+          <p:cNvPr id="3" name="Segnaposto contenuto 2">
             <a:extLst>
               <a:ext uri="{FF2B5EF4-FFF2-40B4-BE49-F238E27FC236}">
-                <a16:creationId xmlns:a16="http://schemas.microsoft.com/office/drawing/2014/main" id="{678EBE94-B8F4-BD52-7A0D-E5385E34DCB6}"/>
+                <a16:creationId xmlns:a16="http://schemas.microsoft.com/office/drawing/2014/main" id="{5703A793-0C0F-36E4-2F5F-CDC94459DB54}"/>
               </a:ext>
             </a:extLst>
           </p:cNvPr>
-          <p:cNvPicPr>
-            <a:picLocks noChangeAspect="1"/>
-          </p:cNvPicPr>
-          <p:nvPr/>
-        </p:nvPicPr>
-        <p:blipFill>
-          <a:blip r:embed="rId3">
-            <a:extLst>
-              <a:ext uri="{28A0092B-C50C-407E-A947-70E740481C1C}">
-                <a14:useLocalDpi xmlns:a14="http://schemas.microsoft.com/office/drawing/2010/main" val="0"/>
-              </a:ext>
-            </a:extLst>
-          </a:blip>
-          <a:stretch>
-            <a:fillRect/>
-          </a:stretch>
-        </p:blipFill>
-        <p:spPr>
-          <a:xfrm>
-            <a:off x="9974997" y="5920978"/>
-            <a:ext cx="877866" cy="737750"/>
-          </a:xfrm>
-          <a:prstGeom prst="rect">
-            <a:avLst/>
-          </a:prstGeom>
-        </p:spPr>
-      </p:pic>
-      <p:sp>
-        <p:nvSpPr>
-          <p:cNvPr id="3" name="CasellaDiTesto 2">
-            <a:extLst>
-              <a:ext uri="{FF2B5EF4-FFF2-40B4-BE49-F238E27FC236}">
-                <a16:creationId xmlns:a16="http://schemas.microsoft.com/office/drawing/2014/main" id="{B8F84D0F-F8A9-3868-64E5-D30541CD8BF4}"/>
-              </a:ext>
-            </a:extLst>
-          </p:cNvPr>
-          <p:cNvSpPr txBox="1"/>
-          <p:nvPr/>
-        </p:nvSpPr>
-        <p:spPr>
-          <a:xfrm>
-            <a:off x="10690303" y="6178698"/>
-            <a:ext cx="1388962" cy="400110"/>
-          </a:xfrm>
-          <a:prstGeom prst="rect">
-            <a:avLst/>
-          </a:prstGeom>
-          <a:noFill/>
-        </p:spPr>
-        <p:txBody>
-          <a:bodyPr wrap="square" rtlCol="0">
-            <a:spAutoFit/>
-          </a:bodyPr>
-          <a:lstStyle/>
-          <a:p>
-            <a:r>
-              <a:rPr lang="en-US" sz="2000" dirty="0">
-                <a:latin typeface="Segoe UI Semibold" panose="020B0702040204020203" pitchFamily="34" charset="0"/>
-                <a:cs typeface="Segoe UI Semibold" panose="020B0702040204020203" pitchFamily="34" charset="0"/>
-              </a:rPr>
-              <a:t>MealMate</a:t>
-            </a:r>
-            <a:endParaRPr lang="en-GB" sz="2000" dirty="0"/>
-          </a:p>
-        </p:txBody>
-      </p:sp>
-      <p:sp>
-        <p:nvSpPr>
-          <p:cNvPr id="4" name="CasellaDiTesto 3">
-            <a:extLst>
-              <a:ext uri="{FF2B5EF4-FFF2-40B4-BE49-F238E27FC236}">
-                <a16:creationId xmlns:a16="http://schemas.microsoft.com/office/drawing/2014/main" id="{353588A8-C6F0-BC85-5178-7270B34B90E6}"/>
-              </a:ext>
-            </a:extLst>
-          </p:cNvPr>
-          <p:cNvSpPr txBox="1"/>
-          <p:nvPr/>
-        </p:nvSpPr>
-        <p:spPr>
-          <a:xfrm>
-            <a:off x="477520" y="690880"/>
-            <a:ext cx="2672080" cy="923330"/>
-          </a:xfrm>
-          <a:prstGeom prst="rect">
-            <a:avLst/>
-          </a:prstGeom>
-          <a:noFill/>
-        </p:spPr>
-        <p:txBody>
-          <a:bodyPr wrap="square" rtlCol="0">
-            <a:spAutoFit/>
-          </a:bodyPr>
-          <a:lstStyle/>
-          <a:p>
-            <a:pPr algn="ctr" defTabSz="914400">
-              <a:lnSpc>
-                <a:spcPct val="90000"/>
-              </a:lnSpc>
-              <a:spcBef>
-                <a:spcPct val="0"/>
-              </a:spcBef>
-            </a:pPr>
-            <a:r>
-              <a:rPr lang="it-IT" sz="6000" dirty="0">
-                <a:latin typeface="Segoe UI Semibold" panose="020B0702040204020203" pitchFamily="34" charset="0"/>
-                <a:ea typeface="+mj-ea"/>
-                <a:cs typeface="Segoe UI Semibold" panose="020B0702040204020203" pitchFamily="34" charset="0"/>
-              </a:rPr>
-              <a:t>Indice:</a:t>
-            </a:r>
-            <a:endParaRPr lang="en-GB" sz="6000" dirty="0">
-              <a:latin typeface="Segoe UI Semibold" panose="020B0702040204020203" pitchFamily="34" charset="0"/>
-              <a:ea typeface="+mj-ea"/>
-              <a:cs typeface="Segoe UI Semibold" panose="020B0702040204020203" pitchFamily="34" charset="0"/>
-            </a:endParaRPr>
+          <p:cNvSpPr>
+            <a:spLocks noGrp="1"/>
+          </p:cNvSpPr>
+          <p:nvPr>
+            <p:ph idx="1"/>
+          </p:nvPr>
+        </p:nvSpPr>
+        <p:spPr/>
+        <p:txBody>
+          <a:bodyPr/>
+          <a:lstStyle/>
+          <a:p>
+            <a:r>
+              <a:rPr lang="it-IT" dirty="0"/>
+              <a:t>Breve descrizione del progetto…</a:t>
+            </a:r>
+            <a:endParaRPr lang="en-GB" dirty="0"/>
           </a:p>
         </p:txBody>
       </p:sp>
     </p:spTree>
     <p:extLst>
       <p:ext uri="{BB962C8B-B14F-4D97-AF65-F5344CB8AC3E}">
-        <p14:creationId xmlns:p14="http://schemas.microsoft.com/office/powerpoint/2010/main" val="1067692637"/>
+        <p14:creationId xmlns:p14="http://schemas.microsoft.com/office/powerpoint/2010/main" val="2823996631"/>
       </p:ext>
     </p:extLst>
   </p:cSld>
@@ -4167,6 +4177,463 @@
           <a:chExt cx="0" cy="0"/>
         </a:xfrm>
       </p:grpSpPr>
+      <p:sp>
+        <p:nvSpPr>
+          <p:cNvPr id="9" name="Nastro perforato 8">
+            <a:extLst>
+              <a:ext uri="{FF2B5EF4-FFF2-40B4-BE49-F238E27FC236}">
+                <a16:creationId xmlns:a16="http://schemas.microsoft.com/office/drawing/2014/main" id="{79BB15B9-A610-62D4-0267-A881D5189ECB}"/>
+              </a:ext>
+            </a:extLst>
+          </p:cNvPr>
+          <p:cNvSpPr/>
+          <p:nvPr/>
+        </p:nvSpPr>
+        <p:spPr>
+          <a:xfrm rot="5400000">
+            <a:off x="-3473953" y="-2653798"/>
+            <a:ext cx="10020103" cy="14184696"/>
+          </a:xfrm>
+          <a:custGeom>
+            <a:avLst/>
+            <a:gdLst>
+              <a:gd name="connsiteX0" fmla="*/ 0 w 10000"/>
+              <a:gd name="connsiteY0" fmla="*/ 1000 h 10000"/>
+              <a:gd name="connsiteX1" fmla="*/ 2500 w 10000"/>
+              <a:gd name="connsiteY1" fmla="*/ 2000 h 10000"/>
+              <a:gd name="connsiteX2" fmla="*/ 5000 w 10000"/>
+              <a:gd name="connsiteY2" fmla="*/ 1000 h 10000"/>
+              <a:gd name="connsiteX3" fmla="*/ 7500 w 10000"/>
+              <a:gd name="connsiteY3" fmla="*/ 0 h 10000"/>
+              <a:gd name="connsiteX4" fmla="*/ 10000 w 10000"/>
+              <a:gd name="connsiteY4" fmla="*/ 1000 h 10000"/>
+              <a:gd name="connsiteX5" fmla="*/ 10000 w 10000"/>
+              <a:gd name="connsiteY5" fmla="*/ 9000 h 10000"/>
+              <a:gd name="connsiteX6" fmla="*/ 7500 w 10000"/>
+              <a:gd name="connsiteY6" fmla="*/ 8000 h 10000"/>
+              <a:gd name="connsiteX7" fmla="*/ 5000 w 10000"/>
+              <a:gd name="connsiteY7" fmla="*/ 9000 h 10000"/>
+              <a:gd name="connsiteX8" fmla="*/ 2500 w 10000"/>
+              <a:gd name="connsiteY8" fmla="*/ 10000 h 10000"/>
+              <a:gd name="connsiteX9" fmla="*/ 0 w 10000"/>
+              <a:gd name="connsiteY9" fmla="*/ 9000 h 10000"/>
+              <a:gd name="connsiteX10" fmla="*/ 0 w 10000"/>
+              <a:gd name="connsiteY10" fmla="*/ 1000 h 10000"/>
+              <a:gd name="connsiteX0" fmla="*/ 0 w 10000"/>
+              <a:gd name="connsiteY0" fmla="*/ 1899 h 10899"/>
+              <a:gd name="connsiteX1" fmla="*/ 2500 w 10000"/>
+              <a:gd name="connsiteY1" fmla="*/ 2899 h 10899"/>
+              <a:gd name="connsiteX2" fmla="*/ 4471 w 10000"/>
+              <a:gd name="connsiteY2" fmla="*/ 163 h 10899"/>
+              <a:gd name="connsiteX3" fmla="*/ 7500 w 10000"/>
+              <a:gd name="connsiteY3" fmla="*/ 899 h 10899"/>
+              <a:gd name="connsiteX4" fmla="*/ 10000 w 10000"/>
+              <a:gd name="connsiteY4" fmla="*/ 1899 h 10899"/>
+              <a:gd name="connsiteX5" fmla="*/ 10000 w 10000"/>
+              <a:gd name="connsiteY5" fmla="*/ 9899 h 10899"/>
+              <a:gd name="connsiteX6" fmla="*/ 7500 w 10000"/>
+              <a:gd name="connsiteY6" fmla="*/ 8899 h 10899"/>
+              <a:gd name="connsiteX7" fmla="*/ 5000 w 10000"/>
+              <a:gd name="connsiteY7" fmla="*/ 9899 h 10899"/>
+              <a:gd name="connsiteX8" fmla="*/ 2500 w 10000"/>
+              <a:gd name="connsiteY8" fmla="*/ 10899 h 10899"/>
+              <a:gd name="connsiteX9" fmla="*/ 0 w 10000"/>
+              <a:gd name="connsiteY9" fmla="*/ 9899 h 10899"/>
+              <a:gd name="connsiteX10" fmla="*/ 0 w 10000"/>
+              <a:gd name="connsiteY10" fmla="*/ 1899 h 10899"/>
+              <a:gd name="connsiteX0" fmla="*/ 0 w 10145"/>
+              <a:gd name="connsiteY0" fmla="*/ 5558 h 14558"/>
+              <a:gd name="connsiteX1" fmla="*/ 2500 w 10145"/>
+              <a:gd name="connsiteY1" fmla="*/ 6558 h 14558"/>
+              <a:gd name="connsiteX2" fmla="*/ 4471 w 10145"/>
+              <a:gd name="connsiteY2" fmla="*/ 3822 h 14558"/>
+              <a:gd name="connsiteX3" fmla="*/ 9597 w 10145"/>
+              <a:gd name="connsiteY3" fmla="*/ 19 h 14558"/>
+              <a:gd name="connsiteX4" fmla="*/ 10000 w 10145"/>
+              <a:gd name="connsiteY4" fmla="*/ 5558 h 14558"/>
+              <a:gd name="connsiteX5" fmla="*/ 10000 w 10145"/>
+              <a:gd name="connsiteY5" fmla="*/ 13558 h 14558"/>
+              <a:gd name="connsiteX6" fmla="*/ 7500 w 10145"/>
+              <a:gd name="connsiteY6" fmla="*/ 12558 h 14558"/>
+              <a:gd name="connsiteX7" fmla="*/ 5000 w 10145"/>
+              <a:gd name="connsiteY7" fmla="*/ 13558 h 14558"/>
+              <a:gd name="connsiteX8" fmla="*/ 2500 w 10145"/>
+              <a:gd name="connsiteY8" fmla="*/ 14558 h 14558"/>
+              <a:gd name="connsiteX9" fmla="*/ 0 w 10145"/>
+              <a:gd name="connsiteY9" fmla="*/ 13558 h 14558"/>
+              <a:gd name="connsiteX10" fmla="*/ 0 w 10145"/>
+              <a:gd name="connsiteY10" fmla="*/ 5558 h 14558"/>
+              <a:gd name="connsiteX0" fmla="*/ 0 w 11987"/>
+              <a:gd name="connsiteY0" fmla="*/ 5558 h 14558"/>
+              <a:gd name="connsiteX1" fmla="*/ 2500 w 11987"/>
+              <a:gd name="connsiteY1" fmla="*/ 6558 h 14558"/>
+              <a:gd name="connsiteX2" fmla="*/ 4471 w 11987"/>
+              <a:gd name="connsiteY2" fmla="*/ 3822 h 14558"/>
+              <a:gd name="connsiteX3" fmla="*/ 9597 w 11987"/>
+              <a:gd name="connsiteY3" fmla="*/ 19 h 14558"/>
+              <a:gd name="connsiteX4" fmla="*/ 11987 w 11987"/>
+              <a:gd name="connsiteY4" fmla="*/ 5558 h 14558"/>
+              <a:gd name="connsiteX5" fmla="*/ 10000 w 11987"/>
+              <a:gd name="connsiteY5" fmla="*/ 13558 h 14558"/>
+              <a:gd name="connsiteX6" fmla="*/ 7500 w 11987"/>
+              <a:gd name="connsiteY6" fmla="*/ 12558 h 14558"/>
+              <a:gd name="connsiteX7" fmla="*/ 5000 w 11987"/>
+              <a:gd name="connsiteY7" fmla="*/ 13558 h 14558"/>
+              <a:gd name="connsiteX8" fmla="*/ 2500 w 11987"/>
+              <a:gd name="connsiteY8" fmla="*/ 14558 h 14558"/>
+              <a:gd name="connsiteX9" fmla="*/ 0 w 11987"/>
+              <a:gd name="connsiteY9" fmla="*/ 13558 h 14558"/>
+              <a:gd name="connsiteX10" fmla="*/ 0 w 11987"/>
+              <a:gd name="connsiteY10" fmla="*/ 5558 h 14558"/>
+              <a:gd name="connsiteX0" fmla="*/ 0 w 11987"/>
+              <a:gd name="connsiteY0" fmla="*/ 5554 h 14554"/>
+              <a:gd name="connsiteX1" fmla="*/ 2500 w 11987"/>
+              <a:gd name="connsiteY1" fmla="*/ 6554 h 14554"/>
+              <a:gd name="connsiteX2" fmla="*/ 4562 w 11987"/>
+              <a:gd name="connsiteY2" fmla="*/ 4017 h 14554"/>
+              <a:gd name="connsiteX3" fmla="*/ 9597 w 11987"/>
+              <a:gd name="connsiteY3" fmla="*/ 15 h 14554"/>
+              <a:gd name="connsiteX4" fmla="*/ 11987 w 11987"/>
+              <a:gd name="connsiteY4" fmla="*/ 5554 h 14554"/>
+              <a:gd name="connsiteX5" fmla="*/ 10000 w 11987"/>
+              <a:gd name="connsiteY5" fmla="*/ 13554 h 14554"/>
+              <a:gd name="connsiteX6" fmla="*/ 7500 w 11987"/>
+              <a:gd name="connsiteY6" fmla="*/ 12554 h 14554"/>
+              <a:gd name="connsiteX7" fmla="*/ 5000 w 11987"/>
+              <a:gd name="connsiteY7" fmla="*/ 13554 h 14554"/>
+              <a:gd name="connsiteX8" fmla="*/ 2500 w 11987"/>
+              <a:gd name="connsiteY8" fmla="*/ 14554 h 14554"/>
+              <a:gd name="connsiteX9" fmla="*/ 0 w 11987"/>
+              <a:gd name="connsiteY9" fmla="*/ 13554 h 14554"/>
+              <a:gd name="connsiteX10" fmla="*/ 0 w 11987"/>
+              <a:gd name="connsiteY10" fmla="*/ 5554 h 14554"/>
+              <a:gd name="connsiteX0" fmla="*/ 0 w 11987"/>
+              <a:gd name="connsiteY0" fmla="*/ 5553 h 14553"/>
+              <a:gd name="connsiteX1" fmla="*/ 2208 w 11987"/>
+              <a:gd name="connsiteY1" fmla="*/ 5432 h 14553"/>
+              <a:gd name="connsiteX2" fmla="*/ 4562 w 11987"/>
+              <a:gd name="connsiteY2" fmla="*/ 4016 h 14553"/>
+              <a:gd name="connsiteX3" fmla="*/ 9597 w 11987"/>
+              <a:gd name="connsiteY3" fmla="*/ 14 h 14553"/>
+              <a:gd name="connsiteX4" fmla="*/ 11987 w 11987"/>
+              <a:gd name="connsiteY4" fmla="*/ 5553 h 14553"/>
+              <a:gd name="connsiteX5" fmla="*/ 10000 w 11987"/>
+              <a:gd name="connsiteY5" fmla="*/ 13553 h 14553"/>
+              <a:gd name="connsiteX6" fmla="*/ 7500 w 11987"/>
+              <a:gd name="connsiteY6" fmla="*/ 12553 h 14553"/>
+              <a:gd name="connsiteX7" fmla="*/ 5000 w 11987"/>
+              <a:gd name="connsiteY7" fmla="*/ 13553 h 14553"/>
+              <a:gd name="connsiteX8" fmla="*/ 2500 w 11987"/>
+              <a:gd name="connsiteY8" fmla="*/ 14553 h 14553"/>
+              <a:gd name="connsiteX9" fmla="*/ 0 w 11987"/>
+              <a:gd name="connsiteY9" fmla="*/ 13553 h 14553"/>
+              <a:gd name="connsiteX10" fmla="*/ 0 w 11987"/>
+              <a:gd name="connsiteY10" fmla="*/ 5553 h 14553"/>
+              <a:gd name="connsiteX0" fmla="*/ 182 w 11987"/>
+              <a:gd name="connsiteY0" fmla="*/ 634 h 14553"/>
+              <a:gd name="connsiteX1" fmla="*/ 2208 w 11987"/>
+              <a:gd name="connsiteY1" fmla="*/ 5432 h 14553"/>
+              <a:gd name="connsiteX2" fmla="*/ 4562 w 11987"/>
+              <a:gd name="connsiteY2" fmla="*/ 4016 h 14553"/>
+              <a:gd name="connsiteX3" fmla="*/ 9597 w 11987"/>
+              <a:gd name="connsiteY3" fmla="*/ 14 h 14553"/>
+              <a:gd name="connsiteX4" fmla="*/ 11987 w 11987"/>
+              <a:gd name="connsiteY4" fmla="*/ 5553 h 14553"/>
+              <a:gd name="connsiteX5" fmla="*/ 10000 w 11987"/>
+              <a:gd name="connsiteY5" fmla="*/ 13553 h 14553"/>
+              <a:gd name="connsiteX6" fmla="*/ 7500 w 11987"/>
+              <a:gd name="connsiteY6" fmla="*/ 12553 h 14553"/>
+              <a:gd name="connsiteX7" fmla="*/ 5000 w 11987"/>
+              <a:gd name="connsiteY7" fmla="*/ 13553 h 14553"/>
+              <a:gd name="connsiteX8" fmla="*/ 2500 w 11987"/>
+              <a:gd name="connsiteY8" fmla="*/ 14553 h 14553"/>
+              <a:gd name="connsiteX9" fmla="*/ 0 w 11987"/>
+              <a:gd name="connsiteY9" fmla="*/ 13553 h 14553"/>
+              <a:gd name="connsiteX10" fmla="*/ 182 w 11987"/>
+              <a:gd name="connsiteY10" fmla="*/ 634 h 14553"/>
+              <a:gd name="connsiteX0" fmla="*/ 182 w 11987"/>
+              <a:gd name="connsiteY0" fmla="*/ 633 h 14552"/>
+              <a:gd name="connsiteX1" fmla="*/ 2354 w 11987"/>
+              <a:gd name="connsiteY1" fmla="*/ 2990 h 14552"/>
+              <a:gd name="connsiteX2" fmla="*/ 4562 w 11987"/>
+              <a:gd name="connsiteY2" fmla="*/ 4015 h 14552"/>
+              <a:gd name="connsiteX3" fmla="*/ 9597 w 11987"/>
+              <a:gd name="connsiteY3" fmla="*/ 13 h 14552"/>
+              <a:gd name="connsiteX4" fmla="*/ 11987 w 11987"/>
+              <a:gd name="connsiteY4" fmla="*/ 5552 h 14552"/>
+              <a:gd name="connsiteX5" fmla="*/ 10000 w 11987"/>
+              <a:gd name="connsiteY5" fmla="*/ 13552 h 14552"/>
+              <a:gd name="connsiteX6" fmla="*/ 7500 w 11987"/>
+              <a:gd name="connsiteY6" fmla="*/ 12552 h 14552"/>
+              <a:gd name="connsiteX7" fmla="*/ 5000 w 11987"/>
+              <a:gd name="connsiteY7" fmla="*/ 13552 h 14552"/>
+              <a:gd name="connsiteX8" fmla="*/ 2500 w 11987"/>
+              <a:gd name="connsiteY8" fmla="*/ 14552 h 14552"/>
+              <a:gd name="connsiteX9" fmla="*/ 0 w 11987"/>
+              <a:gd name="connsiteY9" fmla="*/ 13552 h 14552"/>
+              <a:gd name="connsiteX10" fmla="*/ 182 w 11987"/>
+              <a:gd name="connsiteY10" fmla="*/ 633 h 14552"/>
+              <a:gd name="connsiteX0" fmla="*/ 182 w 11987"/>
+              <a:gd name="connsiteY0" fmla="*/ 696 h 14615"/>
+              <a:gd name="connsiteX1" fmla="*/ 2354 w 11987"/>
+              <a:gd name="connsiteY1" fmla="*/ 3053 h 14615"/>
+              <a:gd name="connsiteX2" fmla="*/ 5328 w 11987"/>
+              <a:gd name="connsiteY2" fmla="*/ 2432 h 14615"/>
+              <a:gd name="connsiteX3" fmla="*/ 9597 w 11987"/>
+              <a:gd name="connsiteY3" fmla="*/ 76 h 14615"/>
+              <a:gd name="connsiteX4" fmla="*/ 11987 w 11987"/>
+              <a:gd name="connsiteY4" fmla="*/ 5615 h 14615"/>
+              <a:gd name="connsiteX5" fmla="*/ 10000 w 11987"/>
+              <a:gd name="connsiteY5" fmla="*/ 13615 h 14615"/>
+              <a:gd name="connsiteX6" fmla="*/ 7500 w 11987"/>
+              <a:gd name="connsiteY6" fmla="*/ 12615 h 14615"/>
+              <a:gd name="connsiteX7" fmla="*/ 5000 w 11987"/>
+              <a:gd name="connsiteY7" fmla="*/ 13615 h 14615"/>
+              <a:gd name="connsiteX8" fmla="*/ 2500 w 11987"/>
+              <a:gd name="connsiteY8" fmla="*/ 14615 h 14615"/>
+              <a:gd name="connsiteX9" fmla="*/ 0 w 11987"/>
+              <a:gd name="connsiteY9" fmla="*/ 13615 h 14615"/>
+              <a:gd name="connsiteX10" fmla="*/ 182 w 11987"/>
+              <a:gd name="connsiteY10" fmla="*/ 696 h 14615"/>
+              <a:gd name="connsiteX0" fmla="*/ 182 w 11987"/>
+              <a:gd name="connsiteY0" fmla="*/ 693 h 14612"/>
+              <a:gd name="connsiteX1" fmla="*/ 2281 w 11987"/>
+              <a:gd name="connsiteY1" fmla="*/ 2164 h 14612"/>
+              <a:gd name="connsiteX2" fmla="*/ 5328 w 11987"/>
+              <a:gd name="connsiteY2" fmla="*/ 2429 h 14612"/>
+              <a:gd name="connsiteX3" fmla="*/ 9597 w 11987"/>
+              <a:gd name="connsiteY3" fmla="*/ 73 h 14612"/>
+              <a:gd name="connsiteX4" fmla="*/ 11987 w 11987"/>
+              <a:gd name="connsiteY4" fmla="*/ 5612 h 14612"/>
+              <a:gd name="connsiteX5" fmla="*/ 10000 w 11987"/>
+              <a:gd name="connsiteY5" fmla="*/ 13612 h 14612"/>
+              <a:gd name="connsiteX6" fmla="*/ 7500 w 11987"/>
+              <a:gd name="connsiteY6" fmla="*/ 12612 h 14612"/>
+              <a:gd name="connsiteX7" fmla="*/ 5000 w 11987"/>
+              <a:gd name="connsiteY7" fmla="*/ 13612 h 14612"/>
+              <a:gd name="connsiteX8" fmla="*/ 2500 w 11987"/>
+              <a:gd name="connsiteY8" fmla="*/ 14612 h 14612"/>
+              <a:gd name="connsiteX9" fmla="*/ 0 w 11987"/>
+              <a:gd name="connsiteY9" fmla="*/ 13612 h 14612"/>
+              <a:gd name="connsiteX10" fmla="*/ 182 w 11987"/>
+              <a:gd name="connsiteY10" fmla="*/ 693 h 14612"/>
+              <a:gd name="connsiteX0" fmla="*/ 182 w 11987"/>
+              <a:gd name="connsiteY0" fmla="*/ 2834 h 16753"/>
+              <a:gd name="connsiteX1" fmla="*/ 2281 w 11987"/>
+              <a:gd name="connsiteY1" fmla="*/ 4305 h 16753"/>
+              <a:gd name="connsiteX2" fmla="*/ 5328 w 11987"/>
+              <a:gd name="connsiteY2" fmla="*/ 4570 h 16753"/>
+              <a:gd name="connsiteX3" fmla="*/ 9852 w 11987"/>
+              <a:gd name="connsiteY3" fmla="*/ 44 h 16753"/>
+              <a:gd name="connsiteX4" fmla="*/ 11987 w 11987"/>
+              <a:gd name="connsiteY4" fmla="*/ 7753 h 16753"/>
+              <a:gd name="connsiteX5" fmla="*/ 10000 w 11987"/>
+              <a:gd name="connsiteY5" fmla="*/ 15753 h 16753"/>
+              <a:gd name="connsiteX6" fmla="*/ 7500 w 11987"/>
+              <a:gd name="connsiteY6" fmla="*/ 14753 h 16753"/>
+              <a:gd name="connsiteX7" fmla="*/ 5000 w 11987"/>
+              <a:gd name="connsiteY7" fmla="*/ 15753 h 16753"/>
+              <a:gd name="connsiteX8" fmla="*/ 2500 w 11987"/>
+              <a:gd name="connsiteY8" fmla="*/ 16753 h 16753"/>
+              <a:gd name="connsiteX9" fmla="*/ 0 w 11987"/>
+              <a:gd name="connsiteY9" fmla="*/ 15753 h 16753"/>
+              <a:gd name="connsiteX10" fmla="*/ 182 w 11987"/>
+              <a:gd name="connsiteY10" fmla="*/ 2834 h 16753"/>
+              <a:gd name="connsiteX0" fmla="*/ 182 w 11987"/>
+              <a:gd name="connsiteY0" fmla="*/ 2890 h 16809"/>
+              <a:gd name="connsiteX1" fmla="*/ 2281 w 11987"/>
+              <a:gd name="connsiteY1" fmla="*/ 4361 h 16809"/>
+              <a:gd name="connsiteX2" fmla="*/ 5328 w 11987"/>
+              <a:gd name="connsiteY2" fmla="*/ 3469 h 16809"/>
+              <a:gd name="connsiteX3" fmla="*/ 9852 w 11987"/>
+              <a:gd name="connsiteY3" fmla="*/ 100 h 16809"/>
+              <a:gd name="connsiteX4" fmla="*/ 11987 w 11987"/>
+              <a:gd name="connsiteY4" fmla="*/ 7809 h 16809"/>
+              <a:gd name="connsiteX5" fmla="*/ 10000 w 11987"/>
+              <a:gd name="connsiteY5" fmla="*/ 15809 h 16809"/>
+              <a:gd name="connsiteX6" fmla="*/ 7500 w 11987"/>
+              <a:gd name="connsiteY6" fmla="*/ 14809 h 16809"/>
+              <a:gd name="connsiteX7" fmla="*/ 5000 w 11987"/>
+              <a:gd name="connsiteY7" fmla="*/ 15809 h 16809"/>
+              <a:gd name="connsiteX8" fmla="*/ 2500 w 11987"/>
+              <a:gd name="connsiteY8" fmla="*/ 16809 h 16809"/>
+              <a:gd name="connsiteX9" fmla="*/ 0 w 11987"/>
+              <a:gd name="connsiteY9" fmla="*/ 15809 h 16809"/>
+              <a:gd name="connsiteX10" fmla="*/ 182 w 11987"/>
+              <a:gd name="connsiteY10" fmla="*/ 2890 h 16809"/>
+              <a:gd name="connsiteX0" fmla="*/ 182 w 11987"/>
+              <a:gd name="connsiteY0" fmla="*/ 2896 h 16815"/>
+              <a:gd name="connsiteX1" fmla="*/ 2281 w 11987"/>
+              <a:gd name="connsiteY1" fmla="*/ 4367 h 16815"/>
+              <a:gd name="connsiteX2" fmla="*/ 5255 w 11987"/>
+              <a:gd name="connsiteY2" fmla="*/ 3385 h 16815"/>
+              <a:gd name="connsiteX3" fmla="*/ 9852 w 11987"/>
+              <a:gd name="connsiteY3" fmla="*/ 106 h 16815"/>
+              <a:gd name="connsiteX4" fmla="*/ 11987 w 11987"/>
+              <a:gd name="connsiteY4" fmla="*/ 7815 h 16815"/>
+              <a:gd name="connsiteX5" fmla="*/ 10000 w 11987"/>
+              <a:gd name="connsiteY5" fmla="*/ 15815 h 16815"/>
+              <a:gd name="connsiteX6" fmla="*/ 7500 w 11987"/>
+              <a:gd name="connsiteY6" fmla="*/ 14815 h 16815"/>
+              <a:gd name="connsiteX7" fmla="*/ 5000 w 11987"/>
+              <a:gd name="connsiteY7" fmla="*/ 15815 h 16815"/>
+              <a:gd name="connsiteX8" fmla="*/ 2500 w 11987"/>
+              <a:gd name="connsiteY8" fmla="*/ 16815 h 16815"/>
+              <a:gd name="connsiteX9" fmla="*/ 0 w 11987"/>
+              <a:gd name="connsiteY9" fmla="*/ 15815 h 16815"/>
+              <a:gd name="connsiteX10" fmla="*/ 182 w 11987"/>
+              <a:gd name="connsiteY10" fmla="*/ 2896 h 16815"/>
+              <a:gd name="connsiteX0" fmla="*/ 182 w 11987"/>
+              <a:gd name="connsiteY0" fmla="*/ 2912 h 16831"/>
+              <a:gd name="connsiteX1" fmla="*/ 2281 w 11987"/>
+              <a:gd name="connsiteY1" fmla="*/ 4383 h 16831"/>
+              <a:gd name="connsiteX2" fmla="*/ 5255 w 11987"/>
+              <a:gd name="connsiteY2" fmla="*/ 3401 h 16831"/>
+              <a:gd name="connsiteX3" fmla="*/ 9852 w 11987"/>
+              <a:gd name="connsiteY3" fmla="*/ 122 h 16831"/>
+              <a:gd name="connsiteX4" fmla="*/ 11987 w 11987"/>
+              <a:gd name="connsiteY4" fmla="*/ 7831 h 16831"/>
+              <a:gd name="connsiteX5" fmla="*/ 10000 w 11987"/>
+              <a:gd name="connsiteY5" fmla="*/ 15831 h 16831"/>
+              <a:gd name="connsiteX6" fmla="*/ 7500 w 11987"/>
+              <a:gd name="connsiteY6" fmla="*/ 14831 h 16831"/>
+              <a:gd name="connsiteX7" fmla="*/ 5000 w 11987"/>
+              <a:gd name="connsiteY7" fmla="*/ 15831 h 16831"/>
+              <a:gd name="connsiteX8" fmla="*/ 2500 w 11987"/>
+              <a:gd name="connsiteY8" fmla="*/ 16831 h 16831"/>
+              <a:gd name="connsiteX9" fmla="*/ 0 w 11987"/>
+              <a:gd name="connsiteY9" fmla="*/ 15831 h 16831"/>
+              <a:gd name="connsiteX10" fmla="*/ 182 w 11987"/>
+              <a:gd name="connsiteY10" fmla="*/ 2912 h 16831"/>
+            </a:gdLst>
+            <a:ahLst/>
+            <a:cxnLst>
+              <a:cxn ang="0">
+                <a:pos x="connsiteX0" y="connsiteY0"/>
+              </a:cxn>
+              <a:cxn ang="0">
+                <a:pos x="connsiteX1" y="connsiteY1"/>
+              </a:cxn>
+              <a:cxn ang="0">
+                <a:pos x="connsiteX2" y="connsiteY2"/>
+              </a:cxn>
+              <a:cxn ang="0">
+                <a:pos x="connsiteX3" y="connsiteY3"/>
+              </a:cxn>
+              <a:cxn ang="0">
+                <a:pos x="connsiteX4" y="connsiteY4"/>
+              </a:cxn>
+              <a:cxn ang="0">
+                <a:pos x="connsiteX5" y="connsiteY5"/>
+              </a:cxn>
+              <a:cxn ang="0">
+                <a:pos x="connsiteX6" y="connsiteY6"/>
+              </a:cxn>
+              <a:cxn ang="0">
+                <a:pos x="connsiteX7" y="connsiteY7"/>
+              </a:cxn>
+              <a:cxn ang="0">
+                <a:pos x="connsiteX8" y="connsiteY8"/>
+              </a:cxn>
+              <a:cxn ang="0">
+                <a:pos x="connsiteX9" y="connsiteY9"/>
+              </a:cxn>
+              <a:cxn ang="0">
+                <a:pos x="connsiteX10" y="connsiteY10"/>
+              </a:cxn>
+            </a:cxnLst>
+            <a:rect l="l" t="t" r="r" b="b"/>
+            <a:pathLst>
+              <a:path w="11987" h="16831">
+                <a:moveTo>
+                  <a:pt x="182" y="2912"/>
+                </a:moveTo>
+                <a:cubicBezTo>
+                  <a:pt x="182" y="3464"/>
+                  <a:pt x="1436" y="4302"/>
+                  <a:pt x="2281" y="4383"/>
+                </a:cubicBezTo>
+                <a:cubicBezTo>
+                  <a:pt x="3126" y="4464"/>
+                  <a:pt x="4121" y="4635"/>
+                  <a:pt x="5255" y="3401"/>
+                </a:cubicBezTo>
+                <a:cubicBezTo>
+                  <a:pt x="6389" y="2167"/>
+                  <a:pt x="8730" y="-616"/>
+                  <a:pt x="9852" y="122"/>
+                </a:cubicBezTo>
+                <a:cubicBezTo>
+                  <a:pt x="10974" y="860"/>
+                  <a:pt x="11987" y="7279"/>
+                  <a:pt x="11987" y="7831"/>
+                </a:cubicBezTo>
+                <a:lnTo>
+                  <a:pt x="10000" y="15831"/>
+                </a:lnTo>
+                <a:cubicBezTo>
+                  <a:pt x="10000" y="15279"/>
+                  <a:pt x="8881" y="14831"/>
+                  <a:pt x="7500" y="14831"/>
+                </a:cubicBezTo>
+                <a:cubicBezTo>
+                  <a:pt x="6119" y="14831"/>
+                  <a:pt x="5000" y="15279"/>
+                  <a:pt x="5000" y="15831"/>
+                </a:cubicBezTo>
+                <a:cubicBezTo>
+                  <a:pt x="5000" y="16383"/>
+                  <a:pt x="3881" y="16831"/>
+                  <a:pt x="2500" y="16831"/>
+                </a:cubicBezTo>
+                <a:cubicBezTo>
+                  <a:pt x="1119" y="16831"/>
+                  <a:pt x="0" y="16383"/>
+                  <a:pt x="0" y="15831"/>
+                </a:cubicBezTo>
+                <a:cubicBezTo>
+                  <a:pt x="61" y="11525"/>
+                  <a:pt x="121" y="7218"/>
+                  <a:pt x="182" y="2912"/>
+                </a:cubicBezTo>
+                <a:close/>
+              </a:path>
+            </a:pathLst>
+          </a:custGeom>
+          <a:solidFill>
+            <a:srgbClr val="61AC43">
+              <a:alpha val="20000"/>
+            </a:srgbClr>
+          </a:solidFill>
+          <a:ln>
+            <a:noFill/>
+          </a:ln>
+        </p:spPr>
+        <p:style>
+          <a:lnRef idx="2">
+            <a:schemeClr val="accent1">
+              <a:shade val="50000"/>
+            </a:schemeClr>
+          </a:lnRef>
+          <a:fillRef idx="1">
+            <a:schemeClr val="accent1"/>
+          </a:fillRef>
+          <a:effectRef idx="0">
+            <a:schemeClr val="accent1"/>
+          </a:effectRef>
+          <a:fontRef idx="minor">
+            <a:schemeClr val="lt1"/>
+          </a:fontRef>
+        </p:style>
+        <p:txBody>
+          <a:bodyPr rtlCol="0" anchor="ctr"/>
+          <a:lstStyle/>
+          <a:p>
+            <a:pPr algn="ctr"/>
+            <a:endParaRPr lang="en-GB"/>
+          </a:p>
+        </p:txBody>
+      </p:sp>
       <p:pic>
         <p:nvPicPr>
           <p:cNvPr id="2" name="Immagine 1">
@@ -4242,10 +4709,98 @@
           </a:p>
         </p:txBody>
       </p:sp>
+      <p:sp>
+        <p:nvSpPr>
+          <p:cNvPr id="4" name="CasellaDiTesto 3">
+            <a:extLst>
+              <a:ext uri="{FF2B5EF4-FFF2-40B4-BE49-F238E27FC236}">
+                <a16:creationId xmlns:a16="http://schemas.microsoft.com/office/drawing/2014/main" id="{353588A8-C6F0-BC85-5178-7270B34B90E6}"/>
+              </a:ext>
+            </a:extLst>
+          </p:cNvPr>
+          <p:cNvSpPr txBox="1"/>
+          <p:nvPr/>
+        </p:nvSpPr>
+        <p:spPr>
+          <a:xfrm>
+            <a:off x="477520" y="690880"/>
+            <a:ext cx="2672080" cy="923330"/>
+          </a:xfrm>
+          <a:prstGeom prst="rect">
+            <a:avLst/>
+          </a:prstGeom>
+          <a:noFill/>
+        </p:spPr>
+        <p:txBody>
+          <a:bodyPr wrap="square" rtlCol="0">
+            <a:spAutoFit/>
+          </a:bodyPr>
+          <a:lstStyle/>
+          <a:p>
+            <a:pPr algn="ctr" defTabSz="914400">
+              <a:lnSpc>
+                <a:spcPct val="90000"/>
+              </a:lnSpc>
+              <a:spcBef>
+                <a:spcPct val="0"/>
+              </a:spcBef>
+            </a:pPr>
+            <a:r>
+              <a:rPr lang="it-IT" sz="6000" dirty="0">
+                <a:latin typeface="Segoe UI Semibold" panose="020B0702040204020203" pitchFamily="34" charset="0"/>
+                <a:ea typeface="+mj-ea"/>
+                <a:cs typeface="Segoe UI Semibold" panose="020B0702040204020203" pitchFamily="34" charset="0"/>
+              </a:rPr>
+              <a:t>Indice:</a:t>
+            </a:r>
+            <a:endParaRPr lang="en-GB" sz="6000" dirty="0">
+              <a:latin typeface="Segoe UI Semibold" panose="020B0702040204020203" pitchFamily="34" charset="0"/>
+              <a:ea typeface="+mj-ea"/>
+              <a:cs typeface="Segoe UI Semibold" panose="020B0702040204020203" pitchFamily="34" charset="0"/>
+            </a:endParaRPr>
+          </a:p>
+        </p:txBody>
+      </p:sp>
+      <p:sp>
+        <p:nvSpPr>
+          <p:cNvPr id="6" name="CasellaDiTesto 5">
+            <a:extLst>
+              <a:ext uri="{FF2B5EF4-FFF2-40B4-BE49-F238E27FC236}">
+                <a16:creationId xmlns:a16="http://schemas.microsoft.com/office/drawing/2014/main" id="{697BCA78-4985-3FE8-D32C-33F019096CB7}"/>
+              </a:ext>
+            </a:extLst>
+          </p:cNvPr>
+          <p:cNvSpPr txBox="1"/>
+          <p:nvPr/>
+        </p:nvSpPr>
+        <p:spPr>
+          <a:xfrm>
+            <a:off x="979054" y="1791855"/>
+            <a:ext cx="2950872" cy="369332"/>
+          </a:xfrm>
+          <a:prstGeom prst="rect">
+            <a:avLst/>
+          </a:prstGeom>
+          <a:noFill/>
+        </p:spPr>
+        <p:txBody>
+          <a:bodyPr wrap="none" rtlCol="0">
+            <a:spAutoFit/>
+          </a:bodyPr>
+          <a:lstStyle/>
+          <a:p>
+            <a:r>
+              <a:rPr lang="it-IT" dirty="0"/>
+              <a:t>A chi è indirizzata MealMate?</a:t>
+            </a:r>
+            <a:endParaRPr lang="en-GB" dirty="0"/>
+          </a:p>
+        </p:txBody>
+      </p:sp>
     </p:spTree>
     <p:extLst>
       <p:ext uri="{BB962C8B-B14F-4D97-AF65-F5344CB8AC3E}">
-        <p14:creationId xmlns:p14="http://schemas.microsoft.com/office/powerpoint/2010/main" val="3001815331"/>
+        <p14:creationId xmlns:p14="http://schemas.microsoft.com/office/powerpoint/2010/main" val="1067692637"/>
       </p:ext>
     </p:extLst>
   </p:cSld>
@@ -4274,58 +4829,540 @@
       </p:grpSpPr>
       <p:sp>
         <p:nvSpPr>
-          <p:cNvPr id="2" name="Titolo 1">
+          <p:cNvPr id="9" name="Nastro perforato 8">
             <a:extLst>
               <a:ext uri="{FF2B5EF4-FFF2-40B4-BE49-F238E27FC236}">
-                <a16:creationId xmlns:a16="http://schemas.microsoft.com/office/drawing/2014/main" id="{A38D2AA0-140D-E299-C6DF-1E2407DA821A}"/>
+                <a16:creationId xmlns:a16="http://schemas.microsoft.com/office/drawing/2014/main" id="{79BB15B9-A610-62D4-0267-A881D5189ECB}"/>
               </a:ext>
             </a:extLst>
           </p:cNvPr>
-          <p:cNvSpPr>
-            <a:spLocks noGrp="1"/>
-          </p:cNvSpPr>
-          <p:nvPr>
-            <p:ph type="title"/>
-          </p:nvPr>
-        </p:nvSpPr>
-        <p:spPr/>
-        <p:txBody>
-          <a:bodyPr/>
-          <a:lstStyle/>
-          <a:p>
+          <p:cNvSpPr/>
+          <p:nvPr/>
+        </p:nvSpPr>
+        <p:spPr>
+          <a:xfrm rot="5400000">
+            <a:off x="-3473952" y="-2653799"/>
+            <a:ext cx="10020103" cy="14184696"/>
+          </a:xfrm>
+          <a:custGeom>
+            <a:avLst/>
+            <a:gdLst>
+              <a:gd name="connsiteX0" fmla="*/ 0 w 10000"/>
+              <a:gd name="connsiteY0" fmla="*/ 1000 h 10000"/>
+              <a:gd name="connsiteX1" fmla="*/ 2500 w 10000"/>
+              <a:gd name="connsiteY1" fmla="*/ 2000 h 10000"/>
+              <a:gd name="connsiteX2" fmla="*/ 5000 w 10000"/>
+              <a:gd name="connsiteY2" fmla="*/ 1000 h 10000"/>
+              <a:gd name="connsiteX3" fmla="*/ 7500 w 10000"/>
+              <a:gd name="connsiteY3" fmla="*/ 0 h 10000"/>
+              <a:gd name="connsiteX4" fmla="*/ 10000 w 10000"/>
+              <a:gd name="connsiteY4" fmla="*/ 1000 h 10000"/>
+              <a:gd name="connsiteX5" fmla="*/ 10000 w 10000"/>
+              <a:gd name="connsiteY5" fmla="*/ 9000 h 10000"/>
+              <a:gd name="connsiteX6" fmla="*/ 7500 w 10000"/>
+              <a:gd name="connsiteY6" fmla="*/ 8000 h 10000"/>
+              <a:gd name="connsiteX7" fmla="*/ 5000 w 10000"/>
+              <a:gd name="connsiteY7" fmla="*/ 9000 h 10000"/>
+              <a:gd name="connsiteX8" fmla="*/ 2500 w 10000"/>
+              <a:gd name="connsiteY8" fmla="*/ 10000 h 10000"/>
+              <a:gd name="connsiteX9" fmla="*/ 0 w 10000"/>
+              <a:gd name="connsiteY9" fmla="*/ 9000 h 10000"/>
+              <a:gd name="connsiteX10" fmla="*/ 0 w 10000"/>
+              <a:gd name="connsiteY10" fmla="*/ 1000 h 10000"/>
+              <a:gd name="connsiteX0" fmla="*/ 0 w 10000"/>
+              <a:gd name="connsiteY0" fmla="*/ 1899 h 10899"/>
+              <a:gd name="connsiteX1" fmla="*/ 2500 w 10000"/>
+              <a:gd name="connsiteY1" fmla="*/ 2899 h 10899"/>
+              <a:gd name="connsiteX2" fmla="*/ 4471 w 10000"/>
+              <a:gd name="connsiteY2" fmla="*/ 163 h 10899"/>
+              <a:gd name="connsiteX3" fmla="*/ 7500 w 10000"/>
+              <a:gd name="connsiteY3" fmla="*/ 899 h 10899"/>
+              <a:gd name="connsiteX4" fmla="*/ 10000 w 10000"/>
+              <a:gd name="connsiteY4" fmla="*/ 1899 h 10899"/>
+              <a:gd name="connsiteX5" fmla="*/ 10000 w 10000"/>
+              <a:gd name="connsiteY5" fmla="*/ 9899 h 10899"/>
+              <a:gd name="connsiteX6" fmla="*/ 7500 w 10000"/>
+              <a:gd name="connsiteY6" fmla="*/ 8899 h 10899"/>
+              <a:gd name="connsiteX7" fmla="*/ 5000 w 10000"/>
+              <a:gd name="connsiteY7" fmla="*/ 9899 h 10899"/>
+              <a:gd name="connsiteX8" fmla="*/ 2500 w 10000"/>
+              <a:gd name="connsiteY8" fmla="*/ 10899 h 10899"/>
+              <a:gd name="connsiteX9" fmla="*/ 0 w 10000"/>
+              <a:gd name="connsiteY9" fmla="*/ 9899 h 10899"/>
+              <a:gd name="connsiteX10" fmla="*/ 0 w 10000"/>
+              <a:gd name="connsiteY10" fmla="*/ 1899 h 10899"/>
+              <a:gd name="connsiteX0" fmla="*/ 0 w 10145"/>
+              <a:gd name="connsiteY0" fmla="*/ 5558 h 14558"/>
+              <a:gd name="connsiteX1" fmla="*/ 2500 w 10145"/>
+              <a:gd name="connsiteY1" fmla="*/ 6558 h 14558"/>
+              <a:gd name="connsiteX2" fmla="*/ 4471 w 10145"/>
+              <a:gd name="connsiteY2" fmla="*/ 3822 h 14558"/>
+              <a:gd name="connsiteX3" fmla="*/ 9597 w 10145"/>
+              <a:gd name="connsiteY3" fmla="*/ 19 h 14558"/>
+              <a:gd name="connsiteX4" fmla="*/ 10000 w 10145"/>
+              <a:gd name="connsiteY4" fmla="*/ 5558 h 14558"/>
+              <a:gd name="connsiteX5" fmla="*/ 10000 w 10145"/>
+              <a:gd name="connsiteY5" fmla="*/ 13558 h 14558"/>
+              <a:gd name="connsiteX6" fmla="*/ 7500 w 10145"/>
+              <a:gd name="connsiteY6" fmla="*/ 12558 h 14558"/>
+              <a:gd name="connsiteX7" fmla="*/ 5000 w 10145"/>
+              <a:gd name="connsiteY7" fmla="*/ 13558 h 14558"/>
+              <a:gd name="connsiteX8" fmla="*/ 2500 w 10145"/>
+              <a:gd name="connsiteY8" fmla="*/ 14558 h 14558"/>
+              <a:gd name="connsiteX9" fmla="*/ 0 w 10145"/>
+              <a:gd name="connsiteY9" fmla="*/ 13558 h 14558"/>
+              <a:gd name="connsiteX10" fmla="*/ 0 w 10145"/>
+              <a:gd name="connsiteY10" fmla="*/ 5558 h 14558"/>
+              <a:gd name="connsiteX0" fmla="*/ 0 w 11987"/>
+              <a:gd name="connsiteY0" fmla="*/ 5558 h 14558"/>
+              <a:gd name="connsiteX1" fmla="*/ 2500 w 11987"/>
+              <a:gd name="connsiteY1" fmla="*/ 6558 h 14558"/>
+              <a:gd name="connsiteX2" fmla="*/ 4471 w 11987"/>
+              <a:gd name="connsiteY2" fmla="*/ 3822 h 14558"/>
+              <a:gd name="connsiteX3" fmla="*/ 9597 w 11987"/>
+              <a:gd name="connsiteY3" fmla="*/ 19 h 14558"/>
+              <a:gd name="connsiteX4" fmla="*/ 11987 w 11987"/>
+              <a:gd name="connsiteY4" fmla="*/ 5558 h 14558"/>
+              <a:gd name="connsiteX5" fmla="*/ 10000 w 11987"/>
+              <a:gd name="connsiteY5" fmla="*/ 13558 h 14558"/>
+              <a:gd name="connsiteX6" fmla="*/ 7500 w 11987"/>
+              <a:gd name="connsiteY6" fmla="*/ 12558 h 14558"/>
+              <a:gd name="connsiteX7" fmla="*/ 5000 w 11987"/>
+              <a:gd name="connsiteY7" fmla="*/ 13558 h 14558"/>
+              <a:gd name="connsiteX8" fmla="*/ 2500 w 11987"/>
+              <a:gd name="connsiteY8" fmla="*/ 14558 h 14558"/>
+              <a:gd name="connsiteX9" fmla="*/ 0 w 11987"/>
+              <a:gd name="connsiteY9" fmla="*/ 13558 h 14558"/>
+              <a:gd name="connsiteX10" fmla="*/ 0 w 11987"/>
+              <a:gd name="connsiteY10" fmla="*/ 5558 h 14558"/>
+              <a:gd name="connsiteX0" fmla="*/ 0 w 11987"/>
+              <a:gd name="connsiteY0" fmla="*/ 5554 h 14554"/>
+              <a:gd name="connsiteX1" fmla="*/ 2500 w 11987"/>
+              <a:gd name="connsiteY1" fmla="*/ 6554 h 14554"/>
+              <a:gd name="connsiteX2" fmla="*/ 4562 w 11987"/>
+              <a:gd name="connsiteY2" fmla="*/ 4017 h 14554"/>
+              <a:gd name="connsiteX3" fmla="*/ 9597 w 11987"/>
+              <a:gd name="connsiteY3" fmla="*/ 15 h 14554"/>
+              <a:gd name="connsiteX4" fmla="*/ 11987 w 11987"/>
+              <a:gd name="connsiteY4" fmla="*/ 5554 h 14554"/>
+              <a:gd name="connsiteX5" fmla="*/ 10000 w 11987"/>
+              <a:gd name="connsiteY5" fmla="*/ 13554 h 14554"/>
+              <a:gd name="connsiteX6" fmla="*/ 7500 w 11987"/>
+              <a:gd name="connsiteY6" fmla="*/ 12554 h 14554"/>
+              <a:gd name="connsiteX7" fmla="*/ 5000 w 11987"/>
+              <a:gd name="connsiteY7" fmla="*/ 13554 h 14554"/>
+              <a:gd name="connsiteX8" fmla="*/ 2500 w 11987"/>
+              <a:gd name="connsiteY8" fmla="*/ 14554 h 14554"/>
+              <a:gd name="connsiteX9" fmla="*/ 0 w 11987"/>
+              <a:gd name="connsiteY9" fmla="*/ 13554 h 14554"/>
+              <a:gd name="connsiteX10" fmla="*/ 0 w 11987"/>
+              <a:gd name="connsiteY10" fmla="*/ 5554 h 14554"/>
+              <a:gd name="connsiteX0" fmla="*/ 0 w 11987"/>
+              <a:gd name="connsiteY0" fmla="*/ 5553 h 14553"/>
+              <a:gd name="connsiteX1" fmla="*/ 2208 w 11987"/>
+              <a:gd name="connsiteY1" fmla="*/ 5432 h 14553"/>
+              <a:gd name="connsiteX2" fmla="*/ 4562 w 11987"/>
+              <a:gd name="connsiteY2" fmla="*/ 4016 h 14553"/>
+              <a:gd name="connsiteX3" fmla="*/ 9597 w 11987"/>
+              <a:gd name="connsiteY3" fmla="*/ 14 h 14553"/>
+              <a:gd name="connsiteX4" fmla="*/ 11987 w 11987"/>
+              <a:gd name="connsiteY4" fmla="*/ 5553 h 14553"/>
+              <a:gd name="connsiteX5" fmla="*/ 10000 w 11987"/>
+              <a:gd name="connsiteY5" fmla="*/ 13553 h 14553"/>
+              <a:gd name="connsiteX6" fmla="*/ 7500 w 11987"/>
+              <a:gd name="connsiteY6" fmla="*/ 12553 h 14553"/>
+              <a:gd name="connsiteX7" fmla="*/ 5000 w 11987"/>
+              <a:gd name="connsiteY7" fmla="*/ 13553 h 14553"/>
+              <a:gd name="connsiteX8" fmla="*/ 2500 w 11987"/>
+              <a:gd name="connsiteY8" fmla="*/ 14553 h 14553"/>
+              <a:gd name="connsiteX9" fmla="*/ 0 w 11987"/>
+              <a:gd name="connsiteY9" fmla="*/ 13553 h 14553"/>
+              <a:gd name="connsiteX10" fmla="*/ 0 w 11987"/>
+              <a:gd name="connsiteY10" fmla="*/ 5553 h 14553"/>
+              <a:gd name="connsiteX0" fmla="*/ 182 w 11987"/>
+              <a:gd name="connsiteY0" fmla="*/ 634 h 14553"/>
+              <a:gd name="connsiteX1" fmla="*/ 2208 w 11987"/>
+              <a:gd name="connsiteY1" fmla="*/ 5432 h 14553"/>
+              <a:gd name="connsiteX2" fmla="*/ 4562 w 11987"/>
+              <a:gd name="connsiteY2" fmla="*/ 4016 h 14553"/>
+              <a:gd name="connsiteX3" fmla="*/ 9597 w 11987"/>
+              <a:gd name="connsiteY3" fmla="*/ 14 h 14553"/>
+              <a:gd name="connsiteX4" fmla="*/ 11987 w 11987"/>
+              <a:gd name="connsiteY4" fmla="*/ 5553 h 14553"/>
+              <a:gd name="connsiteX5" fmla="*/ 10000 w 11987"/>
+              <a:gd name="connsiteY5" fmla="*/ 13553 h 14553"/>
+              <a:gd name="connsiteX6" fmla="*/ 7500 w 11987"/>
+              <a:gd name="connsiteY6" fmla="*/ 12553 h 14553"/>
+              <a:gd name="connsiteX7" fmla="*/ 5000 w 11987"/>
+              <a:gd name="connsiteY7" fmla="*/ 13553 h 14553"/>
+              <a:gd name="connsiteX8" fmla="*/ 2500 w 11987"/>
+              <a:gd name="connsiteY8" fmla="*/ 14553 h 14553"/>
+              <a:gd name="connsiteX9" fmla="*/ 0 w 11987"/>
+              <a:gd name="connsiteY9" fmla="*/ 13553 h 14553"/>
+              <a:gd name="connsiteX10" fmla="*/ 182 w 11987"/>
+              <a:gd name="connsiteY10" fmla="*/ 634 h 14553"/>
+              <a:gd name="connsiteX0" fmla="*/ 182 w 11987"/>
+              <a:gd name="connsiteY0" fmla="*/ 633 h 14552"/>
+              <a:gd name="connsiteX1" fmla="*/ 2354 w 11987"/>
+              <a:gd name="connsiteY1" fmla="*/ 2990 h 14552"/>
+              <a:gd name="connsiteX2" fmla="*/ 4562 w 11987"/>
+              <a:gd name="connsiteY2" fmla="*/ 4015 h 14552"/>
+              <a:gd name="connsiteX3" fmla="*/ 9597 w 11987"/>
+              <a:gd name="connsiteY3" fmla="*/ 13 h 14552"/>
+              <a:gd name="connsiteX4" fmla="*/ 11987 w 11987"/>
+              <a:gd name="connsiteY4" fmla="*/ 5552 h 14552"/>
+              <a:gd name="connsiteX5" fmla="*/ 10000 w 11987"/>
+              <a:gd name="connsiteY5" fmla="*/ 13552 h 14552"/>
+              <a:gd name="connsiteX6" fmla="*/ 7500 w 11987"/>
+              <a:gd name="connsiteY6" fmla="*/ 12552 h 14552"/>
+              <a:gd name="connsiteX7" fmla="*/ 5000 w 11987"/>
+              <a:gd name="connsiteY7" fmla="*/ 13552 h 14552"/>
+              <a:gd name="connsiteX8" fmla="*/ 2500 w 11987"/>
+              <a:gd name="connsiteY8" fmla="*/ 14552 h 14552"/>
+              <a:gd name="connsiteX9" fmla="*/ 0 w 11987"/>
+              <a:gd name="connsiteY9" fmla="*/ 13552 h 14552"/>
+              <a:gd name="connsiteX10" fmla="*/ 182 w 11987"/>
+              <a:gd name="connsiteY10" fmla="*/ 633 h 14552"/>
+              <a:gd name="connsiteX0" fmla="*/ 182 w 11987"/>
+              <a:gd name="connsiteY0" fmla="*/ 696 h 14615"/>
+              <a:gd name="connsiteX1" fmla="*/ 2354 w 11987"/>
+              <a:gd name="connsiteY1" fmla="*/ 3053 h 14615"/>
+              <a:gd name="connsiteX2" fmla="*/ 5328 w 11987"/>
+              <a:gd name="connsiteY2" fmla="*/ 2432 h 14615"/>
+              <a:gd name="connsiteX3" fmla="*/ 9597 w 11987"/>
+              <a:gd name="connsiteY3" fmla="*/ 76 h 14615"/>
+              <a:gd name="connsiteX4" fmla="*/ 11987 w 11987"/>
+              <a:gd name="connsiteY4" fmla="*/ 5615 h 14615"/>
+              <a:gd name="connsiteX5" fmla="*/ 10000 w 11987"/>
+              <a:gd name="connsiteY5" fmla="*/ 13615 h 14615"/>
+              <a:gd name="connsiteX6" fmla="*/ 7500 w 11987"/>
+              <a:gd name="connsiteY6" fmla="*/ 12615 h 14615"/>
+              <a:gd name="connsiteX7" fmla="*/ 5000 w 11987"/>
+              <a:gd name="connsiteY7" fmla="*/ 13615 h 14615"/>
+              <a:gd name="connsiteX8" fmla="*/ 2500 w 11987"/>
+              <a:gd name="connsiteY8" fmla="*/ 14615 h 14615"/>
+              <a:gd name="connsiteX9" fmla="*/ 0 w 11987"/>
+              <a:gd name="connsiteY9" fmla="*/ 13615 h 14615"/>
+              <a:gd name="connsiteX10" fmla="*/ 182 w 11987"/>
+              <a:gd name="connsiteY10" fmla="*/ 696 h 14615"/>
+              <a:gd name="connsiteX0" fmla="*/ 182 w 11987"/>
+              <a:gd name="connsiteY0" fmla="*/ 693 h 14612"/>
+              <a:gd name="connsiteX1" fmla="*/ 2281 w 11987"/>
+              <a:gd name="connsiteY1" fmla="*/ 2164 h 14612"/>
+              <a:gd name="connsiteX2" fmla="*/ 5328 w 11987"/>
+              <a:gd name="connsiteY2" fmla="*/ 2429 h 14612"/>
+              <a:gd name="connsiteX3" fmla="*/ 9597 w 11987"/>
+              <a:gd name="connsiteY3" fmla="*/ 73 h 14612"/>
+              <a:gd name="connsiteX4" fmla="*/ 11987 w 11987"/>
+              <a:gd name="connsiteY4" fmla="*/ 5612 h 14612"/>
+              <a:gd name="connsiteX5" fmla="*/ 10000 w 11987"/>
+              <a:gd name="connsiteY5" fmla="*/ 13612 h 14612"/>
+              <a:gd name="connsiteX6" fmla="*/ 7500 w 11987"/>
+              <a:gd name="connsiteY6" fmla="*/ 12612 h 14612"/>
+              <a:gd name="connsiteX7" fmla="*/ 5000 w 11987"/>
+              <a:gd name="connsiteY7" fmla="*/ 13612 h 14612"/>
+              <a:gd name="connsiteX8" fmla="*/ 2500 w 11987"/>
+              <a:gd name="connsiteY8" fmla="*/ 14612 h 14612"/>
+              <a:gd name="connsiteX9" fmla="*/ 0 w 11987"/>
+              <a:gd name="connsiteY9" fmla="*/ 13612 h 14612"/>
+              <a:gd name="connsiteX10" fmla="*/ 182 w 11987"/>
+              <a:gd name="connsiteY10" fmla="*/ 693 h 14612"/>
+              <a:gd name="connsiteX0" fmla="*/ 182 w 11987"/>
+              <a:gd name="connsiteY0" fmla="*/ 2834 h 16753"/>
+              <a:gd name="connsiteX1" fmla="*/ 2281 w 11987"/>
+              <a:gd name="connsiteY1" fmla="*/ 4305 h 16753"/>
+              <a:gd name="connsiteX2" fmla="*/ 5328 w 11987"/>
+              <a:gd name="connsiteY2" fmla="*/ 4570 h 16753"/>
+              <a:gd name="connsiteX3" fmla="*/ 9852 w 11987"/>
+              <a:gd name="connsiteY3" fmla="*/ 44 h 16753"/>
+              <a:gd name="connsiteX4" fmla="*/ 11987 w 11987"/>
+              <a:gd name="connsiteY4" fmla="*/ 7753 h 16753"/>
+              <a:gd name="connsiteX5" fmla="*/ 10000 w 11987"/>
+              <a:gd name="connsiteY5" fmla="*/ 15753 h 16753"/>
+              <a:gd name="connsiteX6" fmla="*/ 7500 w 11987"/>
+              <a:gd name="connsiteY6" fmla="*/ 14753 h 16753"/>
+              <a:gd name="connsiteX7" fmla="*/ 5000 w 11987"/>
+              <a:gd name="connsiteY7" fmla="*/ 15753 h 16753"/>
+              <a:gd name="connsiteX8" fmla="*/ 2500 w 11987"/>
+              <a:gd name="connsiteY8" fmla="*/ 16753 h 16753"/>
+              <a:gd name="connsiteX9" fmla="*/ 0 w 11987"/>
+              <a:gd name="connsiteY9" fmla="*/ 15753 h 16753"/>
+              <a:gd name="connsiteX10" fmla="*/ 182 w 11987"/>
+              <a:gd name="connsiteY10" fmla="*/ 2834 h 16753"/>
+              <a:gd name="connsiteX0" fmla="*/ 182 w 11987"/>
+              <a:gd name="connsiteY0" fmla="*/ 2890 h 16809"/>
+              <a:gd name="connsiteX1" fmla="*/ 2281 w 11987"/>
+              <a:gd name="connsiteY1" fmla="*/ 4361 h 16809"/>
+              <a:gd name="connsiteX2" fmla="*/ 5328 w 11987"/>
+              <a:gd name="connsiteY2" fmla="*/ 3469 h 16809"/>
+              <a:gd name="connsiteX3" fmla="*/ 9852 w 11987"/>
+              <a:gd name="connsiteY3" fmla="*/ 100 h 16809"/>
+              <a:gd name="connsiteX4" fmla="*/ 11987 w 11987"/>
+              <a:gd name="connsiteY4" fmla="*/ 7809 h 16809"/>
+              <a:gd name="connsiteX5" fmla="*/ 10000 w 11987"/>
+              <a:gd name="connsiteY5" fmla="*/ 15809 h 16809"/>
+              <a:gd name="connsiteX6" fmla="*/ 7500 w 11987"/>
+              <a:gd name="connsiteY6" fmla="*/ 14809 h 16809"/>
+              <a:gd name="connsiteX7" fmla="*/ 5000 w 11987"/>
+              <a:gd name="connsiteY7" fmla="*/ 15809 h 16809"/>
+              <a:gd name="connsiteX8" fmla="*/ 2500 w 11987"/>
+              <a:gd name="connsiteY8" fmla="*/ 16809 h 16809"/>
+              <a:gd name="connsiteX9" fmla="*/ 0 w 11987"/>
+              <a:gd name="connsiteY9" fmla="*/ 15809 h 16809"/>
+              <a:gd name="connsiteX10" fmla="*/ 182 w 11987"/>
+              <a:gd name="connsiteY10" fmla="*/ 2890 h 16809"/>
+              <a:gd name="connsiteX0" fmla="*/ 182 w 11987"/>
+              <a:gd name="connsiteY0" fmla="*/ 2896 h 16815"/>
+              <a:gd name="connsiteX1" fmla="*/ 2281 w 11987"/>
+              <a:gd name="connsiteY1" fmla="*/ 4367 h 16815"/>
+              <a:gd name="connsiteX2" fmla="*/ 5255 w 11987"/>
+              <a:gd name="connsiteY2" fmla="*/ 3385 h 16815"/>
+              <a:gd name="connsiteX3" fmla="*/ 9852 w 11987"/>
+              <a:gd name="connsiteY3" fmla="*/ 106 h 16815"/>
+              <a:gd name="connsiteX4" fmla="*/ 11987 w 11987"/>
+              <a:gd name="connsiteY4" fmla="*/ 7815 h 16815"/>
+              <a:gd name="connsiteX5" fmla="*/ 10000 w 11987"/>
+              <a:gd name="connsiteY5" fmla="*/ 15815 h 16815"/>
+              <a:gd name="connsiteX6" fmla="*/ 7500 w 11987"/>
+              <a:gd name="connsiteY6" fmla="*/ 14815 h 16815"/>
+              <a:gd name="connsiteX7" fmla="*/ 5000 w 11987"/>
+              <a:gd name="connsiteY7" fmla="*/ 15815 h 16815"/>
+              <a:gd name="connsiteX8" fmla="*/ 2500 w 11987"/>
+              <a:gd name="connsiteY8" fmla="*/ 16815 h 16815"/>
+              <a:gd name="connsiteX9" fmla="*/ 0 w 11987"/>
+              <a:gd name="connsiteY9" fmla="*/ 15815 h 16815"/>
+              <a:gd name="connsiteX10" fmla="*/ 182 w 11987"/>
+              <a:gd name="connsiteY10" fmla="*/ 2896 h 16815"/>
+              <a:gd name="connsiteX0" fmla="*/ 182 w 11987"/>
+              <a:gd name="connsiteY0" fmla="*/ 2912 h 16831"/>
+              <a:gd name="connsiteX1" fmla="*/ 2281 w 11987"/>
+              <a:gd name="connsiteY1" fmla="*/ 4383 h 16831"/>
+              <a:gd name="connsiteX2" fmla="*/ 5255 w 11987"/>
+              <a:gd name="connsiteY2" fmla="*/ 3401 h 16831"/>
+              <a:gd name="connsiteX3" fmla="*/ 9852 w 11987"/>
+              <a:gd name="connsiteY3" fmla="*/ 122 h 16831"/>
+              <a:gd name="connsiteX4" fmla="*/ 11987 w 11987"/>
+              <a:gd name="connsiteY4" fmla="*/ 7831 h 16831"/>
+              <a:gd name="connsiteX5" fmla="*/ 10000 w 11987"/>
+              <a:gd name="connsiteY5" fmla="*/ 15831 h 16831"/>
+              <a:gd name="connsiteX6" fmla="*/ 7500 w 11987"/>
+              <a:gd name="connsiteY6" fmla="*/ 14831 h 16831"/>
+              <a:gd name="connsiteX7" fmla="*/ 5000 w 11987"/>
+              <a:gd name="connsiteY7" fmla="*/ 15831 h 16831"/>
+              <a:gd name="connsiteX8" fmla="*/ 2500 w 11987"/>
+              <a:gd name="connsiteY8" fmla="*/ 16831 h 16831"/>
+              <a:gd name="connsiteX9" fmla="*/ 0 w 11987"/>
+              <a:gd name="connsiteY9" fmla="*/ 15831 h 16831"/>
+              <a:gd name="connsiteX10" fmla="*/ 182 w 11987"/>
+              <a:gd name="connsiteY10" fmla="*/ 2912 h 16831"/>
+            </a:gdLst>
+            <a:ahLst/>
+            <a:cxnLst>
+              <a:cxn ang="0">
+                <a:pos x="connsiteX0" y="connsiteY0"/>
+              </a:cxn>
+              <a:cxn ang="0">
+                <a:pos x="connsiteX1" y="connsiteY1"/>
+              </a:cxn>
+              <a:cxn ang="0">
+                <a:pos x="connsiteX2" y="connsiteY2"/>
+              </a:cxn>
+              <a:cxn ang="0">
+                <a:pos x="connsiteX3" y="connsiteY3"/>
+              </a:cxn>
+              <a:cxn ang="0">
+                <a:pos x="connsiteX4" y="connsiteY4"/>
+              </a:cxn>
+              <a:cxn ang="0">
+                <a:pos x="connsiteX5" y="connsiteY5"/>
+              </a:cxn>
+              <a:cxn ang="0">
+                <a:pos x="connsiteX6" y="connsiteY6"/>
+              </a:cxn>
+              <a:cxn ang="0">
+                <a:pos x="connsiteX7" y="connsiteY7"/>
+              </a:cxn>
+              <a:cxn ang="0">
+                <a:pos x="connsiteX8" y="connsiteY8"/>
+              </a:cxn>
+              <a:cxn ang="0">
+                <a:pos x="connsiteX9" y="connsiteY9"/>
+              </a:cxn>
+              <a:cxn ang="0">
+                <a:pos x="connsiteX10" y="connsiteY10"/>
+              </a:cxn>
+            </a:cxnLst>
+            <a:rect l="l" t="t" r="r" b="b"/>
+            <a:pathLst>
+              <a:path w="11987" h="16831">
+                <a:moveTo>
+                  <a:pt x="182" y="2912"/>
+                </a:moveTo>
+                <a:cubicBezTo>
+                  <a:pt x="182" y="3464"/>
+                  <a:pt x="1436" y="4302"/>
+                  <a:pt x="2281" y="4383"/>
+                </a:cubicBezTo>
+                <a:cubicBezTo>
+                  <a:pt x="3126" y="4464"/>
+                  <a:pt x="4121" y="4635"/>
+                  <a:pt x="5255" y="3401"/>
+                </a:cubicBezTo>
+                <a:cubicBezTo>
+                  <a:pt x="6389" y="2167"/>
+                  <a:pt x="8730" y="-616"/>
+                  <a:pt x="9852" y="122"/>
+                </a:cubicBezTo>
+                <a:cubicBezTo>
+                  <a:pt x="10974" y="860"/>
+                  <a:pt x="11987" y="7279"/>
+                  <a:pt x="11987" y="7831"/>
+                </a:cubicBezTo>
+                <a:lnTo>
+                  <a:pt x="10000" y="15831"/>
+                </a:lnTo>
+                <a:cubicBezTo>
+                  <a:pt x="10000" y="15279"/>
+                  <a:pt x="8881" y="14831"/>
+                  <a:pt x="7500" y="14831"/>
+                </a:cubicBezTo>
+                <a:cubicBezTo>
+                  <a:pt x="6119" y="14831"/>
+                  <a:pt x="5000" y="15279"/>
+                  <a:pt x="5000" y="15831"/>
+                </a:cubicBezTo>
+                <a:cubicBezTo>
+                  <a:pt x="5000" y="16383"/>
+                  <a:pt x="3881" y="16831"/>
+                  <a:pt x="2500" y="16831"/>
+                </a:cubicBezTo>
+                <a:cubicBezTo>
+                  <a:pt x="1119" y="16831"/>
+                  <a:pt x="0" y="16383"/>
+                  <a:pt x="0" y="15831"/>
+                </a:cubicBezTo>
+                <a:cubicBezTo>
+                  <a:pt x="61" y="11525"/>
+                  <a:pt x="121" y="7218"/>
+                  <a:pt x="182" y="2912"/>
+                </a:cubicBezTo>
+                <a:close/>
+              </a:path>
+            </a:pathLst>
+          </a:custGeom>
+          <a:solidFill>
+            <a:srgbClr val="61AC43">
+              <a:alpha val="20000"/>
+            </a:srgbClr>
+          </a:solidFill>
+          <a:ln>
+            <a:noFill/>
+          </a:ln>
+        </p:spPr>
+        <p:style>
+          <a:lnRef idx="2">
+            <a:schemeClr val="accent1">
+              <a:shade val="50000"/>
+            </a:schemeClr>
+          </a:lnRef>
+          <a:fillRef idx="1">
+            <a:schemeClr val="accent1"/>
+          </a:fillRef>
+          <a:effectRef idx="0">
+            <a:schemeClr val="accent1"/>
+          </a:effectRef>
+          <a:fontRef idx="minor">
+            <a:schemeClr val="lt1"/>
+          </a:fontRef>
+        </p:style>
+        <p:txBody>
+          <a:bodyPr rtlCol="0" anchor="ctr"/>
+          <a:lstStyle/>
+          <a:p>
+            <a:pPr algn="ctr"/>
             <a:endParaRPr lang="en-GB"/>
           </a:p>
         </p:txBody>
       </p:sp>
-      <p:sp>
-        <p:nvSpPr>
-          <p:cNvPr id="3" name="Segnaposto contenuto 2">
+      <p:pic>
+        <p:nvPicPr>
+          <p:cNvPr id="2" name="Immagine 1">
             <a:extLst>
               <a:ext uri="{FF2B5EF4-FFF2-40B4-BE49-F238E27FC236}">
-                <a16:creationId xmlns:a16="http://schemas.microsoft.com/office/drawing/2014/main" id="{6BB13B5B-D1AD-6098-1A09-A48A8734B84C}"/>
+                <a16:creationId xmlns:a16="http://schemas.microsoft.com/office/drawing/2014/main" id="{678EBE94-B8F4-BD52-7A0D-E5385E34DCB6}"/>
               </a:ext>
             </a:extLst>
           </p:cNvPr>
-          <p:cNvSpPr>
-            <a:spLocks noGrp="1"/>
-          </p:cNvSpPr>
-          <p:nvPr>
-            <p:ph idx="1"/>
-          </p:nvPr>
-        </p:nvSpPr>
-        <p:spPr/>
-        <p:txBody>
-          <a:bodyPr/>
-          <a:lstStyle/>
-          <a:p>
-            <a:endParaRPr lang="en-GB"/>
+          <p:cNvPicPr>
+            <a:picLocks noChangeAspect="1"/>
+          </p:cNvPicPr>
+          <p:nvPr/>
+        </p:nvPicPr>
+        <p:blipFill>
+          <a:blip r:embed="rId2">
+            <a:extLst>
+              <a:ext uri="{28A0092B-C50C-407E-A947-70E740481C1C}">
+                <a14:useLocalDpi xmlns:a14="http://schemas.microsoft.com/office/drawing/2010/main" val="0"/>
+              </a:ext>
+            </a:extLst>
+          </a:blip>
+          <a:stretch>
+            <a:fillRect/>
+          </a:stretch>
+        </p:blipFill>
+        <p:spPr>
+          <a:xfrm>
+            <a:off x="9974997" y="5920978"/>
+            <a:ext cx="877866" cy="737750"/>
+          </a:xfrm>
+          <a:prstGeom prst="rect">
+            <a:avLst/>
+          </a:prstGeom>
+        </p:spPr>
+      </p:pic>
+      <p:sp>
+        <p:nvSpPr>
+          <p:cNvPr id="3" name="CasellaDiTesto 2">
+            <a:extLst>
+              <a:ext uri="{FF2B5EF4-FFF2-40B4-BE49-F238E27FC236}">
+                <a16:creationId xmlns:a16="http://schemas.microsoft.com/office/drawing/2014/main" id="{B8F84D0F-F8A9-3868-64E5-D30541CD8BF4}"/>
+              </a:ext>
+            </a:extLst>
+          </p:cNvPr>
+          <p:cNvSpPr txBox="1"/>
+          <p:nvPr/>
+        </p:nvSpPr>
+        <p:spPr>
+          <a:xfrm>
+            <a:off x="10690303" y="6178698"/>
+            <a:ext cx="1388962" cy="400110"/>
+          </a:xfrm>
+          <a:prstGeom prst="rect">
+            <a:avLst/>
+          </a:prstGeom>
+          <a:noFill/>
+        </p:spPr>
+        <p:txBody>
+          <a:bodyPr wrap="square" rtlCol="0">
+            <a:spAutoFit/>
+          </a:bodyPr>
+          <a:lstStyle/>
+          <a:p>
+            <a:r>
+              <a:rPr lang="en-US" sz="2000" dirty="0">
+                <a:latin typeface="Segoe UI Semibold" panose="020B0702040204020203" pitchFamily="34" charset="0"/>
+                <a:cs typeface="Segoe UI Semibold" panose="020B0702040204020203" pitchFamily="34" charset="0"/>
+              </a:rPr>
+              <a:t>MealMate</a:t>
+            </a:r>
+            <a:endParaRPr lang="en-GB" sz="2000" dirty="0"/>
           </a:p>
         </p:txBody>
       </p:sp>
     </p:spTree>
     <p:extLst>
       <p:ext uri="{BB962C8B-B14F-4D97-AF65-F5344CB8AC3E}">
-        <p14:creationId xmlns:p14="http://schemas.microsoft.com/office/powerpoint/2010/main" val="1154944090"/>
+        <p14:creationId xmlns:p14="http://schemas.microsoft.com/office/powerpoint/2010/main" val="4190188326"/>
       </p:ext>
     </p:extLst>
   </p:cSld>
@@ -4352,12 +5389,203 @@
           <a:chExt cx="0" cy="0"/>
         </a:xfrm>
       </p:grpSpPr>
-      <p:sp>
-        <p:nvSpPr>
-          <p:cNvPr id="15" name="Documento 14">
+      <p:pic>
+        <p:nvPicPr>
+          <p:cNvPr id="4" name="Immagine 3">
             <a:extLst>
               <a:ext uri="{FF2B5EF4-FFF2-40B4-BE49-F238E27FC236}">
-                <a16:creationId xmlns:a16="http://schemas.microsoft.com/office/drawing/2014/main" id="{9D1D7D0F-BF5B-BB09-3990-69D3FE3A0727}"/>
+                <a16:creationId xmlns:a16="http://schemas.microsoft.com/office/drawing/2014/main" id="{A142CF35-3337-BE95-4A48-AB0E4F485275}"/>
+              </a:ext>
+            </a:extLst>
+          </p:cNvPr>
+          <p:cNvPicPr>
+            <a:picLocks noChangeAspect="1"/>
+          </p:cNvPicPr>
+          <p:nvPr/>
+        </p:nvPicPr>
+        <p:blipFill>
+          <a:blip r:embed="rId3"/>
+          <a:stretch>
+            <a:fillRect/>
+          </a:stretch>
+        </p:blipFill>
+        <p:spPr>
+          <a:xfrm>
+            <a:off x="0" y="1"/>
+            <a:ext cx="12192000" cy="6857999"/>
+          </a:xfrm>
+          <a:prstGeom prst="rect">
+            <a:avLst/>
+          </a:prstGeom>
+        </p:spPr>
+      </p:pic>
+      <p:pic>
+        <p:nvPicPr>
+          <p:cNvPr id="12" name="Elemento grafico 11" descr="Utenti con riempimento a tinta unita">
+            <a:extLst>
+              <a:ext uri="{FF2B5EF4-FFF2-40B4-BE49-F238E27FC236}">
+                <a16:creationId xmlns:a16="http://schemas.microsoft.com/office/drawing/2014/main" id="{5EE505B6-4293-37AD-8146-1C3DD7611532}"/>
+              </a:ext>
+            </a:extLst>
+          </p:cNvPr>
+          <p:cNvPicPr>
+            <a:picLocks noChangeAspect="1"/>
+          </p:cNvPicPr>
+          <p:nvPr/>
+        </p:nvPicPr>
+        <p:blipFill>
+          <a:blip r:embed="rId4">
+            <a:extLst>
+              <a:ext uri="{28A0092B-C50C-407E-A947-70E740481C1C}">
+                <a14:useLocalDpi xmlns:a14="http://schemas.microsoft.com/office/drawing/2010/main" val="0"/>
+              </a:ext>
+              <a:ext uri="{96DAC541-7B7A-43D3-8B79-37D633B846F1}">
+                <asvg:svgBlip xmlns:asvg="http://schemas.microsoft.com/office/drawing/2016/SVG/main" r:embed="rId5"/>
+              </a:ext>
+            </a:extLst>
+          </a:blip>
+          <a:stretch>
+            <a:fillRect/>
+          </a:stretch>
+        </p:blipFill>
+        <p:spPr>
+          <a:xfrm>
+            <a:off x="7723121" y="1844147"/>
+            <a:ext cx="2967182" cy="2949971"/>
+          </a:xfrm>
+          <a:prstGeom prst="rect">
+            <a:avLst/>
+          </a:prstGeom>
+        </p:spPr>
+      </p:pic>
+      <p:pic>
+        <p:nvPicPr>
+          <p:cNvPr id="2" name="Immagine 1">
+            <a:extLst>
+              <a:ext uri="{FF2B5EF4-FFF2-40B4-BE49-F238E27FC236}">
+                <a16:creationId xmlns:a16="http://schemas.microsoft.com/office/drawing/2014/main" id="{678EBE94-B8F4-BD52-7A0D-E5385E34DCB6}"/>
+              </a:ext>
+            </a:extLst>
+          </p:cNvPr>
+          <p:cNvPicPr>
+            <a:picLocks noChangeAspect="1"/>
+          </p:cNvPicPr>
+          <p:nvPr/>
+        </p:nvPicPr>
+        <p:blipFill>
+          <a:blip r:embed="rId6">
+            <a:extLst>
+              <a:ext uri="{28A0092B-C50C-407E-A947-70E740481C1C}">
+                <a14:useLocalDpi xmlns:a14="http://schemas.microsoft.com/office/drawing/2010/main" val="0"/>
+              </a:ext>
+            </a:extLst>
+          </a:blip>
+          <a:stretch>
+            <a:fillRect/>
+          </a:stretch>
+        </p:blipFill>
+        <p:spPr>
+          <a:xfrm>
+            <a:off x="9974997" y="5920978"/>
+            <a:ext cx="877866" cy="737750"/>
+          </a:xfrm>
+          <a:prstGeom prst="rect">
+            <a:avLst/>
+          </a:prstGeom>
+        </p:spPr>
+      </p:pic>
+      <p:sp>
+        <p:nvSpPr>
+          <p:cNvPr id="3" name="CasellaDiTesto 2">
+            <a:extLst>
+              <a:ext uri="{FF2B5EF4-FFF2-40B4-BE49-F238E27FC236}">
+                <a16:creationId xmlns:a16="http://schemas.microsoft.com/office/drawing/2014/main" id="{B8F84D0F-F8A9-3868-64E5-D30541CD8BF4}"/>
+              </a:ext>
+            </a:extLst>
+          </p:cNvPr>
+          <p:cNvSpPr txBox="1"/>
+          <p:nvPr/>
+        </p:nvSpPr>
+        <p:spPr>
+          <a:xfrm>
+            <a:off x="10690303" y="6178698"/>
+            <a:ext cx="1388962" cy="400110"/>
+          </a:xfrm>
+          <a:prstGeom prst="rect">
+            <a:avLst/>
+          </a:prstGeom>
+          <a:noFill/>
+        </p:spPr>
+        <p:txBody>
+          <a:bodyPr wrap="square" rtlCol="0">
+            <a:spAutoFit/>
+          </a:bodyPr>
+          <a:lstStyle/>
+          <a:p>
+            <a:r>
+              <a:rPr lang="en-US" sz="2000" dirty="0">
+                <a:latin typeface="Segoe UI Semibold" panose="020B0702040204020203" pitchFamily="34" charset="0"/>
+                <a:cs typeface="Segoe UI Semibold" panose="020B0702040204020203" pitchFamily="34" charset="0"/>
+              </a:rPr>
+              <a:t>MealMate</a:t>
+            </a:r>
+            <a:endParaRPr lang="en-GB" sz="2000" dirty="0"/>
+          </a:p>
+        </p:txBody>
+      </p:sp>
+      <p:sp>
+        <p:nvSpPr>
+          <p:cNvPr id="5" name="CasellaDiTesto 4">
+            <a:extLst>
+              <a:ext uri="{FF2B5EF4-FFF2-40B4-BE49-F238E27FC236}">
+                <a16:creationId xmlns:a16="http://schemas.microsoft.com/office/drawing/2014/main" id="{AA1918BE-D986-7355-6942-2A72C536F97B}"/>
+              </a:ext>
+            </a:extLst>
+          </p:cNvPr>
+          <p:cNvSpPr txBox="1"/>
+          <p:nvPr/>
+        </p:nvSpPr>
+        <p:spPr>
+          <a:xfrm>
+            <a:off x="0" y="268950"/>
+            <a:ext cx="12192000" cy="646331"/>
+          </a:xfrm>
+          <a:prstGeom prst="rect">
+            <a:avLst/>
+          </a:prstGeom>
+          <a:noFill/>
+        </p:spPr>
+        <p:txBody>
+          <a:bodyPr wrap="square" rtlCol="0">
+            <a:spAutoFit/>
+          </a:bodyPr>
+          <a:lstStyle/>
+          <a:p>
+            <a:pPr algn="ctr"/>
+            <a:r>
+              <a:rPr lang="it-IT" dirty="0"/>
+              <a:t> </a:t>
+            </a:r>
+            <a:r>
+              <a:rPr lang="it-IT" sz="3600" dirty="0">
+                <a:latin typeface="Segoe UI Semibold" panose="020B0702040204020203" pitchFamily="34" charset="0"/>
+                <a:cs typeface="Segoe UI Semibold" panose="020B0702040204020203" pitchFamily="34" charset="0"/>
+              </a:rPr>
+              <a:t>A chi è indirizzata MealMate?</a:t>
+            </a:r>
+            <a:endParaRPr lang="en-GB" sz="2000" dirty="0">
+              <a:latin typeface="Segoe UI Semibold" panose="020B0702040204020203" pitchFamily="34" charset="0"/>
+              <a:cs typeface="Segoe UI Semibold" panose="020B0702040204020203" pitchFamily="34" charset="0"/>
+            </a:endParaRPr>
+          </a:p>
+        </p:txBody>
+      </p:sp>
+      <p:sp>
+        <p:nvSpPr>
+          <p:cNvPr id="6" name="Rettangolo 5">
+            <a:extLst>
+              <a:ext uri="{FF2B5EF4-FFF2-40B4-BE49-F238E27FC236}">
+                <a16:creationId xmlns:a16="http://schemas.microsoft.com/office/drawing/2014/main" id="{ECF2691C-9DED-A694-C614-4FA08D51DE71}"/>
               </a:ext>
             </a:extLst>
           </p:cNvPr>
@@ -4366,187 +5594,14 @@
         </p:nvSpPr>
         <p:spPr>
           <a:xfrm>
-            <a:off x="-1213009" y="-600286"/>
-            <a:ext cx="14132631" cy="4106613"/>
+            <a:off x="6035964" y="1271418"/>
+            <a:ext cx="121920" cy="4907280"/>
           </a:xfrm>
-          <a:custGeom>
+          <a:prstGeom prst="rect">
             <a:avLst/>
-            <a:gdLst>
-              <a:gd name="connsiteX0" fmla="*/ 0 w 21600"/>
-              <a:gd name="connsiteY0" fmla="*/ 0 h 21600"/>
-              <a:gd name="connsiteX1" fmla="*/ 21600 w 21600"/>
-              <a:gd name="connsiteY1" fmla="*/ 0 h 21600"/>
-              <a:gd name="connsiteX2" fmla="*/ 21600 w 21600"/>
-              <a:gd name="connsiteY2" fmla="*/ 17322 h 21600"/>
-              <a:gd name="connsiteX3" fmla="*/ 0 w 21600"/>
-              <a:gd name="connsiteY3" fmla="*/ 20172 h 21600"/>
-              <a:gd name="connsiteX4" fmla="*/ 0 w 21600"/>
-              <a:gd name="connsiteY4" fmla="*/ 0 h 21600"/>
-              <a:gd name="connsiteX0" fmla="*/ 3878 w 25478"/>
-              <a:gd name="connsiteY0" fmla="*/ 0 h 35306"/>
-              <a:gd name="connsiteX1" fmla="*/ 25478 w 25478"/>
-              <a:gd name="connsiteY1" fmla="*/ 0 h 35306"/>
-              <a:gd name="connsiteX2" fmla="*/ 25478 w 25478"/>
-              <a:gd name="connsiteY2" fmla="*/ 17322 h 35306"/>
-              <a:gd name="connsiteX3" fmla="*/ 0 w 25478"/>
-              <a:gd name="connsiteY3" fmla="*/ 34864 h 35306"/>
-              <a:gd name="connsiteX4" fmla="*/ 3878 w 25478"/>
-              <a:gd name="connsiteY4" fmla="*/ 0 h 35306"/>
-              <a:gd name="connsiteX0" fmla="*/ 3878 w 28319"/>
-              <a:gd name="connsiteY0" fmla="*/ 0 h 35177"/>
-              <a:gd name="connsiteX1" fmla="*/ 25478 w 28319"/>
-              <a:gd name="connsiteY1" fmla="*/ 0 h 35177"/>
-              <a:gd name="connsiteX2" fmla="*/ 28319 w 28319"/>
-              <a:gd name="connsiteY2" fmla="*/ 7462 h 35177"/>
-              <a:gd name="connsiteX3" fmla="*/ 0 w 28319"/>
-              <a:gd name="connsiteY3" fmla="*/ 34864 h 35177"/>
-              <a:gd name="connsiteX4" fmla="*/ 3878 w 28319"/>
-              <a:gd name="connsiteY4" fmla="*/ 0 h 35177"/>
-              <a:gd name="connsiteX0" fmla="*/ 5411 w 29852"/>
-              <a:gd name="connsiteY0" fmla="*/ 0 h 48743"/>
-              <a:gd name="connsiteX1" fmla="*/ 27011 w 29852"/>
-              <a:gd name="connsiteY1" fmla="*/ 0 h 48743"/>
-              <a:gd name="connsiteX2" fmla="*/ 29852 w 29852"/>
-              <a:gd name="connsiteY2" fmla="*/ 7462 h 48743"/>
-              <a:gd name="connsiteX3" fmla="*/ 0 w 29852"/>
-              <a:gd name="connsiteY3" fmla="*/ 48521 h 48743"/>
-              <a:gd name="connsiteX4" fmla="*/ 5411 w 29852"/>
-              <a:gd name="connsiteY4" fmla="*/ 0 h 48743"/>
-              <a:gd name="connsiteX0" fmla="*/ 5479 w 29920"/>
-              <a:gd name="connsiteY0" fmla="*/ 0 h 38589"/>
-              <a:gd name="connsiteX1" fmla="*/ 27079 w 29920"/>
-              <a:gd name="connsiteY1" fmla="*/ 0 h 38589"/>
-              <a:gd name="connsiteX2" fmla="*/ 29920 w 29920"/>
-              <a:gd name="connsiteY2" fmla="*/ 7462 h 38589"/>
-              <a:gd name="connsiteX3" fmla="*/ 0 w 29920"/>
-              <a:gd name="connsiteY3" fmla="*/ 38305 h 38589"/>
-              <a:gd name="connsiteX4" fmla="*/ 5479 w 29920"/>
-              <a:gd name="connsiteY4" fmla="*/ 0 h 38589"/>
-              <a:gd name="connsiteX0" fmla="*/ 5479 w 62523"/>
-              <a:gd name="connsiteY0" fmla="*/ 0 h 38554"/>
-              <a:gd name="connsiteX1" fmla="*/ 27079 w 62523"/>
-              <a:gd name="connsiteY1" fmla="*/ 0 h 38554"/>
-              <a:gd name="connsiteX2" fmla="*/ 62523 w 62523"/>
-              <a:gd name="connsiteY2" fmla="*/ 2208 h 38554"/>
-              <a:gd name="connsiteX3" fmla="*/ 0 w 62523"/>
-              <a:gd name="connsiteY3" fmla="*/ 38305 h 38554"/>
-              <a:gd name="connsiteX4" fmla="*/ 5479 w 62523"/>
-              <a:gd name="connsiteY4" fmla="*/ 0 h 38554"/>
-              <a:gd name="connsiteX0" fmla="*/ 5479 w 62523"/>
-              <a:gd name="connsiteY0" fmla="*/ 0 h 38495"/>
-              <a:gd name="connsiteX1" fmla="*/ 27079 w 62523"/>
-              <a:gd name="connsiteY1" fmla="*/ 0 h 38495"/>
-              <a:gd name="connsiteX2" fmla="*/ 62523 w 62523"/>
-              <a:gd name="connsiteY2" fmla="*/ 2208 h 38495"/>
-              <a:gd name="connsiteX3" fmla="*/ 0 w 62523"/>
-              <a:gd name="connsiteY3" fmla="*/ 38305 h 38495"/>
-              <a:gd name="connsiteX4" fmla="*/ 5479 w 62523"/>
-              <a:gd name="connsiteY4" fmla="*/ 0 h 38495"/>
-              <a:gd name="connsiteX0" fmla="*/ 5479 w 62523"/>
-              <a:gd name="connsiteY0" fmla="*/ 0 h 36314"/>
-              <a:gd name="connsiteX1" fmla="*/ 27079 w 62523"/>
-              <a:gd name="connsiteY1" fmla="*/ 0 h 36314"/>
-              <a:gd name="connsiteX2" fmla="*/ 62523 w 62523"/>
-              <a:gd name="connsiteY2" fmla="*/ 2208 h 36314"/>
-              <a:gd name="connsiteX3" fmla="*/ 0 w 62523"/>
-              <a:gd name="connsiteY3" fmla="*/ 36116 h 36314"/>
-              <a:gd name="connsiteX4" fmla="*/ 5479 w 62523"/>
-              <a:gd name="connsiteY4" fmla="*/ 0 h 36314"/>
-              <a:gd name="connsiteX0" fmla="*/ 5479 w 62523"/>
-              <a:gd name="connsiteY0" fmla="*/ 583 h 36699"/>
-              <a:gd name="connsiteX1" fmla="*/ 27079 w 62523"/>
-              <a:gd name="connsiteY1" fmla="*/ 583 h 36699"/>
-              <a:gd name="connsiteX2" fmla="*/ 62523 w 62523"/>
-              <a:gd name="connsiteY2" fmla="*/ 2791 h 36699"/>
-              <a:gd name="connsiteX3" fmla="*/ 0 w 62523"/>
-              <a:gd name="connsiteY3" fmla="*/ 36699 h 36699"/>
-              <a:gd name="connsiteX4" fmla="*/ 5479 w 62523"/>
-              <a:gd name="connsiteY4" fmla="*/ 583 h 36699"/>
-              <a:gd name="connsiteX0" fmla="*/ 5479 w 62658"/>
-              <a:gd name="connsiteY0" fmla="*/ 0 h 36116"/>
-              <a:gd name="connsiteX1" fmla="*/ 27079 w 62658"/>
-              <a:gd name="connsiteY1" fmla="*/ 0 h 36116"/>
-              <a:gd name="connsiteX2" fmla="*/ 62658 w 62658"/>
-              <a:gd name="connsiteY2" fmla="*/ 3959 h 36116"/>
-              <a:gd name="connsiteX3" fmla="*/ 0 w 62658"/>
-              <a:gd name="connsiteY3" fmla="*/ 36116 h 36116"/>
-              <a:gd name="connsiteX4" fmla="*/ 5479 w 62658"/>
-              <a:gd name="connsiteY4" fmla="*/ 0 h 36116"/>
-              <a:gd name="connsiteX0" fmla="*/ 5479 w 62658"/>
-              <a:gd name="connsiteY0" fmla="*/ 0 h 36116"/>
-              <a:gd name="connsiteX1" fmla="*/ 27079 w 62658"/>
-              <a:gd name="connsiteY1" fmla="*/ 0 h 36116"/>
-              <a:gd name="connsiteX2" fmla="*/ 62658 w 62658"/>
-              <a:gd name="connsiteY2" fmla="*/ 3959 h 36116"/>
-              <a:gd name="connsiteX3" fmla="*/ 0 w 62658"/>
-              <a:gd name="connsiteY3" fmla="*/ 36116 h 36116"/>
-              <a:gd name="connsiteX4" fmla="*/ 5479 w 62658"/>
-              <a:gd name="connsiteY4" fmla="*/ 0 h 36116"/>
-              <a:gd name="connsiteX0" fmla="*/ 5479 w 62658"/>
-              <a:gd name="connsiteY0" fmla="*/ 3211 h 39327"/>
-              <a:gd name="connsiteX1" fmla="*/ 26403 w 62658"/>
-              <a:gd name="connsiteY1" fmla="*/ 0 h 39327"/>
-              <a:gd name="connsiteX2" fmla="*/ 62658 w 62658"/>
-              <a:gd name="connsiteY2" fmla="*/ 7170 h 39327"/>
-              <a:gd name="connsiteX3" fmla="*/ 0 w 62658"/>
-              <a:gd name="connsiteY3" fmla="*/ 39327 h 39327"/>
-              <a:gd name="connsiteX4" fmla="*/ 5479 w 62658"/>
-              <a:gd name="connsiteY4" fmla="*/ 3211 h 39327"/>
-              <a:gd name="connsiteX0" fmla="*/ 5479 w 62726"/>
-              <a:gd name="connsiteY0" fmla="*/ 3211 h 39327"/>
-              <a:gd name="connsiteX1" fmla="*/ 26403 w 62726"/>
-              <a:gd name="connsiteY1" fmla="*/ 0 h 39327"/>
-              <a:gd name="connsiteX2" fmla="*/ 62726 w 62726"/>
-              <a:gd name="connsiteY2" fmla="*/ 5856 h 39327"/>
-              <a:gd name="connsiteX3" fmla="*/ 0 w 62726"/>
-              <a:gd name="connsiteY3" fmla="*/ 39327 h 39327"/>
-              <a:gd name="connsiteX4" fmla="*/ 5479 w 62726"/>
-              <a:gd name="connsiteY4" fmla="*/ 3211 h 39327"/>
-            </a:gdLst>
-            <a:ahLst/>
-            <a:cxnLst>
-              <a:cxn ang="0">
-                <a:pos x="connsiteX0" y="connsiteY0"/>
-              </a:cxn>
-              <a:cxn ang="0">
-                <a:pos x="connsiteX1" y="connsiteY1"/>
-              </a:cxn>
-              <a:cxn ang="0">
-                <a:pos x="connsiteX2" y="connsiteY2"/>
-              </a:cxn>
-              <a:cxn ang="0">
-                <a:pos x="connsiteX3" y="connsiteY3"/>
-              </a:cxn>
-              <a:cxn ang="0">
-                <a:pos x="connsiteX4" y="connsiteY4"/>
-              </a:cxn>
-            </a:cxnLst>
-            <a:rect l="l" t="t" r="r" b="b"/>
-            <a:pathLst>
-              <a:path w="62726" h="39327">
-                <a:moveTo>
-                  <a:pt x="5479" y="3211"/>
-                </a:moveTo>
-                <a:lnTo>
-                  <a:pt x="26403" y="0"/>
-                </a:lnTo>
-                <a:lnTo>
-                  <a:pt x="62726" y="5856"/>
-                </a:lnTo>
-                <a:cubicBezTo>
-                  <a:pt x="39750" y="5418"/>
-                  <a:pt x="9515" y="29212"/>
-                  <a:pt x="0" y="39327"/>
-                </a:cubicBezTo>
-                <a:lnTo>
-                  <a:pt x="5479" y="3211"/>
-                </a:lnTo>
-                <a:close/>
-              </a:path>
-            </a:pathLst>
-          </a:custGeom>
+          </a:prstGeom>
           <a:solidFill>
-            <a:srgbClr val="61AC43"/>
+            <a:srgbClr val="1D9A78"/>
           </a:solidFill>
           <a:ln>
             <a:noFill/>
@@ -4573,205 +5628,395 @@
           <a:lstStyle/>
           <a:p>
             <a:pPr algn="ctr"/>
-            <a:endParaRPr lang="en-GB">
-              <a:solidFill>
-                <a:srgbClr val="54A339"/>
-              </a:solidFill>
-            </a:endParaRPr>
-          </a:p>
-        </p:txBody>
-      </p:sp>
-      <p:sp>
-        <p:nvSpPr>
-          <p:cNvPr id="18" name="Documento 14">
+            <a:endParaRPr lang="en-GB"/>
+          </a:p>
+        </p:txBody>
+      </p:sp>
+      <p:sp>
+        <p:nvSpPr>
+          <p:cNvPr id="7" name="CasellaDiTesto 6">
             <a:extLst>
               <a:ext uri="{FF2B5EF4-FFF2-40B4-BE49-F238E27FC236}">
-                <a16:creationId xmlns:a16="http://schemas.microsoft.com/office/drawing/2014/main" id="{6D91E880-30D5-A636-DBDF-06BE16318FAC}"/>
+                <a16:creationId xmlns:a16="http://schemas.microsoft.com/office/drawing/2014/main" id="{4B40D000-7E33-51CB-9ADC-BA3C8D0ABF07}"/>
               </a:ext>
             </a:extLst>
           </p:cNvPr>
-          <p:cNvSpPr/>
+          <p:cNvSpPr txBox="1"/>
           <p:nvPr/>
         </p:nvSpPr>
         <p:spPr>
-          <a:xfrm rot="11754232">
-            <a:off x="-902761" y="2906222"/>
-            <a:ext cx="13466398" cy="7559960"/>
+          <a:xfrm>
+            <a:off x="1775303" y="4229408"/>
+            <a:ext cx="2494594" cy="461665"/>
           </a:xfrm>
-          <a:custGeom>
+          <a:prstGeom prst="rect">
             <a:avLst/>
-            <a:gdLst>
-              <a:gd name="connsiteX0" fmla="*/ 0 w 21600"/>
-              <a:gd name="connsiteY0" fmla="*/ 0 h 21600"/>
-              <a:gd name="connsiteX1" fmla="*/ 21600 w 21600"/>
-              <a:gd name="connsiteY1" fmla="*/ 0 h 21600"/>
-              <a:gd name="connsiteX2" fmla="*/ 21600 w 21600"/>
-              <a:gd name="connsiteY2" fmla="*/ 17322 h 21600"/>
-              <a:gd name="connsiteX3" fmla="*/ 0 w 21600"/>
-              <a:gd name="connsiteY3" fmla="*/ 20172 h 21600"/>
-              <a:gd name="connsiteX4" fmla="*/ 0 w 21600"/>
-              <a:gd name="connsiteY4" fmla="*/ 0 h 21600"/>
-              <a:gd name="connsiteX0" fmla="*/ 3878 w 25478"/>
-              <a:gd name="connsiteY0" fmla="*/ 0 h 35306"/>
-              <a:gd name="connsiteX1" fmla="*/ 25478 w 25478"/>
-              <a:gd name="connsiteY1" fmla="*/ 0 h 35306"/>
-              <a:gd name="connsiteX2" fmla="*/ 25478 w 25478"/>
-              <a:gd name="connsiteY2" fmla="*/ 17322 h 35306"/>
-              <a:gd name="connsiteX3" fmla="*/ 0 w 25478"/>
-              <a:gd name="connsiteY3" fmla="*/ 34864 h 35306"/>
-              <a:gd name="connsiteX4" fmla="*/ 3878 w 25478"/>
-              <a:gd name="connsiteY4" fmla="*/ 0 h 35306"/>
-              <a:gd name="connsiteX0" fmla="*/ 3878 w 28319"/>
-              <a:gd name="connsiteY0" fmla="*/ 0 h 35177"/>
-              <a:gd name="connsiteX1" fmla="*/ 25478 w 28319"/>
-              <a:gd name="connsiteY1" fmla="*/ 0 h 35177"/>
-              <a:gd name="connsiteX2" fmla="*/ 28319 w 28319"/>
-              <a:gd name="connsiteY2" fmla="*/ 7462 h 35177"/>
-              <a:gd name="connsiteX3" fmla="*/ 0 w 28319"/>
-              <a:gd name="connsiteY3" fmla="*/ 34864 h 35177"/>
-              <a:gd name="connsiteX4" fmla="*/ 3878 w 28319"/>
-              <a:gd name="connsiteY4" fmla="*/ 0 h 35177"/>
-              <a:gd name="connsiteX0" fmla="*/ 5411 w 29852"/>
-              <a:gd name="connsiteY0" fmla="*/ 0 h 48743"/>
-              <a:gd name="connsiteX1" fmla="*/ 27011 w 29852"/>
-              <a:gd name="connsiteY1" fmla="*/ 0 h 48743"/>
-              <a:gd name="connsiteX2" fmla="*/ 29852 w 29852"/>
-              <a:gd name="connsiteY2" fmla="*/ 7462 h 48743"/>
-              <a:gd name="connsiteX3" fmla="*/ 0 w 29852"/>
-              <a:gd name="connsiteY3" fmla="*/ 48521 h 48743"/>
-              <a:gd name="connsiteX4" fmla="*/ 5411 w 29852"/>
-              <a:gd name="connsiteY4" fmla="*/ 0 h 48743"/>
-              <a:gd name="connsiteX0" fmla="*/ 5411 w 35876"/>
-              <a:gd name="connsiteY0" fmla="*/ 0 h 48801"/>
-              <a:gd name="connsiteX1" fmla="*/ 27011 w 35876"/>
-              <a:gd name="connsiteY1" fmla="*/ 0 h 48801"/>
-              <a:gd name="connsiteX2" fmla="*/ 35876 w 35876"/>
-              <a:gd name="connsiteY2" fmla="*/ 17117 h 48801"/>
-              <a:gd name="connsiteX3" fmla="*/ 0 w 35876"/>
-              <a:gd name="connsiteY3" fmla="*/ 48521 h 48801"/>
-              <a:gd name="connsiteX4" fmla="*/ 5411 w 35876"/>
-              <a:gd name="connsiteY4" fmla="*/ 0 h 48801"/>
-              <a:gd name="connsiteX0" fmla="*/ 5411 w 35876"/>
-              <a:gd name="connsiteY0" fmla="*/ 0 h 48741"/>
-              <a:gd name="connsiteX1" fmla="*/ 27011 w 35876"/>
-              <a:gd name="connsiteY1" fmla="*/ 0 h 48741"/>
-              <a:gd name="connsiteX2" fmla="*/ 35876 w 35876"/>
-              <a:gd name="connsiteY2" fmla="*/ 17117 h 48741"/>
-              <a:gd name="connsiteX3" fmla="*/ 0 w 35876"/>
-              <a:gd name="connsiteY3" fmla="*/ 48521 h 48741"/>
-              <a:gd name="connsiteX4" fmla="*/ 5411 w 35876"/>
-              <a:gd name="connsiteY4" fmla="*/ 0 h 48741"/>
-              <a:gd name="connsiteX0" fmla="*/ 5411 w 35876"/>
-              <a:gd name="connsiteY0" fmla="*/ 0 h 48741"/>
-              <a:gd name="connsiteX1" fmla="*/ 27427 w 35876"/>
-              <a:gd name="connsiteY1" fmla="*/ 5885 h 48741"/>
-              <a:gd name="connsiteX2" fmla="*/ 35876 w 35876"/>
-              <a:gd name="connsiteY2" fmla="*/ 17117 h 48741"/>
-              <a:gd name="connsiteX3" fmla="*/ 0 w 35876"/>
-              <a:gd name="connsiteY3" fmla="*/ 48521 h 48741"/>
-              <a:gd name="connsiteX4" fmla="*/ 5411 w 35876"/>
-              <a:gd name="connsiteY4" fmla="*/ 0 h 48741"/>
-              <a:gd name="connsiteX0" fmla="*/ 5411 w 59769"/>
-              <a:gd name="connsiteY0" fmla="*/ 0 h 48687"/>
-              <a:gd name="connsiteX1" fmla="*/ 27427 w 59769"/>
-              <a:gd name="connsiteY1" fmla="*/ 5885 h 48687"/>
-              <a:gd name="connsiteX2" fmla="*/ 59769 w 59769"/>
-              <a:gd name="connsiteY2" fmla="*/ 1518 h 48687"/>
-              <a:gd name="connsiteX3" fmla="*/ 0 w 59769"/>
-              <a:gd name="connsiteY3" fmla="*/ 48521 h 48687"/>
-              <a:gd name="connsiteX4" fmla="*/ 5411 w 59769"/>
-              <a:gd name="connsiteY4" fmla="*/ 0 h 48687"/>
-              <a:gd name="connsiteX0" fmla="*/ 5411 w 59769"/>
-              <a:gd name="connsiteY0" fmla="*/ 23711 h 72398"/>
-              <a:gd name="connsiteX1" fmla="*/ 48909 w 59769"/>
-              <a:gd name="connsiteY1" fmla="*/ 0 h 72398"/>
-              <a:gd name="connsiteX2" fmla="*/ 59769 w 59769"/>
-              <a:gd name="connsiteY2" fmla="*/ 25229 h 72398"/>
-              <a:gd name="connsiteX3" fmla="*/ 0 w 59769"/>
-              <a:gd name="connsiteY3" fmla="*/ 72232 h 72398"/>
-              <a:gd name="connsiteX4" fmla="*/ 5411 w 59769"/>
-              <a:gd name="connsiteY4" fmla="*/ 23711 h 72398"/>
-            </a:gdLst>
-            <a:ahLst/>
-            <a:cxnLst>
-              <a:cxn ang="0">
-                <a:pos x="connsiteX0" y="connsiteY0"/>
-              </a:cxn>
-              <a:cxn ang="0">
-                <a:pos x="connsiteX1" y="connsiteY1"/>
-              </a:cxn>
-              <a:cxn ang="0">
-                <a:pos x="connsiteX2" y="connsiteY2"/>
-              </a:cxn>
-              <a:cxn ang="0">
-                <a:pos x="connsiteX3" y="connsiteY3"/>
-              </a:cxn>
-              <a:cxn ang="0">
-                <a:pos x="connsiteX4" y="connsiteY4"/>
-              </a:cxn>
-            </a:cxnLst>
-            <a:rect l="l" t="t" r="r" b="b"/>
-            <a:pathLst>
-              <a:path w="59769" h="72398">
-                <a:moveTo>
-                  <a:pt x="5411" y="23711"/>
-                </a:moveTo>
-                <a:lnTo>
-                  <a:pt x="48909" y="0"/>
-                </a:lnTo>
-                <a:lnTo>
-                  <a:pt x="59769" y="25229"/>
-                </a:lnTo>
-                <a:cubicBezTo>
-                  <a:pt x="42687" y="14964"/>
-                  <a:pt x="10800" y="75982"/>
-                  <a:pt x="0" y="72232"/>
-                </a:cubicBezTo>
-                <a:lnTo>
-                  <a:pt x="5411" y="23711"/>
-                </a:lnTo>
-                <a:close/>
-              </a:path>
-            </a:pathLst>
-          </a:custGeom>
-          <a:solidFill>
-            <a:srgbClr val="61AC43"/>
-          </a:solidFill>
-          <a:ln>
-            <a:solidFill>
-              <a:srgbClr val="61AC43"/>
-            </a:solidFill>
-          </a:ln>
+          </a:prstGeom>
+          <a:noFill/>
         </p:spPr>
-        <p:style>
-          <a:lnRef idx="2">
-            <a:schemeClr val="accent1">
-              <a:shade val="50000"/>
-            </a:schemeClr>
-          </a:lnRef>
-          <a:fillRef idx="1">
-            <a:schemeClr val="accent1"/>
-          </a:fillRef>
-          <a:effectRef idx="0">
-            <a:schemeClr val="accent1"/>
-          </a:effectRef>
-          <a:fontRef idx="minor">
-            <a:schemeClr val="lt1"/>
-          </a:fontRef>
-        </p:style>
-        <p:txBody>
-          <a:bodyPr rtlCol="0" anchor="ctr"/>
-          <a:lstStyle/>
-          <a:p>
-            <a:pPr algn="ctr"/>
-            <a:endParaRPr lang="en-GB"/>
-          </a:p>
-        </p:txBody>
-      </p:sp>
+        <p:txBody>
+          <a:bodyPr wrap="none" rtlCol="0">
+            <a:spAutoFit/>
+          </a:bodyPr>
+          <a:lstStyle/>
+          <a:p>
+            <a:r>
+              <a:rPr lang="it-IT" sz="2400" dirty="0">
+                <a:latin typeface="Century Gothic" panose="020B0502020202020204" pitchFamily="34" charset="0"/>
+              </a:rPr>
+              <a:t>Persone singole</a:t>
+            </a:r>
+            <a:endParaRPr lang="en-GB" sz="2400" dirty="0">
+              <a:latin typeface="Century Gothic" panose="020B0502020202020204" pitchFamily="34" charset="0"/>
+            </a:endParaRPr>
+          </a:p>
+        </p:txBody>
+      </p:sp>
+      <p:sp>
+        <p:nvSpPr>
+          <p:cNvPr id="8" name="CasellaDiTesto 7">
+            <a:extLst>
+              <a:ext uri="{FF2B5EF4-FFF2-40B4-BE49-F238E27FC236}">
+                <a16:creationId xmlns:a16="http://schemas.microsoft.com/office/drawing/2014/main" id="{7C6E15DD-A6CF-9A3F-A2C0-81BD2EF6444E}"/>
+              </a:ext>
+            </a:extLst>
+          </p:cNvPr>
+          <p:cNvSpPr txBox="1"/>
+          <p:nvPr/>
+        </p:nvSpPr>
+        <p:spPr>
+          <a:xfrm>
+            <a:off x="7820607" y="4229408"/>
+            <a:ext cx="2869696" cy="461665"/>
+          </a:xfrm>
+          <a:prstGeom prst="rect">
+            <a:avLst/>
+          </a:prstGeom>
+          <a:noFill/>
+        </p:spPr>
+        <p:txBody>
+          <a:bodyPr wrap="none" rtlCol="0">
+            <a:spAutoFit/>
+          </a:bodyPr>
+          <a:lstStyle/>
+          <a:p>
+            <a:r>
+              <a:rPr lang="it-IT" sz="2400" dirty="0">
+                <a:latin typeface="Century Gothic" panose="020B0502020202020204" pitchFamily="34" charset="0"/>
+              </a:rPr>
+              <a:t>Gruppi di persone</a:t>
+            </a:r>
+            <a:endParaRPr lang="en-GB" sz="2400" dirty="0">
+              <a:latin typeface="Century Gothic" panose="020B0502020202020204" pitchFamily="34" charset="0"/>
+            </a:endParaRPr>
+          </a:p>
+        </p:txBody>
+      </p:sp>
+      <p:pic>
+        <p:nvPicPr>
+          <p:cNvPr id="10" name="Elemento grafico 9" descr="Utente con riempimento a tinta unita">
+            <a:extLst>
+              <a:ext uri="{FF2B5EF4-FFF2-40B4-BE49-F238E27FC236}">
+                <a16:creationId xmlns:a16="http://schemas.microsoft.com/office/drawing/2014/main" id="{81F2F1DF-2406-C5D7-8E19-3326B25073FD}"/>
+              </a:ext>
+            </a:extLst>
+          </p:cNvPr>
+          <p:cNvPicPr>
+            <a:picLocks noChangeAspect="1"/>
+          </p:cNvPicPr>
+          <p:nvPr/>
+        </p:nvPicPr>
+        <p:blipFill>
+          <a:blip r:embed="rId7">
+            <a:extLst>
+              <a:ext uri="{28A0092B-C50C-407E-A947-70E740481C1C}">
+                <a14:useLocalDpi xmlns:a14="http://schemas.microsoft.com/office/drawing/2010/main" val="0"/>
+              </a:ext>
+              <a:ext uri="{96DAC541-7B7A-43D3-8B79-37D633B846F1}">
+                <asvg:svgBlip xmlns:asvg="http://schemas.microsoft.com/office/drawing/2016/SVG/main" r:embed="rId8"/>
+              </a:ext>
+            </a:extLst>
+          </a:blip>
+          <a:stretch>
+            <a:fillRect/>
+          </a:stretch>
+        </p:blipFill>
+        <p:spPr>
+          <a:xfrm>
+            <a:off x="1865603" y="2178025"/>
+            <a:ext cx="2229044" cy="2282216"/>
+          </a:xfrm>
+          <a:prstGeom prst="rect">
+            <a:avLst/>
+          </a:prstGeom>
+        </p:spPr>
+      </p:pic>
     </p:spTree>
     <p:extLst>
       <p:ext uri="{BB962C8B-B14F-4D97-AF65-F5344CB8AC3E}">
-        <p14:creationId xmlns:p14="http://schemas.microsoft.com/office/powerpoint/2010/main" val="2772124038"/>
+        <p14:creationId xmlns:p14="http://schemas.microsoft.com/office/powerpoint/2010/main" val="3001815331"/>
+      </p:ext>
+    </p:extLst>
+  </p:cSld>
+  <p:clrMapOvr>
+    <a:masterClrMapping/>
+  </p:clrMapOvr>
+</p:sld>
+</file>
+
+<file path=ppt/slides/slide6.xml><?xml version="1.0" encoding="utf-8"?>
+<p:sld xmlns:a="http://schemas.openxmlformats.org/drawingml/2006/main" xmlns:r="http://schemas.openxmlformats.org/officeDocument/2006/relationships" xmlns:p="http://schemas.openxmlformats.org/presentationml/2006/main">
+  <p:cSld>
+    <p:spTree>
+      <p:nvGrpSpPr>
+        <p:cNvPr id="1" name=""/>
+        <p:cNvGrpSpPr/>
+        <p:nvPr/>
+      </p:nvGrpSpPr>
+      <p:grpSpPr>
+        <a:xfrm>
+          <a:off x="0" y="0"/>
+          <a:ext cx="0" cy="0"/>
+          <a:chOff x="0" y="0"/>
+          <a:chExt cx="0" cy="0"/>
+        </a:xfrm>
+      </p:grpSpPr>
+      <p:pic>
+        <p:nvPicPr>
+          <p:cNvPr id="4" name="Immagine 3">
+            <a:extLst>
+              <a:ext uri="{FF2B5EF4-FFF2-40B4-BE49-F238E27FC236}">
+                <a16:creationId xmlns:a16="http://schemas.microsoft.com/office/drawing/2014/main" id="{A142CF35-3337-BE95-4A48-AB0E4F485275}"/>
+              </a:ext>
+            </a:extLst>
+          </p:cNvPr>
+          <p:cNvPicPr>
+            <a:picLocks noChangeAspect="1"/>
+          </p:cNvPicPr>
+          <p:nvPr/>
+        </p:nvPicPr>
+        <p:blipFill>
+          <a:blip r:embed="rId3"/>
+          <a:stretch>
+            <a:fillRect/>
+          </a:stretch>
+        </p:blipFill>
+        <p:spPr>
+          <a:xfrm>
+            <a:off x="0" y="1"/>
+            <a:ext cx="12192000" cy="6857999"/>
+          </a:xfrm>
+          <a:prstGeom prst="rect">
+            <a:avLst/>
+          </a:prstGeom>
+        </p:spPr>
+      </p:pic>
+      <p:pic>
+        <p:nvPicPr>
+          <p:cNvPr id="2" name="Immagine 1">
+            <a:extLst>
+              <a:ext uri="{FF2B5EF4-FFF2-40B4-BE49-F238E27FC236}">
+                <a16:creationId xmlns:a16="http://schemas.microsoft.com/office/drawing/2014/main" id="{678EBE94-B8F4-BD52-7A0D-E5385E34DCB6}"/>
+              </a:ext>
+            </a:extLst>
+          </p:cNvPr>
+          <p:cNvPicPr>
+            <a:picLocks noChangeAspect="1"/>
+          </p:cNvPicPr>
+          <p:nvPr/>
+        </p:nvPicPr>
+        <p:blipFill>
+          <a:blip r:embed="rId4">
+            <a:extLst>
+              <a:ext uri="{28A0092B-C50C-407E-A947-70E740481C1C}">
+                <a14:useLocalDpi xmlns:a14="http://schemas.microsoft.com/office/drawing/2010/main" val="0"/>
+              </a:ext>
+            </a:extLst>
+          </a:blip>
+          <a:stretch>
+            <a:fillRect/>
+          </a:stretch>
+        </p:blipFill>
+        <p:spPr>
+          <a:xfrm>
+            <a:off x="9974997" y="5920978"/>
+            <a:ext cx="877866" cy="737750"/>
+          </a:xfrm>
+          <a:prstGeom prst="rect">
+            <a:avLst/>
+          </a:prstGeom>
+        </p:spPr>
+      </p:pic>
+      <p:sp>
+        <p:nvSpPr>
+          <p:cNvPr id="3" name="CasellaDiTesto 2">
+            <a:extLst>
+              <a:ext uri="{FF2B5EF4-FFF2-40B4-BE49-F238E27FC236}">
+                <a16:creationId xmlns:a16="http://schemas.microsoft.com/office/drawing/2014/main" id="{B8F84D0F-F8A9-3868-64E5-D30541CD8BF4}"/>
+              </a:ext>
+            </a:extLst>
+          </p:cNvPr>
+          <p:cNvSpPr txBox="1"/>
+          <p:nvPr/>
+        </p:nvSpPr>
+        <p:spPr>
+          <a:xfrm>
+            <a:off x="10690303" y="6178698"/>
+            <a:ext cx="1388962" cy="400110"/>
+          </a:xfrm>
+          <a:prstGeom prst="rect">
+            <a:avLst/>
+          </a:prstGeom>
+          <a:noFill/>
+        </p:spPr>
+        <p:txBody>
+          <a:bodyPr wrap="square" rtlCol="0">
+            <a:spAutoFit/>
+          </a:bodyPr>
+          <a:lstStyle/>
+          <a:p>
+            <a:r>
+              <a:rPr lang="en-US" sz="2000" dirty="0">
+                <a:latin typeface="Segoe UI Semibold" panose="020B0702040204020203" pitchFamily="34" charset="0"/>
+                <a:cs typeface="Segoe UI Semibold" panose="020B0702040204020203" pitchFamily="34" charset="0"/>
+              </a:rPr>
+              <a:t>MealMate</a:t>
+            </a:r>
+            <a:endParaRPr lang="en-GB" sz="2000" dirty="0"/>
+          </a:p>
+        </p:txBody>
+      </p:sp>
+      <p:sp>
+        <p:nvSpPr>
+          <p:cNvPr id="5" name="CasellaDiTesto 4">
+            <a:extLst>
+              <a:ext uri="{FF2B5EF4-FFF2-40B4-BE49-F238E27FC236}">
+                <a16:creationId xmlns:a16="http://schemas.microsoft.com/office/drawing/2014/main" id="{AA1918BE-D986-7355-6942-2A72C536F97B}"/>
+              </a:ext>
+            </a:extLst>
+          </p:cNvPr>
+          <p:cNvSpPr txBox="1"/>
+          <p:nvPr/>
+        </p:nvSpPr>
+        <p:spPr>
+          <a:xfrm>
+            <a:off x="0" y="268950"/>
+            <a:ext cx="12192000" cy="646331"/>
+          </a:xfrm>
+          <a:prstGeom prst="rect">
+            <a:avLst/>
+          </a:prstGeom>
+          <a:noFill/>
+        </p:spPr>
+        <p:txBody>
+          <a:bodyPr wrap="square" rtlCol="0">
+            <a:spAutoFit/>
+          </a:bodyPr>
+          <a:lstStyle/>
+          <a:p>
+            <a:pPr algn="ctr"/>
+            <a:r>
+              <a:rPr lang="it-IT" dirty="0"/>
+              <a:t> </a:t>
+            </a:r>
+            <a:r>
+              <a:rPr lang="it-IT" sz="3600" dirty="0">
+                <a:latin typeface="Segoe UI Semibold" panose="020B0702040204020203" pitchFamily="34" charset="0"/>
+                <a:cs typeface="Segoe UI Semibold" panose="020B0702040204020203" pitchFamily="34" charset="0"/>
+              </a:rPr>
+              <a:t>I vantaggi dell’usare MealMate:</a:t>
+            </a:r>
+            <a:endParaRPr lang="en-GB" sz="2000" dirty="0">
+              <a:latin typeface="Segoe UI Semibold" panose="020B0702040204020203" pitchFamily="34" charset="0"/>
+              <a:cs typeface="Segoe UI Semibold" panose="020B0702040204020203" pitchFamily="34" charset="0"/>
+            </a:endParaRPr>
+          </a:p>
+        </p:txBody>
+      </p:sp>
+    </p:spTree>
+    <p:extLst>
+      <p:ext uri="{BB962C8B-B14F-4D97-AF65-F5344CB8AC3E}">
+        <p14:creationId xmlns:p14="http://schemas.microsoft.com/office/powerpoint/2010/main" val="1243699703"/>
+      </p:ext>
+    </p:extLst>
+  </p:cSld>
+  <p:clrMapOvr>
+    <a:masterClrMapping/>
+  </p:clrMapOvr>
+</p:sld>
+</file>
+
+<file path=ppt/slides/slide7.xml><?xml version="1.0" encoding="utf-8"?>
+<p:sld xmlns:a="http://schemas.openxmlformats.org/drawingml/2006/main" xmlns:r="http://schemas.openxmlformats.org/officeDocument/2006/relationships" xmlns:p="http://schemas.openxmlformats.org/presentationml/2006/main">
+  <p:cSld>
+    <p:spTree>
+      <p:nvGrpSpPr>
+        <p:cNvPr id="1" name=""/>
+        <p:cNvGrpSpPr/>
+        <p:nvPr/>
+      </p:nvGrpSpPr>
+      <p:grpSpPr>
+        <a:xfrm>
+          <a:off x="0" y="0"/>
+          <a:ext cx="0" cy="0"/>
+          <a:chOff x="0" y="0"/>
+          <a:chExt cx="0" cy="0"/>
+        </a:xfrm>
+      </p:grpSpPr>
+      <p:sp>
+        <p:nvSpPr>
+          <p:cNvPr id="2" name="Titolo 1">
+            <a:extLst>
+              <a:ext uri="{FF2B5EF4-FFF2-40B4-BE49-F238E27FC236}">
+                <a16:creationId xmlns:a16="http://schemas.microsoft.com/office/drawing/2014/main" id="{A38D2AA0-140D-E299-C6DF-1E2407DA821A}"/>
+              </a:ext>
+            </a:extLst>
+          </p:cNvPr>
+          <p:cNvSpPr>
+            <a:spLocks noGrp="1"/>
+          </p:cNvSpPr>
+          <p:nvPr>
+            <p:ph type="title"/>
+          </p:nvPr>
+        </p:nvSpPr>
+        <p:spPr/>
+        <p:txBody>
+          <a:bodyPr/>
+          <a:lstStyle/>
+          <a:p>
+            <a:endParaRPr lang="en-GB"/>
+          </a:p>
+        </p:txBody>
+      </p:sp>
+      <p:sp>
+        <p:nvSpPr>
+          <p:cNvPr id="3" name="Segnaposto contenuto 2">
+            <a:extLst>
+              <a:ext uri="{FF2B5EF4-FFF2-40B4-BE49-F238E27FC236}">
+                <a16:creationId xmlns:a16="http://schemas.microsoft.com/office/drawing/2014/main" id="{6BB13B5B-D1AD-6098-1A09-A48A8734B84C}"/>
+              </a:ext>
+            </a:extLst>
+          </p:cNvPr>
+          <p:cNvSpPr>
+            <a:spLocks noGrp="1"/>
+          </p:cNvSpPr>
+          <p:nvPr>
+            <p:ph idx="1"/>
+          </p:nvPr>
+        </p:nvSpPr>
+        <p:spPr/>
+        <p:txBody>
+          <a:bodyPr/>
+          <a:lstStyle/>
+          <a:p>
+            <a:endParaRPr lang="en-GB"/>
+          </a:p>
+        </p:txBody>
+      </p:sp>
+    </p:spTree>
+    <p:extLst>
+      <p:ext uri="{BB962C8B-B14F-4D97-AF65-F5344CB8AC3E}">
+        <p14:creationId xmlns:p14="http://schemas.microsoft.com/office/powerpoint/2010/main" val="1154944090"/>
       </p:ext>
     </p:extLst>
   </p:cSld>

--- a/documents/Presentation/MealMate.pptx
+++ b/documents/Presentation/MealMate.pptx
@@ -5,16 +5,17 @@
     <p:sldMasterId id="2147483672" r:id="rId1"/>
   </p:sldMasterIdLst>
   <p:notesMasterIdLst>
-    <p:notesMasterId r:id="rId9"/>
+    <p:notesMasterId r:id="rId10"/>
   </p:notesMasterIdLst>
   <p:sldIdLst>
     <p:sldId id="256" r:id="rId2"/>
     <p:sldId id="262" r:id="rId3"/>
-    <p:sldId id="257" r:id="rId4"/>
-    <p:sldId id="260" r:id="rId5"/>
-    <p:sldId id="258" r:id="rId6"/>
-    <p:sldId id="261" r:id="rId7"/>
-    <p:sldId id="259" r:id="rId8"/>
+    <p:sldId id="263" r:id="rId4"/>
+    <p:sldId id="257" r:id="rId5"/>
+    <p:sldId id="260" r:id="rId6"/>
+    <p:sldId id="258" r:id="rId7"/>
+    <p:sldId id="261" r:id="rId8"/>
+    <p:sldId id="259" r:id="rId9"/>
   </p:sldIdLst>
   <p:sldSz cx="12192000" cy="6858000"/>
   <p:notesSz cx="6858000" cy="9144000"/>
@@ -203,7 +204,7 @@
           <a:p>
             <a:fld id="{FFA9FFD4-4F0D-4F2D-9071-A26729C5BABF}" type="datetimeFigureOut">
               <a:rPr lang="en-US" smtClean="0"/>
-              <a:t>1/22/2023</a:t>
+              <a:t>1/23/2023</a:t>
             </a:fld>
             <a:endParaRPr lang="en-US"/>
           </a:p>
@@ -523,27 +524,7 @@
                 <a:effectLst/>
                 <a:latin typeface="gg sans"/>
               </a:rPr>
-              <a:t>Quante volte vi è capitato di andare a fare la spesa e dimenticarvi di comprare qualcosa o di non sapere cosa prendere? Ecco, questo da oggi in poi sarà solo un brutto ricordo, perché con </a:t>
-            </a:r>
-            <a:r>
-              <a:rPr lang="it-IT" b="0" i="0" dirty="0" err="1">
-                <a:solidFill>
-                  <a:srgbClr val="DCDDDE"/>
-                </a:solidFill>
-                <a:effectLst/>
-                <a:latin typeface="gg sans"/>
-              </a:rPr>
-              <a:t>Meal</a:t>
-            </a:r>
-            <a:r>
-              <a:rPr lang="it-IT" b="0" i="0" dirty="0">
-                <a:solidFill>
-                  <a:srgbClr val="DCDDDE"/>
-                </a:solidFill>
-                <a:effectLst/>
-                <a:latin typeface="gg sans"/>
-              </a:rPr>
-              <a:t> Mate la spesa si scriverà per voi!</a:t>
+              <a:t>Quante volte vi è capitato di andare a fare la spesa e dimenticarvi di comprare qualcosa o di non sapere cosa prendere? Ecco, questo da oggi in poi sarà solo un brutto ricordo, perché con MealMate la spesa si scriverà per voi!</a:t>
             </a:r>
           </a:p>
           <a:p>
@@ -669,16 +650,6 @@
           <a:lstStyle/>
           <a:p>
             <a:r>
-              <a:rPr lang="it-IT" b="0" i="0" dirty="0" err="1">
-                <a:solidFill>
-                  <a:srgbClr val="DCDDDE"/>
-                </a:solidFill>
-                <a:effectLst/>
-                <a:latin typeface="gg sans"/>
-              </a:rPr>
-              <a:t>Meal</a:t>
-            </a:r>
-            <a:r>
               <a:rPr lang="it-IT" b="0" i="0" dirty="0">
                 <a:solidFill>
                   <a:srgbClr val="DCDDDE"/>
@@ -686,47 +657,7 @@
                 <a:effectLst/>
                 <a:latin typeface="gg sans"/>
               </a:rPr>
-              <a:t> Mate </a:t>
-            </a:r>
-            <a:r>
-              <a:rPr lang="it-IT" b="0" i="0" dirty="0" err="1">
-                <a:solidFill>
-                  <a:srgbClr val="DCDDDE"/>
-                </a:solidFill>
-                <a:effectLst/>
-                <a:latin typeface="gg sans"/>
-              </a:rPr>
-              <a:t>e’</a:t>
-            </a:r>
-            <a:r>
-              <a:rPr lang="it-IT" b="0" i="0" dirty="0">
-                <a:solidFill>
-                  <a:srgbClr val="DCDDDE"/>
-                </a:solidFill>
-                <a:effectLst/>
-                <a:latin typeface="gg sans"/>
-              </a:rPr>
-              <a:t> un software </a:t>
-            </a:r>
-            <a:r>
-              <a:rPr lang="it-IT" b="0" i="0" dirty="0" err="1">
-                <a:solidFill>
-                  <a:srgbClr val="DCDDDE"/>
-                </a:solidFill>
-                <a:effectLst/>
-                <a:latin typeface="gg sans"/>
-              </a:rPr>
-              <a:t>multiplatform</a:t>
-            </a:r>
-            <a:r>
-              <a:rPr lang="it-IT" b="0" i="0" dirty="0">
-                <a:solidFill>
-                  <a:srgbClr val="DCDDDE"/>
-                </a:solidFill>
-                <a:effectLst/>
-                <a:latin typeface="gg sans"/>
-              </a:rPr>
-              <a:t> ideato per stilare una lista della spesa in base alle preferenze alimentare del cliente.</a:t>
+              <a:t>MealMate è un software multiplatform ideato per stilare una lista della spesa in base alle preferenze alimentare del cliente.</a:t>
             </a:r>
             <a:endParaRPr lang="en-GB" dirty="0"/>
           </a:p>
@@ -812,6 +743,16 @@
           <a:bodyPr/>
           <a:lstStyle/>
           <a:p>
+            <a:r>
+              <a:rPr lang="it-IT" b="0" i="0" dirty="0">
+                <a:solidFill>
+                  <a:srgbClr val="DCDDDE"/>
+                </a:solidFill>
+                <a:effectLst/>
+                <a:latin typeface="gg sans"/>
+              </a:rPr>
+              <a:t>MealMate è un software multiplatform ideato per stilare una lista della spesa in base alle preferenze alimentare del cliente.</a:t>
+            </a:r>
             <a:endParaRPr lang="en-GB" dirty="0"/>
           </a:p>
         </p:txBody>
@@ -833,7 +774,7 @@
           <a:p>
             <a:fld id="{D8D55580-2FF4-4D84-8958-8097752F81CD}" type="slidenum">
               <a:rPr lang="en-US" smtClean="0"/>
-              <a:t>5</a:t>
+              <a:t>3</a:t>
             </a:fld>
             <a:endParaRPr lang="en-US"/>
           </a:p>
@@ -842,7 +783,7 @@
     </p:spTree>
     <p:extLst>
       <p:ext uri="{BB962C8B-B14F-4D97-AF65-F5344CB8AC3E}">
-        <p14:creationId xmlns:p14="http://schemas.microsoft.com/office/powerpoint/2010/main" val="1225884831"/>
+        <p14:creationId xmlns:p14="http://schemas.microsoft.com/office/powerpoint/2010/main" val="2927236360"/>
       </p:ext>
     </p:extLst>
   </p:cSld>
@@ -918,6 +859,90 @@
             <a:fld id="{D8D55580-2FF4-4D84-8958-8097752F81CD}" type="slidenum">
               <a:rPr lang="en-US" smtClean="0"/>
               <a:t>6</a:t>
+            </a:fld>
+            <a:endParaRPr lang="en-US"/>
+          </a:p>
+        </p:txBody>
+      </p:sp>
+    </p:spTree>
+    <p:extLst>
+      <p:ext uri="{BB962C8B-B14F-4D97-AF65-F5344CB8AC3E}">
+        <p14:creationId xmlns:p14="http://schemas.microsoft.com/office/powerpoint/2010/main" val="1225884831"/>
+      </p:ext>
+    </p:extLst>
+  </p:cSld>
+  <p:clrMapOvr>
+    <a:masterClrMapping/>
+  </p:clrMapOvr>
+</p:notes>
+</file>
+
+<file path=ppt/notesSlides/notesSlide5.xml><?xml version="1.0" encoding="utf-8"?>
+<p:notes xmlns:a="http://schemas.openxmlformats.org/drawingml/2006/main" xmlns:r="http://schemas.openxmlformats.org/officeDocument/2006/relationships" xmlns:p="http://schemas.openxmlformats.org/presentationml/2006/main">
+  <p:cSld>
+    <p:spTree>
+      <p:nvGrpSpPr>
+        <p:cNvPr id="1" name=""/>
+        <p:cNvGrpSpPr/>
+        <p:nvPr/>
+      </p:nvGrpSpPr>
+      <p:grpSpPr>
+        <a:xfrm>
+          <a:off x="0" y="0"/>
+          <a:ext cx="0" cy="0"/>
+          <a:chOff x="0" y="0"/>
+          <a:chExt cx="0" cy="0"/>
+        </a:xfrm>
+      </p:grpSpPr>
+      <p:sp>
+        <p:nvSpPr>
+          <p:cNvPr id="2" name="Segnaposto immagine diapositiva 1"/>
+          <p:cNvSpPr>
+            <a:spLocks noGrp="1" noRot="1" noChangeAspect="1"/>
+          </p:cNvSpPr>
+          <p:nvPr>
+            <p:ph type="sldImg"/>
+          </p:nvPr>
+        </p:nvSpPr>
+        <p:spPr/>
+      </p:sp>
+      <p:sp>
+        <p:nvSpPr>
+          <p:cNvPr id="3" name="Segnaposto note 2"/>
+          <p:cNvSpPr>
+            <a:spLocks noGrp="1"/>
+          </p:cNvSpPr>
+          <p:nvPr>
+            <p:ph type="body" idx="1"/>
+          </p:nvPr>
+        </p:nvSpPr>
+        <p:spPr/>
+        <p:txBody>
+          <a:bodyPr/>
+          <a:lstStyle/>
+          <a:p>
+            <a:endParaRPr lang="en-GB" dirty="0"/>
+          </a:p>
+        </p:txBody>
+      </p:sp>
+      <p:sp>
+        <p:nvSpPr>
+          <p:cNvPr id="4" name="Segnaposto numero diapositiva 3"/>
+          <p:cNvSpPr>
+            <a:spLocks noGrp="1"/>
+          </p:cNvSpPr>
+          <p:nvPr>
+            <p:ph type="sldNum" sz="quarter" idx="5"/>
+          </p:nvPr>
+        </p:nvSpPr>
+        <p:spPr/>
+        <p:txBody>
+          <a:bodyPr/>
+          <a:lstStyle/>
+          <a:p>
+            <a:fld id="{D8D55580-2FF4-4D84-8958-8097752F81CD}" type="slidenum">
+              <a:rPr lang="en-US" smtClean="0"/>
+              <a:t>7</a:t>
             </a:fld>
             <a:endParaRPr lang="en-US"/>
           </a:p>
@@ -1067,7 +1092,7 @@
           <a:p>
             <a:fld id="{11A60EF7-69E8-4C76-95C9-086CD8F4F7C7}" type="datetimeFigureOut">
               <a:rPr lang="en-US" smtClean="0"/>
-              <a:t>1/22/2023</a:t>
+              <a:t>1/23/2023</a:t>
             </a:fld>
             <a:endParaRPr lang="en-US"/>
           </a:p>
@@ -1237,7 +1262,7 @@
           <a:p>
             <a:fld id="{11A60EF7-69E8-4C76-95C9-086CD8F4F7C7}" type="datetimeFigureOut">
               <a:rPr lang="en-US" smtClean="0"/>
-              <a:t>1/22/2023</a:t>
+              <a:t>1/23/2023</a:t>
             </a:fld>
             <a:endParaRPr lang="en-US"/>
           </a:p>
@@ -1417,7 +1442,7 @@
           <a:p>
             <a:fld id="{11A60EF7-69E8-4C76-95C9-086CD8F4F7C7}" type="datetimeFigureOut">
               <a:rPr lang="en-US" smtClean="0"/>
-              <a:t>1/22/2023</a:t>
+              <a:t>1/23/2023</a:t>
             </a:fld>
             <a:endParaRPr lang="en-US"/>
           </a:p>
@@ -1587,7 +1612,7 @@
           <a:p>
             <a:fld id="{11A60EF7-69E8-4C76-95C9-086CD8F4F7C7}" type="datetimeFigureOut">
               <a:rPr lang="en-US" smtClean="0"/>
-              <a:t>1/22/2023</a:t>
+              <a:t>1/23/2023</a:t>
             </a:fld>
             <a:endParaRPr lang="en-US"/>
           </a:p>
@@ -1833,7 +1858,7 @@
           <a:p>
             <a:fld id="{11A60EF7-69E8-4C76-95C9-086CD8F4F7C7}" type="datetimeFigureOut">
               <a:rPr lang="en-US" smtClean="0"/>
-              <a:t>1/22/2023</a:t>
+              <a:t>1/23/2023</a:t>
             </a:fld>
             <a:endParaRPr lang="en-US"/>
           </a:p>
@@ -2065,7 +2090,7 @@
           <a:p>
             <a:fld id="{11A60EF7-69E8-4C76-95C9-086CD8F4F7C7}" type="datetimeFigureOut">
               <a:rPr lang="en-US" smtClean="0"/>
-              <a:t>1/22/2023</a:t>
+              <a:t>1/23/2023</a:t>
             </a:fld>
             <a:endParaRPr lang="en-US"/>
           </a:p>
@@ -2432,7 +2457,7 @@
           <a:p>
             <a:fld id="{11A60EF7-69E8-4C76-95C9-086CD8F4F7C7}" type="datetimeFigureOut">
               <a:rPr lang="en-US" smtClean="0"/>
-              <a:t>1/22/2023</a:t>
+              <a:t>1/23/2023</a:t>
             </a:fld>
             <a:endParaRPr lang="en-US"/>
           </a:p>
@@ -2550,7 +2575,7 @@
           <a:p>
             <a:fld id="{11A60EF7-69E8-4C76-95C9-086CD8F4F7C7}" type="datetimeFigureOut">
               <a:rPr lang="en-US" smtClean="0"/>
-              <a:t>1/22/2023</a:t>
+              <a:t>1/23/2023</a:t>
             </a:fld>
             <a:endParaRPr lang="en-US"/>
           </a:p>
@@ -2645,7 +2670,7 @@
           <a:p>
             <a:fld id="{11A60EF7-69E8-4C76-95C9-086CD8F4F7C7}" type="datetimeFigureOut">
               <a:rPr lang="en-US" smtClean="0"/>
-              <a:t>1/22/2023</a:t>
+              <a:t>1/23/2023</a:t>
             </a:fld>
             <a:endParaRPr lang="en-US"/>
           </a:p>
@@ -2922,7 +2947,7 @@
           <a:p>
             <a:fld id="{11A60EF7-69E8-4C76-95C9-086CD8F4F7C7}" type="datetimeFigureOut">
               <a:rPr lang="en-US" smtClean="0"/>
-              <a:t>1/22/2023</a:t>
+              <a:t>1/23/2023</a:t>
             </a:fld>
             <a:endParaRPr lang="en-US"/>
           </a:p>
@@ -3179,7 +3204,7 @@
           <a:p>
             <a:fld id="{11A60EF7-69E8-4C76-95C9-086CD8F4F7C7}" type="datetimeFigureOut">
               <a:rPr lang="en-US" smtClean="0"/>
-              <a:t>1/22/2023</a:t>
+              <a:t>1/23/2023</a:t>
             </a:fld>
             <a:endParaRPr lang="en-US"/>
           </a:p>
@@ -3392,7 +3417,7 @@
           <a:p>
             <a:fld id="{11A60EF7-69E8-4C76-95C9-086CD8F4F7C7}" type="datetimeFigureOut">
               <a:rPr lang="en-US" smtClean="0"/>
-              <a:t>1/22/2023</a:t>
+              <a:t>1/23/2023</a:t>
             </a:fld>
             <a:endParaRPr lang="en-US"/>
           </a:p>
@@ -3908,62 +3933,6 @@
           </a:p>
         </p:txBody>
       </p:sp>
-      <p:sp>
-        <p:nvSpPr>
-          <p:cNvPr id="6" name="CasellaDiTesto 5">
-            <a:extLst>
-              <a:ext uri="{FF2B5EF4-FFF2-40B4-BE49-F238E27FC236}">
-                <a16:creationId xmlns:a16="http://schemas.microsoft.com/office/drawing/2014/main" id="{7FA4C778-B3A6-6CA6-771B-72A9181248E0}"/>
-              </a:ext>
-            </a:extLst>
-          </p:cNvPr>
-          <p:cNvSpPr txBox="1"/>
-          <p:nvPr/>
-        </p:nvSpPr>
-        <p:spPr>
-          <a:xfrm>
-            <a:off x="6675120" y="6015950"/>
-            <a:ext cx="5283947" cy="646331"/>
-          </a:xfrm>
-          <a:prstGeom prst="rect">
-            <a:avLst/>
-          </a:prstGeom>
-          <a:noFill/>
-        </p:spPr>
-        <p:txBody>
-          <a:bodyPr wrap="square" rtlCol="0">
-            <a:spAutoFit/>
-          </a:bodyPr>
-          <a:lstStyle/>
-          <a:p>
-            <a:pPr algn="r"/>
-            <a:r>
-              <a:rPr lang="en-US" sz="1200" dirty="0">
-                <a:latin typeface="Century Gothic" panose="020B0502020202020204" pitchFamily="34" charset="0"/>
-              </a:rPr>
-              <a:t>Project Manager: D’Ambrosi Daniele</a:t>
-            </a:r>
-          </a:p>
-          <a:p>
-            <a:pPr algn="r"/>
-            <a:r>
-              <a:rPr lang="en-US" sz="1200" dirty="0">
-                <a:latin typeface="Century Gothic" panose="020B0502020202020204" pitchFamily="34" charset="0"/>
-              </a:rPr>
-              <a:t>Vice Capo-Progetto: Concil Tania</a:t>
-            </a:r>
-          </a:p>
-          <a:p>
-            <a:pPr algn="r"/>
-            <a:r>
-              <a:rPr lang="en-US" sz="1200" dirty="0">
-                <a:latin typeface="Century Gothic" panose="020B0502020202020204" pitchFamily="34" charset="0"/>
-              </a:rPr>
-              <a:t>Altri membri del team: Bianchi Matteo, Guerra Andrea</a:t>
-            </a:r>
-          </a:p>
-        </p:txBody>
-      </p:sp>
       <p:pic>
         <p:nvPicPr>
           <p:cNvPr id="8" name="Immagine 7">
@@ -4049,6 +4018,95 @@
           </a:p>
         </p:txBody>
       </p:sp>
+      <p:sp>
+        <p:nvSpPr>
+          <p:cNvPr id="4" name="CasellaDiTesto 3">
+            <a:extLst>
+              <a:ext uri="{FF2B5EF4-FFF2-40B4-BE49-F238E27FC236}">
+                <a16:creationId xmlns:a16="http://schemas.microsoft.com/office/drawing/2014/main" id="{F5BBB5A2-3ADD-7DF3-73BB-1C7FE5054483}"/>
+              </a:ext>
+            </a:extLst>
+          </p:cNvPr>
+          <p:cNvSpPr txBox="1"/>
+          <p:nvPr/>
+        </p:nvSpPr>
+        <p:spPr>
+          <a:xfrm>
+            <a:off x="5621947" y="5974568"/>
+            <a:ext cx="6388287" cy="1015663"/>
+          </a:xfrm>
+          <a:prstGeom prst="rect">
+            <a:avLst/>
+          </a:prstGeom>
+          <a:noFill/>
+        </p:spPr>
+        <p:txBody>
+          <a:bodyPr wrap="none" rtlCol="0">
+            <a:spAutoFit/>
+          </a:bodyPr>
+          <a:lstStyle/>
+          <a:p>
+            <a:pPr algn="r"/>
+            <a:r>
+              <a:rPr lang="en-US" sz="1400" dirty="0">
+                <a:latin typeface="Century Gothic" panose="020B0502020202020204" pitchFamily="34" charset="0"/>
+              </a:rPr>
+              <a:t>Project Manager: </a:t>
+            </a:r>
+            <a:r>
+              <a:rPr lang="en-US" sz="1400" dirty="0" err="1">
+                <a:latin typeface="Century Gothic" panose="020B0502020202020204" pitchFamily="34" charset="0"/>
+              </a:rPr>
+              <a:t>D’Ambrosi</a:t>
+            </a:r>
+            <a:r>
+              <a:rPr lang="en-US" sz="1400" dirty="0">
+                <a:latin typeface="Century Gothic" panose="020B0502020202020204" pitchFamily="34" charset="0"/>
+              </a:rPr>
+              <a:t> Daniele</a:t>
+            </a:r>
+          </a:p>
+          <a:p>
+            <a:pPr algn="r"/>
+            <a:r>
+              <a:rPr lang="en-US" sz="1400" dirty="0">
+                <a:latin typeface="Century Gothic" panose="020B0502020202020204" pitchFamily="34" charset="0"/>
+              </a:rPr>
+              <a:t>Vice Capo-Progetto: Concil Tania</a:t>
+            </a:r>
+          </a:p>
+          <a:p>
+            <a:pPr algn="r"/>
+            <a:r>
+              <a:rPr lang="en-US" sz="1400" dirty="0" err="1">
+                <a:latin typeface="Century Gothic" panose="020B0502020202020204" pitchFamily="34" charset="0"/>
+              </a:rPr>
+              <a:t>Altri</a:t>
+            </a:r>
+            <a:r>
+              <a:rPr lang="en-US" sz="1400" dirty="0">
+                <a:latin typeface="Century Gothic" panose="020B0502020202020204" pitchFamily="34" charset="0"/>
+              </a:rPr>
+              <a:t> </a:t>
+            </a:r>
+            <a:r>
+              <a:rPr lang="en-US" sz="1400" dirty="0" err="1">
+                <a:latin typeface="Century Gothic" panose="020B0502020202020204" pitchFamily="34" charset="0"/>
+              </a:rPr>
+              <a:t>membri</a:t>
+            </a:r>
+            <a:r>
+              <a:rPr lang="en-US" sz="1400" dirty="0">
+                <a:latin typeface="Century Gothic" panose="020B0502020202020204" pitchFamily="34" charset="0"/>
+              </a:rPr>
+              <a:t> del team: Bianchi Matteo, Guerra Andrea</a:t>
+            </a:r>
+          </a:p>
+          <a:p>
+            <a:endParaRPr lang="en-GB" dirty="0"/>
+          </a:p>
+        </p:txBody>
+      </p:sp>
     </p:spTree>
     <p:extLst>
       <p:ext uri="{BB962C8B-B14F-4D97-AF65-F5344CB8AC3E}">
@@ -4067,15 +4125,9 @@
   <p:cSld>
     <p:bg>
       <p:bgPr>
-        <a:blipFill dpi="0" rotWithShape="1">
-          <a:blip r:embed="rId3">
-            <a:lum/>
-          </a:blip>
-          <a:srcRect/>
-          <a:stretch>
-            <a:fillRect/>
-          </a:stretch>
-        </a:blipFill>
+        <a:solidFill>
+          <a:schemeClr val="bg1"/>
+        </a:solidFill>
         <a:effectLst/>
       </p:bgPr>
     </p:bg>
@@ -4095,35 +4147,709 @@
       </p:grpSpPr>
       <p:sp>
         <p:nvSpPr>
-          <p:cNvPr id="2" name="Titolo 1">
+          <p:cNvPr id="4" name="Nastro perforato 8">
             <a:extLst>
               <a:ext uri="{FF2B5EF4-FFF2-40B4-BE49-F238E27FC236}">
-                <a16:creationId xmlns:a16="http://schemas.microsoft.com/office/drawing/2014/main" id="{5B25E957-4E25-48E8-32E2-7229300A3F97}"/>
+                <a16:creationId xmlns:a16="http://schemas.microsoft.com/office/drawing/2014/main" id="{C6CC7FDD-B440-D3CE-0212-88118C7445B9}"/>
               </a:ext>
             </a:extLst>
           </p:cNvPr>
-          <p:cNvSpPr>
-            <a:spLocks noGrp="1"/>
-          </p:cNvSpPr>
-          <p:nvPr>
-            <p:ph type="title"/>
-          </p:nvPr>
-        </p:nvSpPr>
-        <p:spPr/>
-        <p:txBody>
-          <a:bodyPr/>
-          <a:lstStyle/>
-          <a:p>
+          <p:cNvSpPr/>
+          <p:nvPr/>
+        </p:nvSpPr>
+        <p:spPr>
+          <a:xfrm rot="16200000">
+            <a:off x="4675127" y="-6577938"/>
+            <a:ext cx="8359142" cy="19426738"/>
+          </a:xfrm>
+          <a:custGeom>
+            <a:avLst/>
+            <a:gdLst>
+              <a:gd name="connsiteX0" fmla="*/ 0 w 10000"/>
+              <a:gd name="connsiteY0" fmla="*/ 1000 h 10000"/>
+              <a:gd name="connsiteX1" fmla="*/ 2500 w 10000"/>
+              <a:gd name="connsiteY1" fmla="*/ 2000 h 10000"/>
+              <a:gd name="connsiteX2" fmla="*/ 5000 w 10000"/>
+              <a:gd name="connsiteY2" fmla="*/ 1000 h 10000"/>
+              <a:gd name="connsiteX3" fmla="*/ 7500 w 10000"/>
+              <a:gd name="connsiteY3" fmla="*/ 0 h 10000"/>
+              <a:gd name="connsiteX4" fmla="*/ 10000 w 10000"/>
+              <a:gd name="connsiteY4" fmla="*/ 1000 h 10000"/>
+              <a:gd name="connsiteX5" fmla="*/ 10000 w 10000"/>
+              <a:gd name="connsiteY5" fmla="*/ 9000 h 10000"/>
+              <a:gd name="connsiteX6" fmla="*/ 7500 w 10000"/>
+              <a:gd name="connsiteY6" fmla="*/ 8000 h 10000"/>
+              <a:gd name="connsiteX7" fmla="*/ 5000 w 10000"/>
+              <a:gd name="connsiteY7" fmla="*/ 9000 h 10000"/>
+              <a:gd name="connsiteX8" fmla="*/ 2500 w 10000"/>
+              <a:gd name="connsiteY8" fmla="*/ 10000 h 10000"/>
+              <a:gd name="connsiteX9" fmla="*/ 0 w 10000"/>
+              <a:gd name="connsiteY9" fmla="*/ 9000 h 10000"/>
+              <a:gd name="connsiteX10" fmla="*/ 0 w 10000"/>
+              <a:gd name="connsiteY10" fmla="*/ 1000 h 10000"/>
+              <a:gd name="connsiteX0" fmla="*/ 0 w 10000"/>
+              <a:gd name="connsiteY0" fmla="*/ 1899 h 10899"/>
+              <a:gd name="connsiteX1" fmla="*/ 2500 w 10000"/>
+              <a:gd name="connsiteY1" fmla="*/ 2899 h 10899"/>
+              <a:gd name="connsiteX2" fmla="*/ 4471 w 10000"/>
+              <a:gd name="connsiteY2" fmla="*/ 163 h 10899"/>
+              <a:gd name="connsiteX3" fmla="*/ 7500 w 10000"/>
+              <a:gd name="connsiteY3" fmla="*/ 899 h 10899"/>
+              <a:gd name="connsiteX4" fmla="*/ 10000 w 10000"/>
+              <a:gd name="connsiteY4" fmla="*/ 1899 h 10899"/>
+              <a:gd name="connsiteX5" fmla="*/ 10000 w 10000"/>
+              <a:gd name="connsiteY5" fmla="*/ 9899 h 10899"/>
+              <a:gd name="connsiteX6" fmla="*/ 7500 w 10000"/>
+              <a:gd name="connsiteY6" fmla="*/ 8899 h 10899"/>
+              <a:gd name="connsiteX7" fmla="*/ 5000 w 10000"/>
+              <a:gd name="connsiteY7" fmla="*/ 9899 h 10899"/>
+              <a:gd name="connsiteX8" fmla="*/ 2500 w 10000"/>
+              <a:gd name="connsiteY8" fmla="*/ 10899 h 10899"/>
+              <a:gd name="connsiteX9" fmla="*/ 0 w 10000"/>
+              <a:gd name="connsiteY9" fmla="*/ 9899 h 10899"/>
+              <a:gd name="connsiteX10" fmla="*/ 0 w 10000"/>
+              <a:gd name="connsiteY10" fmla="*/ 1899 h 10899"/>
+              <a:gd name="connsiteX0" fmla="*/ 0 w 10145"/>
+              <a:gd name="connsiteY0" fmla="*/ 5558 h 14558"/>
+              <a:gd name="connsiteX1" fmla="*/ 2500 w 10145"/>
+              <a:gd name="connsiteY1" fmla="*/ 6558 h 14558"/>
+              <a:gd name="connsiteX2" fmla="*/ 4471 w 10145"/>
+              <a:gd name="connsiteY2" fmla="*/ 3822 h 14558"/>
+              <a:gd name="connsiteX3" fmla="*/ 9597 w 10145"/>
+              <a:gd name="connsiteY3" fmla="*/ 19 h 14558"/>
+              <a:gd name="connsiteX4" fmla="*/ 10000 w 10145"/>
+              <a:gd name="connsiteY4" fmla="*/ 5558 h 14558"/>
+              <a:gd name="connsiteX5" fmla="*/ 10000 w 10145"/>
+              <a:gd name="connsiteY5" fmla="*/ 13558 h 14558"/>
+              <a:gd name="connsiteX6" fmla="*/ 7500 w 10145"/>
+              <a:gd name="connsiteY6" fmla="*/ 12558 h 14558"/>
+              <a:gd name="connsiteX7" fmla="*/ 5000 w 10145"/>
+              <a:gd name="connsiteY7" fmla="*/ 13558 h 14558"/>
+              <a:gd name="connsiteX8" fmla="*/ 2500 w 10145"/>
+              <a:gd name="connsiteY8" fmla="*/ 14558 h 14558"/>
+              <a:gd name="connsiteX9" fmla="*/ 0 w 10145"/>
+              <a:gd name="connsiteY9" fmla="*/ 13558 h 14558"/>
+              <a:gd name="connsiteX10" fmla="*/ 0 w 10145"/>
+              <a:gd name="connsiteY10" fmla="*/ 5558 h 14558"/>
+              <a:gd name="connsiteX0" fmla="*/ 0 w 11987"/>
+              <a:gd name="connsiteY0" fmla="*/ 5558 h 14558"/>
+              <a:gd name="connsiteX1" fmla="*/ 2500 w 11987"/>
+              <a:gd name="connsiteY1" fmla="*/ 6558 h 14558"/>
+              <a:gd name="connsiteX2" fmla="*/ 4471 w 11987"/>
+              <a:gd name="connsiteY2" fmla="*/ 3822 h 14558"/>
+              <a:gd name="connsiteX3" fmla="*/ 9597 w 11987"/>
+              <a:gd name="connsiteY3" fmla="*/ 19 h 14558"/>
+              <a:gd name="connsiteX4" fmla="*/ 11987 w 11987"/>
+              <a:gd name="connsiteY4" fmla="*/ 5558 h 14558"/>
+              <a:gd name="connsiteX5" fmla="*/ 10000 w 11987"/>
+              <a:gd name="connsiteY5" fmla="*/ 13558 h 14558"/>
+              <a:gd name="connsiteX6" fmla="*/ 7500 w 11987"/>
+              <a:gd name="connsiteY6" fmla="*/ 12558 h 14558"/>
+              <a:gd name="connsiteX7" fmla="*/ 5000 w 11987"/>
+              <a:gd name="connsiteY7" fmla="*/ 13558 h 14558"/>
+              <a:gd name="connsiteX8" fmla="*/ 2500 w 11987"/>
+              <a:gd name="connsiteY8" fmla="*/ 14558 h 14558"/>
+              <a:gd name="connsiteX9" fmla="*/ 0 w 11987"/>
+              <a:gd name="connsiteY9" fmla="*/ 13558 h 14558"/>
+              <a:gd name="connsiteX10" fmla="*/ 0 w 11987"/>
+              <a:gd name="connsiteY10" fmla="*/ 5558 h 14558"/>
+              <a:gd name="connsiteX0" fmla="*/ 0 w 11987"/>
+              <a:gd name="connsiteY0" fmla="*/ 5554 h 14554"/>
+              <a:gd name="connsiteX1" fmla="*/ 2500 w 11987"/>
+              <a:gd name="connsiteY1" fmla="*/ 6554 h 14554"/>
+              <a:gd name="connsiteX2" fmla="*/ 4562 w 11987"/>
+              <a:gd name="connsiteY2" fmla="*/ 4017 h 14554"/>
+              <a:gd name="connsiteX3" fmla="*/ 9597 w 11987"/>
+              <a:gd name="connsiteY3" fmla="*/ 15 h 14554"/>
+              <a:gd name="connsiteX4" fmla="*/ 11987 w 11987"/>
+              <a:gd name="connsiteY4" fmla="*/ 5554 h 14554"/>
+              <a:gd name="connsiteX5" fmla="*/ 10000 w 11987"/>
+              <a:gd name="connsiteY5" fmla="*/ 13554 h 14554"/>
+              <a:gd name="connsiteX6" fmla="*/ 7500 w 11987"/>
+              <a:gd name="connsiteY6" fmla="*/ 12554 h 14554"/>
+              <a:gd name="connsiteX7" fmla="*/ 5000 w 11987"/>
+              <a:gd name="connsiteY7" fmla="*/ 13554 h 14554"/>
+              <a:gd name="connsiteX8" fmla="*/ 2500 w 11987"/>
+              <a:gd name="connsiteY8" fmla="*/ 14554 h 14554"/>
+              <a:gd name="connsiteX9" fmla="*/ 0 w 11987"/>
+              <a:gd name="connsiteY9" fmla="*/ 13554 h 14554"/>
+              <a:gd name="connsiteX10" fmla="*/ 0 w 11987"/>
+              <a:gd name="connsiteY10" fmla="*/ 5554 h 14554"/>
+              <a:gd name="connsiteX0" fmla="*/ 0 w 11987"/>
+              <a:gd name="connsiteY0" fmla="*/ 5553 h 14553"/>
+              <a:gd name="connsiteX1" fmla="*/ 2208 w 11987"/>
+              <a:gd name="connsiteY1" fmla="*/ 5432 h 14553"/>
+              <a:gd name="connsiteX2" fmla="*/ 4562 w 11987"/>
+              <a:gd name="connsiteY2" fmla="*/ 4016 h 14553"/>
+              <a:gd name="connsiteX3" fmla="*/ 9597 w 11987"/>
+              <a:gd name="connsiteY3" fmla="*/ 14 h 14553"/>
+              <a:gd name="connsiteX4" fmla="*/ 11987 w 11987"/>
+              <a:gd name="connsiteY4" fmla="*/ 5553 h 14553"/>
+              <a:gd name="connsiteX5" fmla="*/ 10000 w 11987"/>
+              <a:gd name="connsiteY5" fmla="*/ 13553 h 14553"/>
+              <a:gd name="connsiteX6" fmla="*/ 7500 w 11987"/>
+              <a:gd name="connsiteY6" fmla="*/ 12553 h 14553"/>
+              <a:gd name="connsiteX7" fmla="*/ 5000 w 11987"/>
+              <a:gd name="connsiteY7" fmla="*/ 13553 h 14553"/>
+              <a:gd name="connsiteX8" fmla="*/ 2500 w 11987"/>
+              <a:gd name="connsiteY8" fmla="*/ 14553 h 14553"/>
+              <a:gd name="connsiteX9" fmla="*/ 0 w 11987"/>
+              <a:gd name="connsiteY9" fmla="*/ 13553 h 14553"/>
+              <a:gd name="connsiteX10" fmla="*/ 0 w 11987"/>
+              <a:gd name="connsiteY10" fmla="*/ 5553 h 14553"/>
+              <a:gd name="connsiteX0" fmla="*/ 182 w 11987"/>
+              <a:gd name="connsiteY0" fmla="*/ 634 h 14553"/>
+              <a:gd name="connsiteX1" fmla="*/ 2208 w 11987"/>
+              <a:gd name="connsiteY1" fmla="*/ 5432 h 14553"/>
+              <a:gd name="connsiteX2" fmla="*/ 4562 w 11987"/>
+              <a:gd name="connsiteY2" fmla="*/ 4016 h 14553"/>
+              <a:gd name="connsiteX3" fmla="*/ 9597 w 11987"/>
+              <a:gd name="connsiteY3" fmla="*/ 14 h 14553"/>
+              <a:gd name="connsiteX4" fmla="*/ 11987 w 11987"/>
+              <a:gd name="connsiteY4" fmla="*/ 5553 h 14553"/>
+              <a:gd name="connsiteX5" fmla="*/ 10000 w 11987"/>
+              <a:gd name="connsiteY5" fmla="*/ 13553 h 14553"/>
+              <a:gd name="connsiteX6" fmla="*/ 7500 w 11987"/>
+              <a:gd name="connsiteY6" fmla="*/ 12553 h 14553"/>
+              <a:gd name="connsiteX7" fmla="*/ 5000 w 11987"/>
+              <a:gd name="connsiteY7" fmla="*/ 13553 h 14553"/>
+              <a:gd name="connsiteX8" fmla="*/ 2500 w 11987"/>
+              <a:gd name="connsiteY8" fmla="*/ 14553 h 14553"/>
+              <a:gd name="connsiteX9" fmla="*/ 0 w 11987"/>
+              <a:gd name="connsiteY9" fmla="*/ 13553 h 14553"/>
+              <a:gd name="connsiteX10" fmla="*/ 182 w 11987"/>
+              <a:gd name="connsiteY10" fmla="*/ 634 h 14553"/>
+              <a:gd name="connsiteX0" fmla="*/ 182 w 11987"/>
+              <a:gd name="connsiteY0" fmla="*/ 633 h 14552"/>
+              <a:gd name="connsiteX1" fmla="*/ 2354 w 11987"/>
+              <a:gd name="connsiteY1" fmla="*/ 2990 h 14552"/>
+              <a:gd name="connsiteX2" fmla="*/ 4562 w 11987"/>
+              <a:gd name="connsiteY2" fmla="*/ 4015 h 14552"/>
+              <a:gd name="connsiteX3" fmla="*/ 9597 w 11987"/>
+              <a:gd name="connsiteY3" fmla="*/ 13 h 14552"/>
+              <a:gd name="connsiteX4" fmla="*/ 11987 w 11987"/>
+              <a:gd name="connsiteY4" fmla="*/ 5552 h 14552"/>
+              <a:gd name="connsiteX5" fmla="*/ 10000 w 11987"/>
+              <a:gd name="connsiteY5" fmla="*/ 13552 h 14552"/>
+              <a:gd name="connsiteX6" fmla="*/ 7500 w 11987"/>
+              <a:gd name="connsiteY6" fmla="*/ 12552 h 14552"/>
+              <a:gd name="connsiteX7" fmla="*/ 5000 w 11987"/>
+              <a:gd name="connsiteY7" fmla="*/ 13552 h 14552"/>
+              <a:gd name="connsiteX8" fmla="*/ 2500 w 11987"/>
+              <a:gd name="connsiteY8" fmla="*/ 14552 h 14552"/>
+              <a:gd name="connsiteX9" fmla="*/ 0 w 11987"/>
+              <a:gd name="connsiteY9" fmla="*/ 13552 h 14552"/>
+              <a:gd name="connsiteX10" fmla="*/ 182 w 11987"/>
+              <a:gd name="connsiteY10" fmla="*/ 633 h 14552"/>
+              <a:gd name="connsiteX0" fmla="*/ 182 w 11987"/>
+              <a:gd name="connsiteY0" fmla="*/ 696 h 14615"/>
+              <a:gd name="connsiteX1" fmla="*/ 2354 w 11987"/>
+              <a:gd name="connsiteY1" fmla="*/ 3053 h 14615"/>
+              <a:gd name="connsiteX2" fmla="*/ 5328 w 11987"/>
+              <a:gd name="connsiteY2" fmla="*/ 2432 h 14615"/>
+              <a:gd name="connsiteX3" fmla="*/ 9597 w 11987"/>
+              <a:gd name="connsiteY3" fmla="*/ 76 h 14615"/>
+              <a:gd name="connsiteX4" fmla="*/ 11987 w 11987"/>
+              <a:gd name="connsiteY4" fmla="*/ 5615 h 14615"/>
+              <a:gd name="connsiteX5" fmla="*/ 10000 w 11987"/>
+              <a:gd name="connsiteY5" fmla="*/ 13615 h 14615"/>
+              <a:gd name="connsiteX6" fmla="*/ 7500 w 11987"/>
+              <a:gd name="connsiteY6" fmla="*/ 12615 h 14615"/>
+              <a:gd name="connsiteX7" fmla="*/ 5000 w 11987"/>
+              <a:gd name="connsiteY7" fmla="*/ 13615 h 14615"/>
+              <a:gd name="connsiteX8" fmla="*/ 2500 w 11987"/>
+              <a:gd name="connsiteY8" fmla="*/ 14615 h 14615"/>
+              <a:gd name="connsiteX9" fmla="*/ 0 w 11987"/>
+              <a:gd name="connsiteY9" fmla="*/ 13615 h 14615"/>
+              <a:gd name="connsiteX10" fmla="*/ 182 w 11987"/>
+              <a:gd name="connsiteY10" fmla="*/ 696 h 14615"/>
+              <a:gd name="connsiteX0" fmla="*/ 182 w 11987"/>
+              <a:gd name="connsiteY0" fmla="*/ 693 h 14612"/>
+              <a:gd name="connsiteX1" fmla="*/ 2281 w 11987"/>
+              <a:gd name="connsiteY1" fmla="*/ 2164 h 14612"/>
+              <a:gd name="connsiteX2" fmla="*/ 5328 w 11987"/>
+              <a:gd name="connsiteY2" fmla="*/ 2429 h 14612"/>
+              <a:gd name="connsiteX3" fmla="*/ 9597 w 11987"/>
+              <a:gd name="connsiteY3" fmla="*/ 73 h 14612"/>
+              <a:gd name="connsiteX4" fmla="*/ 11987 w 11987"/>
+              <a:gd name="connsiteY4" fmla="*/ 5612 h 14612"/>
+              <a:gd name="connsiteX5" fmla="*/ 10000 w 11987"/>
+              <a:gd name="connsiteY5" fmla="*/ 13612 h 14612"/>
+              <a:gd name="connsiteX6" fmla="*/ 7500 w 11987"/>
+              <a:gd name="connsiteY6" fmla="*/ 12612 h 14612"/>
+              <a:gd name="connsiteX7" fmla="*/ 5000 w 11987"/>
+              <a:gd name="connsiteY7" fmla="*/ 13612 h 14612"/>
+              <a:gd name="connsiteX8" fmla="*/ 2500 w 11987"/>
+              <a:gd name="connsiteY8" fmla="*/ 14612 h 14612"/>
+              <a:gd name="connsiteX9" fmla="*/ 0 w 11987"/>
+              <a:gd name="connsiteY9" fmla="*/ 13612 h 14612"/>
+              <a:gd name="connsiteX10" fmla="*/ 182 w 11987"/>
+              <a:gd name="connsiteY10" fmla="*/ 693 h 14612"/>
+              <a:gd name="connsiteX0" fmla="*/ 182 w 11987"/>
+              <a:gd name="connsiteY0" fmla="*/ 2834 h 16753"/>
+              <a:gd name="connsiteX1" fmla="*/ 2281 w 11987"/>
+              <a:gd name="connsiteY1" fmla="*/ 4305 h 16753"/>
+              <a:gd name="connsiteX2" fmla="*/ 5328 w 11987"/>
+              <a:gd name="connsiteY2" fmla="*/ 4570 h 16753"/>
+              <a:gd name="connsiteX3" fmla="*/ 9852 w 11987"/>
+              <a:gd name="connsiteY3" fmla="*/ 44 h 16753"/>
+              <a:gd name="connsiteX4" fmla="*/ 11987 w 11987"/>
+              <a:gd name="connsiteY4" fmla="*/ 7753 h 16753"/>
+              <a:gd name="connsiteX5" fmla="*/ 10000 w 11987"/>
+              <a:gd name="connsiteY5" fmla="*/ 15753 h 16753"/>
+              <a:gd name="connsiteX6" fmla="*/ 7500 w 11987"/>
+              <a:gd name="connsiteY6" fmla="*/ 14753 h 16753"/>
+              <a:gd name="connsiteX7" fmla="*/ 5000 w 11987"/>
+              <a:gd name="connsiteY7" fmla="*/ 15753 h 16753"/>
+              <a:gd name="connsiteX8" fmla="*/ 2500 w 11987"/>
+              <a:gd name="connsiteY8" fmla="*/ 16753 h 16753"/>
+              <a:gd name="connsiteX9" fmla="*/ 0 w 11987"/>
+              <a:gd name="connsiteY9" fmla="*/ 15753 h 16753"/>
+              <a:gd name="connsiteX10" fmla="*/ 182 w 11987"/>
+              <a:gd name="connsiteY10" fmla="*/ 2834 h 16753"/>
+              <a:gd name="connsiteX0" fmla="*/ 182 w 11987"/>
+              <a:gd name="connsiteY0" fmla="*/ 2890 h 16809"/>
+              <a:gd name="connsiteX1" fmla="*/ 2281 w 11987"/>
+              <a:gd name="connsiteY1" fmla="*/ 4361 h 16809"/>
+              <a:gd name="connsiteX2" fmla="*/ 5328 w 11987"/>
+              <a:gd name="connsiteY2" fmla="*/ 3469 h 16809"/>
+              <a:gd name="connsiteX3" fmla="*/ 9852 w 11987"/>
+              <a:gd name="connsiteY3" fmla="*/ 100 h 16809"/>
+              <a:gd name="connsiteX4" fmla="*/ 11987 w 11987"/>
+              <a:gd name="connsiteY4" fmla="*/ 7809 h 16809"/>
+              <a:gd name="connsiteX5" fmla="*/ 10000 w 11987"/>
+              <a:gd name="connsiteY5" fmla="*/ 15809 h 16809"/>
+              <a:gd name="connsiteX6" fmla="*/ 7500 w 11987"/>
+              <a:gd name="connsiteY6" fmla="*/ 14809 h 16809"/>
+              <a:gd name="connsiteX7" fmla="*/ 5000 w 11987"/>
+              <a:gd name="connsiteY7" fmla="*/ 15809 h 16809"/>
+              <a:gd name="connsiteX8" fmla="*/ 2500 w 11987"/>
+              <a:gd name="connsiteY8" fmla="*/ 16809 h 16809"/>
+              <a:gd name="connsiteX9" fmla="*/ 0 w 11987"/>
+              <a:gd name="connsiteY9" fmla="*/ 15809 h 16809"/>
+              <a:gd name="connsiteX10" fmla="*/ 182 w 11987"/>
+              <a:gd name="connsiteY10" fmla="*/ 2890 h 16809"/>
+              <a:gd name="connsiteX0" fmla="*/ 182 w 11987"/>
+              <a:gd name="connsiteY0" fmla="*/ 2896 h 16815"/>
+              <a:gd name="connsiteX1" fmla="*/ 2281 w 11987"/>
+              <a:gd name="connsiteY1" fmla="*/ 4367 h 16815"/>
+              <a:gd name="connsiteX2" fmla="*/ 5255 w 11987"/>
+              <a:gd name="connsiteY2" fmla="*/ 3385 h 16815"/>
+              <a:gd name="connsiteX3" fmla="*/ 9852 w 11987"/>
+              <a:gd name="connsiteY3" fmla="*/ 106 h 16815"/>
+              <a:gd name="connsiteX4" fmla="*/ 11987 w 11987"/>
+              <a:gd name="connsiteY4" fmla="*/ 7815 h 16815"/>
+              <a:gd name="connsiteX5" fmla="*/ 10000 w 11987"/>
+              <a:gd name="connsiteY5" fmla="*/ 15815 h 16815"/>
+              <a:gd name="connsiteX6" fmla="*/ 7500 w 11987"/>
+              <a:gd name="connsiteY6" fmla="*/ 14815 h 16815"/>
+              <a:gd name="connsiteX7" fmla="*/ 5000 w 11987"/>
+              <a:gd name="connsiteY7" fmla="*/ 15815 h 16815"/>
+              <a:gd name="connsiteX8" fmla="*/ 2500 w 11987"/>
+              <a:gd name="connsiteY8" fmla="*/ 16815 h 16815"/>
+              <a:gd name="connsiteX9" fmla="*/ 0 w 11987"/>
+              <a:gd name="connsiteY9" fmla="*/ 15815 h 16815"/>
+              <a:gd name="connsiteX10" fmla="*/ 182 w 11987"/>
+              <a:gd name="connsiteY10" fmla="*/ 2896 h 16815"/>
+              <a:gd name="connsiteX0" fmla="*/ 182 w 11987"/>
+              <a:gd name="connsiteY0" fmla="*/ 2912 h 16831"/>
+              <a:gd name="connsiteX1" fmla="*/ 2281 w 11987"/>
+              <a:gd name="connsiteY1" fmla="*/ 4383 h 16831"/>
+              <a:gd name="connsiteX2" fmla="*/ 5255 w 11987"/>
+              <a:gd name="connsiteY2" fmla="*/ 3401 h 16831"/>
+              <a:gd name="connsiteX3" fmla="*/ 9852 w 11987"/>
+              <a:gd name="connsiteY3" fmla="*/ 122 h 16831"/>
+              <a:gd name="connsiteX4" fmla="*/ 11987 w 11987"/>
+              <a:gd name="connsiteY4" fmla="*/ 7831 h 16831"/>
+              <a:gd name="connsiteX5" fmla="*/ 10000 w 11987"/>
+              <a:gd name="connsiteY5" fmla="*/ 15831 h 16831"/>
+              <a:gd name="connsiteX6" fmla="*/ 7500 w 11987"/>
+              <a:gd name="connsiteY6" fmla="*/ 14831 h 16831"/>
+              <a:gd name="connsiteX7" fmla="*/ 5000 w 11987"/>
+              <a:gd name="connsiteY7" fmla="*/ 15831 h 16831"/>
+              <a:gd name="connsiteX8" fmla="*/ 2500 w 11987"/>
+              <a:gd name="connsiteY8" fmla="*/ 16831 h 16831"/>
+              <a:gd name="connsiteX9" fmla="*/ 0 w 11987"/>
+              <a:gd name="connsiteY9" fmla="*/ 15831 h 16831"/>
+              <a:gd name="connsiteX10" fmla="*/ 182 w 11987"/>
+              <a:gd name="connsiteY10" fmla="*/ 2912 h 16831"/>
+              <a:gd name="connsiteX0" fmla="*/ 218 w 11987"/>
+              <a:gd name="connsiteY0" fmla="*/ 0 h 21026"/>
+              <a:gd name="connsiteX1" fmla="*/ 2281 w 11987"/>
+              <a:gd name="connsiteY1" fmla="*/ 8578 h 21026"/>
+              <a:gd name="connsiteX2" fmla="*/ 5255 w 11987"/>
+              <a:gd name="connsiteY2" fmla="*/ 7596 h 21026"/>
+              <a:gd name="connsiteX3" fmla="*/ 9852 w 11987"/>
+              <a:gd name="connsiteY3" fmla="*/ 4317 h 21026"/>
+              <a:gd name="connsiteX4" fmla="*/ 11987 w 11987"/>
+              <a:gd name="connsiteY4" fmla="*/ 12026 h 21026"/>
+              <a:gd name="connsiteX5" fmla="*/ 10000 w 11987"/>
+              <a:gd name="connsiteY5" fmla="*/ 20026 h 21026"/>
+              <a:gd name="connsiteX6" fmla="*/ 7500 w 11987"/>
+              <a:gd name="connsiteY6" fmla="*/ 19026 h 21026"/>
+              <a:gd name="connsiteX7" fmla="*/ 5000 w 11987"/>
+              <a:gd name="connsiteY7" fmla="*/ 20026 h 21026"/>
+              <a:gd name="connsiteX8" fmla="*/ 2500 w 11987"/>
+              <a:gd name="connsiteY8" fmla="*/ 21026 h 21026"/>
+              <a:gd name="connsiteX9" fmla="*/ 0 w 11987"/>
+              <a:gd name="connsiteY9" fmla="*/ 20026 h 21026"/>
+              <a:gd name="connsiteX10" fmla="*/ 218 w 11987"/>
+              <a:gd name="connsiteY10" fmla="*/ 0 h 21026"/>
+              <a:gd name="connsiteX0" fmla="*/ 218 w 11987"/>
+              <a:gd name="connsiteY0" fmla="*/ 0 h 21026"/>
+              <a:gd name="connsiteX1" fmla="*/ 1461 w 11987"/>
+              <a:gd name="connsiteY1" fmla="*/ 5703 h 21026"/>
+              <a:gd name="connsiteX2" fmla="*/ 5255 w 11987"/>
+              <a:gd name="connsiteY2" fmla="*/ 7596 h 21026"/>
+              <a:gd name="connsiteX3" fmla="*/ 9852 w 11987"/>
+              <a:gd name="connsiteY3" fmla="*/ 4317 h 21026"/>
+              <a:gd name="connsiteX4" fmla="*/ 11987 w 11987"/>
+              <a:gd name="connsiteY4" fmla="*/ 12026 h 21026"/>
+              <a:gd name="connsiteX5" fmla="*/ 10000 w 11987"/>
+              <a:gd name="connsiteY5" fmla="*/ 20026 h 21026"/>
+              <a:gd name="connsiteX6" fmla="*/ 7500 w 11987"/>
+              <a:gd name="connsiteY6" fmla="*/ 19026 h 21026"/>
+              <a:gd name="connsiteX7" fmla="*/ 5000 w 11987"/>
+              <a:gd name="connsiteY7" fmla="*/ 20026 h 21026"/>
+              <a:gd name="connsiteX8" fmla="*/ 2500 w 11987"/>
+              <a:gd name="connsiteY8" fmla="*/ 21026 h 21026"/>
+              <a:gd name="connsiteX9" fmla="*/ 0 w 11987"/>
+              <a:gd name="connsiteY9" fmla="*/ 20026 h 21026"/>
+              <a:gd name="connsiteX10" fmla="*/ 218 w 11987"/>
+              <a:gd name="connsiteY10" fmla="*/ 0 h 21026"/>
+              <a:gd name="connsiteX0" fmla="*/ 218 w 11987"/>
+              <a:gd name="connsiteY0" fmla="*/ 0 h 21026"/>
+              <a:gd name="connsiteX1" fmla="*/ 1461 w 11987"/>
+              <a:gd name="connsiteY1" fmla="*/ 5703 h 21026"/>
+              <a:gd name="connsiteX2" fmla="*/ 5474 w 11987"/>
+              <a:gd name="connsiteY2" fmla="*/ 6601 h 21026"/>
+              <a:gd name="connsiteX3" fmla="*/ 9852 w 11987"/>
+              <a:gd name="connsiteY3" fmla="*/ 4317 h 21026"/>
+              <a:gd name="connsiteX4" fmla="*/ 11987 w 11987"/>
+              <a:gd name="connsiteY4" fmla="*/ 12026 h 21026"/>
+              <a:gd name="connsiteX5" fmla="*/ 10000 w 11987"/>
+              <a:gd name="connsiteY5" fmla="*/ 20026 h 21026"/>
+              <a:gd name="connsiteX6" fmla="*/ 7500 w 11987"/>
+              <a:gd name="connsiteY6" fmla="*/ 19026 h 21026"/>
+              <a:gd name="connsiteX7" fmla="*/ 5000 w 11987"/>
+              <a:gd name="connsiteY7" fmla="*/ 20026 h 21026"/>
+              <a:gd name="connsiteX8" fmla="*/ 2500 w 11987"/>
+              <a:gd name="connsiteY8" fmla="*/ 21026 h 21026"/>
+              <a:gd name="connsiteX9" fmla="*/ 0 w 11987"/>
+              <a:gd name="connsiteY9" fmla="*/ 20026 h 21026"/>
+              <a:gd name="connsiteX10" fmla="*/ 218 w 11987"/>
+              <a:gd name="connsiteY10" fmla="*/ 0 h 21026"/>
+              <a:gd name="connsiteX0" fmla="*/ 218 w 11987"/>
+              <a:gd name="connsiteY0" fmla="*/ 0 h 21026"/>
+              <a:gd name="connsiteX1" fmla="*/ 1461 w 11987"/>
+              <a:gd name="connsiteY1" fmla="*/ 5703 h 21026"/>
+              <a:gd name="connsiteX2" fmla="*/ 5474 w 11987"/>
+              <a:gd name="connsiteY2" fmla="*/ 6601 h 21026"/>
+              <a:gd name="connsiteX3" fmla="*/ 9688 w 11987"/>
+              <a:gd name="connsiteY3" fmla="*/ 11261 h 21026"/>
+              <a:gd name="connsiteX4" fmla="*/ 11987 w 11987"/>
+              <a:gd name="connsiteY4" fmla="*/ 12026 h 21026"/>
+              <a:gd name="connsiteX5" fmla="*/ 10000 w 11987"/>
+              <a:gd name="connsiteY5" fmla="*/ 20026 h 21026"/>
+              <a:gd name="connsiteX6" fmla="*/ 7500 w 11987"/>
+              <a:gd name="connsiteY6" fmla="*/ 19026 h 21026"/>
+              <a:gd name="connsiteX7" fmla="*/ 5000 w 11987"/>
+              <a:gd name="connsiteY7" fmla="*/ 20026 h 21026"/>
+              <a:gd name="connsiteX8" fmla="*/ 2500 w 11987"/>
+              <a:gd name="connsiteY8" fmla="*/ 21026 h 21026"/>
+              <a:gd name="connsiteX9" fmla="*/ 0 w 11987"/>
+              <a:gd name="connsiteY9" fmla="*/ 20026 h 21026"/>
+              <a:gd name="connsiteX10" fmla="*/ 218 w 11987"/>
+              <a:gd name="connsiteY10" fmla="*/ 0 h 21026"/>
+              <a:gd name="connsiteX0" fmla="*/ 218 w 11987"/>
+              <a:gd name="connsiteY0" fmla="*/ 0 h 21026"/>
+              <a:gd name="connsiteX1" fmla="*/ 1461 w 11987"/>
+              <a:gd name="connsiteY1" fmla="*/ 5703 h 21026"/>
+              <a:gd name="connsiteX2" fmla="*/ 5328 w 11987"/>
+              <a:gd name="connsiteY2" fmla="*/ 7415 h 21026"/>
+              <a:gd name="connsiteX3" fmla="*/ 9688 w 11987"/>
+              <a:gd name="connsiteY3" fmla="*/ 11261 h 21026"/>
+              <a:gd name="connsiteX4" fmla="*/ 11987 w 11987"/>
+              <a:gd name="connsiteY4" fmla="*/ 12026 h 21026"/>
+              <a:gd name="connsiteX5" fmla="*/ 10000 w 11987"/>
+              <a:gd name="connsiteY5" fmla="*/ 20026 h 21026"/>
+              <a:gd name="connsiteX6" fmla="*/ 7500 w 11987"/>
+              <a:gd name="connsiteY6" fmla="*/ 19026 h 21026"/>
+              <a:gd name="connsiteX7" fmla="*/ 5000 w 11987"/>
+              <a:gd name="connsiteY7" fmla="*/ 20026 h 21026"/>
+              <a:gd name="connsiteX8" fmla="*/ 2500 w 11987"/>
+              <a:gd name="connsiteY8" fmla="*/ 21026 h 21026"/>
+              <a:gd name="connsiteX9" fmla="*/ 0 w 11987"/>
+              <a:gd name="connsiteY9" fmla="*/ 20026 h 21026"/>
+              <a:gd name="connsiteX10" fmla="*/ 218 w 11987"/>
+              <a:gd name="connsiteY10" fmla="*/ 0 h 21026"/>
+              <a:gd name="connsiteX0" fmla="*/ 218 w 11987"/>
+              <a:gd name="connsiteY0" fmla="*/ 0 h 21026"/>
+              <a:gd name="connsiteX1" fmla="*/ 1698 w 11987"/>
+              <a:gd name="connsiteY1" fmla="*/ 3515 h 21026"/>
+              <a:gd name="connsiteX2" fmla="*/ 5328 w 11987"/>
+              <a:gd name="connsiteY2" fmla="*/ 7415 h 21026"/>
+              <a:gd name="connsiteX3" fmla="*/ 9688 w 11987"/>
+              <a:gd name="connsiteY3" fmla="*/ 11261 h 21026"/>
+              <a:gd name="connsiteX4" fmla="*/ 11987 w 11987"/>
+              <a:gd name="connsiteY4" fmla="*/ 12026 h 21026"/>
+              <a:gd name="connsiteX5" fmla="*/ 10000 w 11987"/>
+              <a:gd name="connsiteY5" fmla="*/ 20026 h 21026"/>
+              <a:gd name="connsiteX6" fmla="*/ 7500 w 11987"/>
+              <a:gd name="connsiteY6" fmla="*/ 19026 h 21026"/>
+              <a:gd name="connsiteX7" fmla="*/ 5000 w 11987"/>
+              <a:gd name="connsiteY7" fmla="*/ 20026 h 21026"/>
+              <a:gd name="connsiteX8" fmla="*/ 2500 w 11987"/>
+              <a:gd name="connsiteY8" fmla="*/ 21026 h 21026"/>
+              <a:gd name="connsiteX9" fmla="*/ 0 w 11987"/>
+              <a:gd name="connsiteY9" fmla="*/ 20026 h 21026"/>
+              <a:gd name="connsiteX10" fmla="*/ 218 w 11987"/>
+              <a:gd name="connsiteY10" fmla="*/ 0 h 21026"/>
+              <a:gd name="connsiteX0" fmla="*/ 601 w 11987"/>
+              <a:gd name="connsiteY0" fmla="*/ 0 h 23051"/>
+              <a:gd name="connsiteX1" fmla="*/ 1698 w 11987"/>
+              <a:gd name="connsiteY1" fmla="*/ 5540 h 23051"/>
+              <a:gd name="connsiteX2" fmla="*/ 5328 w 11987"/>
+              <a:gd name="connsiteY2" fmla="*/ 9440 h 23051"/>
+              <a:gd name="connsiteX3" fmla="*/ 9688 w 11987"/>
+              <a:gd name="connsiteY3" fmla="*/ 13286 h 23051"/>
+              <a:gd name="connsiteX4" fmla="*/ 11987 w 11987"/>
+              <a:gd name="connsiteY4" fmla="*/ 14051 h 23051"/>
+              <a:gd name="connsiteX5" fmla="*/ 10000 w 11987"/>
+              <a:gd name="connsiteY5" fmla="*/ 22051 h 23051"/>
+              <a:gd name="connsiteX6" fmla="*/ 7500 w 11987"/>
+              <a:gd name="connsiteY6" fmla="*/ 21051 h 23051"/>
+              <a:gd name="connsiteX7" fmla="*/ 5000 w 11987"/>
+              <a:gd name="connsiteY7" fmla="*/ 22051 h 23051"/>
+              <a:gd name="connsiteX8" fmla="*/ 2500 w 11987"/>
+              <a:gd name="connsiteY8" fmla="*/ 23051 h 23051"/>
+              <a:gd name="connsiteX9" fmla="*/ 0 w 11987"/>
+              <a:gd name="connsiteY9" fmla="*/ 22051 h 23051"/>
+              <a:gd name="connsiteX10" fmla="*/ 601 w 11987"/>
+              <a:gd name="connsiteY10" fmla="*/ 0 h 23051"/>
+              <a:gd name="connsiteX0" fmla="*/ 601 w 11987"/>
+              <a:gd name="connsiteY0" fmla="*/ 0 h 23051"/>
+              <a:gd name="connsiteX1" fmla="*/ 1698 w 11987"/>
+              <a:gd name="connsiteY1" fmla="*/ 5540 h 23051"/>
+              <a:gd name="connsiteX2" fmla="*/ 4745 w 11987"/>
+              <a:gd name="connsiteY2" fmla="*/ 10218 h 23051"/>
+              <a:gd name="connsiteX3" fmla="*/ 9688 w 11987"/>
+              <a:gd name="connsiteY3" fmla="*/ 13286 h 23051"/>
+              <a:gd name="connsiteX4" fmla="*/ 11987 w 11987"/>
+              <a:gd name="connsiteY4" fmla="*/ 14051 h 23051"/>
+              <a:gd name="connsiteX5" fmla="*/ 10000 w 11987"/>
+              <a:gd name="connsiteY5" fmla="*/ 22051 h 23051"/>
+              <a:gd name="connsiteX6" fmla="*/ 7500 w 11987"/>
+              <a:gd name="connsiteY6" fmla="*/ 21051 h 23051"/>
+              <a:gd name="connsiteX7" fmla="*/ 5000 w 11987"/>
+              <a:gd name="connsiteY7" fmla="*/ 22051 h 23051"/>
+              <a:gd name="connsiteX8" fmla="*/ 2500 w 11987"/>
+              <a:gd name="connsiteY8" fmla="*/ 23051 h 23051"/>
+              <a:gd name="connsiteX9" fmla="*/ 0 w 11987"/>
+              <a:gd name="connsiteY9" fmla="*/ 22051 h 23051"/>
+              <a:gd name="connsiteX10" fmla="*/ 601 w 11987"/>
+              <a:gd name="connsiteY10" fmla="*/ 0 h 23051"/>
+              <a:gd name="connsiteX0" fmla="*/ 601 w 10000"/>
+              <a:gd name="connsiteY0" fmla="*/ 0 h 23051"/>
+              <a:gd name="connsiteX1" fmla="*/ 1698 w 10000"/>
+              <a:gd name="connsiteY1" fmla="*/ 5540 h 23051"/>
+              <a:gd name="connsiteX2" fmla="*/ 4745 w 10000"/>
+              <a:gd name="connsiteY2" fmla="*/ 10218 h 23051"/>
+              <a:gd name="connsiteX3" fmla="*/ 9688 w 10000"/>
+              <a:gd name="connsiteY3" fmla="*/ 13286 h 23051"/>
+              <a:gd name="connsiteX4" fmla="*/ 8778 w 10000"/>
+              <a:gd name="connsiteY4" fmla="*/ 13943 h 23051"/>
+              <a:gd name="connsiteX5" fmla="*/ 10000 w 10000"/>
+              <a:gd name="connsiteY5" fmla="*/ 22051 h 23051"/>
+              <a:gd name="connsiteX6" fmla="*/ 7500 w 10000"/>
+              <a:gd name="connsiteY6" fmla="*/ 21051 h 23051"/>
+              <a:gd name="connsiteX7" fmla="*/ 5000 w 10000"/>
+              <a:gd name="connsiteY7" fmla="*/ 22051 h 23051"/>
+              <a:gd name="connsiteX8" fmla="*/ 2500 w 10000"/>
+              <a:gd name="connsiteY8" fmla="*/ 23051 h 23051"/>
+              <a:gd name="connsiteX9" fmla="*/ 0 w 10000"/>
+              <a:gd name="connsiteY9" fmla="*/ 22051 h 23051"/>
+              <a:gd name="connsiteX10" fmla="*/ 601 w 10000"/>
+              <a:gd name="connsiteY10" fmla="*/ 0 h 23051"/>
+              <a:gd name="connsiteX0" fmla="*/ 601 w 10000"/>
+              <a:gd name="connsiteY0" fmla="*/ 0 h 23051"/>
+              <a:gd name="connsiteX1" fmla="*/ 1698 w 10000"/>
+              <a:gd name="connsiteY1" fmla="*/ 5540 h 23051"/>
+              <a:gd name="connsiteX2" fmla="*/ 4745 w 10000"/>
+              <a:gd name="connsiteY2" fmla="*/ 10218 h 23051"/>
+              <a:gd name="connsiteX3" fmla="*/ 9724 w 10000"/>
+              <a:gd name="connsiteY3" fmla="*/ 13286 h 23051"/>
+              <a:gd name="connsiteX4" fmla="*/ 8778 w 10000"/>
+              <a:gd name="connsiteY4" fmla="*/ 13943 h 23051"/>
+              <a:gd name="connsiteX5" fmla="*/ 10000 w 10000"/>
+              <a:gd name="connsiteY5" fmla="*/ 22051 h 23051"/>
+              <a:gd name="connsiteX6" fmla="*/ 7500 w 10000"/>
+              <a:gd name="connsiteY6" fmla="*/ 21051 h 23051"/>
+              <a:gd name="connsiteX7" fmla="*/ 5000 w 10000"/>
+              <a:gd name="connsiteY7" fmla="*/ 22051 h 23051"/>
+              <a:gd name="connsiteX8" fmla="*/ 2500 w 10000"/>
+              <a:gd name="connsiteY8" fmla="*/ 23051 h 23051"/>
+              <a:gd name="connsiteX9" fmla="*/ 0 w 10000"/>
+              <a:gd name="connsiteY9" fmla="*/ 22051 h 23051"/>
+              <a:gd name="connsiteX10" fmla="*/ 601 w 10000"/>
+              <a:gd name="connsiteY10" fmla="*/ 0 h 23051"/>
+              <a:gd name="connsiteX0" fmla="*/ 601 w 10000"/>
+              <a:gd name="connsiteY0" fmla="*/ 0 h 23051"/>
+              <a:gd name="connsiteX1" fmla="*/ 1698 w 10000"/>
+              <a:gd name="connsiteY1" fmla="*/ 5540 h 23051"/>
+              <a:gd name="connsiteX2" fmla="*/ 4745 w 10000"/>
+              <a:gd name="connsiteY2" fmla="*/ 10218 h 23051"/>
+              <a:gd name="connsiteX3" fmla="*/ 9724 w 10000"/>
+              <a:gd name="connsiteY3" fmla="*/ 13286 h 23051"/>
+              <a:gd name="connsiteX4" fmla="*/ 8778 w 10000"/>
+              <a:gd name="connsiteY4" fmla="*/ 13943 h 23051"/>
+              <a:gd name="connsiteX5" fmla="*/ 10000 w 10000"/>
+              <a:gd name="connsiteY5" fmla="*/ 22051 h 23051"/>
+              <a:gd name="connsiteX6" fmla="*/ 7500 w 10000"/>
+              <a:gd name="connsiteY6" fmla="*/ 21051 h 23051"/>
+              <a:gd name="connsiteX7" fmla="*/ 5000 w 10000"/>
+              <a:gd name="connsiteY7" fmla="*/ 22051 h 23051"/>
+              <a:gd name="connsiteX8" fmla="*/ 2500 w 10000"/>
+              <a:gd name="connsiteY8" fmla="*/ 23051 h 23051"/>
+              <a:gd name="connsiteX9" fmla="*/ 0 w 10000"/>
+              <a:gd name="connsiteY9" fmla="*/ 22051 h 23051"/>
+              <a:gd name="connsiteX10" fmla="*/ 601 w 10000"/>
+              <a:gd name="connsiteY10" fmla="*/ 0 h 23051"/>
+            </a:gdLst>
+            <a:ahLst/>
+            <a:cxnLst>
+              <a:cxn ang="0">
+                <a:pos x="connsiteX0" y="connsiteY0"/>
+              </a:cxn>
+              <a:cxn ang="0">
+                <a:pos x="connsiteX1" y="connsiteY1"/>
+              </a:cxn>
+              <a:cxn ang="0">
+                <a:pos x="connsiteX2" y="connsiteY2"/>
+              </a:cxn>
+              <a:cxn ang="0">
+                <a:pos x="connsiteX3" y="connsiteY3"/>
+              </a:cxn>
+              <a:cxn ang="0">
+                <a:pos x="connsiteX4" y="connsiteY4"/>
+              </a:cxn>
+              <a:cxn ang="0">
+                <a:pos x="connsiteX5" y="connsiteY5"/>
+              </a:cxn>
+              <a:cxn ang="0">
+                <a:pos x="connsiteX6" y="connsiteY6"/>
+              </a:cxn>
+              <a:cxn ang="0">
+                <a:pos x="connsiteX7" y="connsiteY7"/>
+              </a:cxn>
+              <a:cxn ang="0">
+                <a:pos x="connsiteX8" y="connsiteY8"/>
+              </a:cxn>
+              <a:cxn ang="0">
+                <a:pos x="connsiteX9" y="connsiteY9"/>
+              </a:cxn>
+              <a:cxn ang="0">
+                <a:pos x="connsiteX10" y="connsiteY10"/>
+              </a:cxn>
+            </a:cxnLst>
+            <a:rect l="l" t="t" r="r" b="b"/>
+            <a:pathLst>
+              <a:path w="10000" h="23051">
+                <a:moveTo>
+                  <a:pt x="601" y="0"/>
+                </a:moveTo>
+                <a:cubicBezTo>
+                  <a:pt x="601" y="552"/>
+                  <a:pt x="1007" y="3837"/>
+                  <a:pt x="1698" y="5540"/>
+                </a:cubicBezTo>
+                <a:cubicBezTo>
+                  <a:pt x="2389" y="7243"/>
+                  <a:pt x="3407" y="8927"/>
+                  <a:pt x="4745" y="10218"/>
+                </a:cubicBezTo>
+                <a:cubicBezTo>
+                  <a:pt x="6083" y="11509"/>
+                  <a:pt x="9234" y="12629"/>
+                  <a:pt x="9724" y="13286"/>
+                </a:cubicBezTo>
+                <a:cubicBezTo>
+                  <a:pt x="10214" y="13943"/>
+                  <a:pt x="8778" y="13391"/>
+                  <a:pt x="8778" y="13943"/>
+                </a:cubicBezTo>
+                <a:lnTo>
+                  <a:pt x="10000" y="22051"/>
+                </a:lnTo>
+                <a:cubicBezTo>
+                  <a:pt x="10000" y="21499"/>
+                  <a:pt x="8881" y="21051"/>
+                  <a:pt x="7500" y="21051"/>
+                </a:cubicBezTo>
+                <a:cubicBezTo>
+                  <a:pt x="6119" y="21051"/>
+                  <a:pt x="5000" y="21499"/>
+                  <a:pt x="5000" y="22051"/>
+                </a:cubicBezTo>
+                <a:cubicBezTo>
+                  <a:pt x="5000" y="22603"/>
+                  <a:pt x="3881" y="23051"/>
+                  <a:pt x="2500" y="23051"/>
+                </a:cubicBezTo>
+                <a:cubicBezTo>
+                  <a:pt x="1119" y="23051"/>
+                  <a:pt x="0" y="22603"/>
+                  <a:pt x="0" y="22051"/>
+                </a:cubicBezTo>
+                <a:cubicBezTo>
+                  <a:pt x="61" y="17745"/>
+                  <a:pt x="540" y="4306"/>
+                  <a:pt x="601" y="0"/>
+                </a:cubicBezTo>
+                <a:close/>
+              </a:path>
+            </a:pathLst>
+          </a:custGeom>
+          <a:solidFill>
+            <a:srgbClr val="61AC43">
+              <a:alpha val="20000"/>
+            </a:srgbClr>
+          </a:solidFill>
+          <a:ln>
+            <a:noFill/>
+          </a:ln>
+        </p:spPr>
+        <p:style>
+          <a:lnRef idx="2">
+            <a:schemeClr val="accent1">
+              <a:shade val="50000"/>
+            </a:schemeClr>
+          </a:lnRef>
+          <a:fillRef idx="1">
+            <a:schemeClr val="accent1"/>
+          </a:fillRef>
+          <a:effectRef idx="0">
+            <a:schemeClr val="accent1"/>
+          </a:effectRef>
+          <a:fontRef idx="minor">
+            <a:schemeClr val="lt1"/>
+          </a:fontRef>
+        </p:style>
+        <p:txBody>
+          <a:bodyPr rtlCol="0" anchor="ctr"/>
+          <a:lstStyle/>
+          <a:p>
+            <a:pPr algn="ctr"/>
             <a:endParaRPr lang="en-GB"/>
           </a:p>
         </p:txBody>
       </p:sp>
       <p:sp>
         <p:nvSpPr>
-          <p:cNvPr id="3" name="Segnaposto contenuto 2">
+          <p:cNvPr id="9" name="Titolo 1">
             <a:extLst>
               <a:ext uri="{FF2B5EF4-FFF2-40B4-BE49-F238E27FC236}">
-                <a16:creationId xmlns:a16="http://schemas.microsoft.com/office/drawing/2014/main" id="{5703A793-0C0F-36E4-2F5F-CDC94459DB54}"/>
+                <a16:creationId xmlns:a16="http://schemas.microsoft.com/office/drawing/2014/main" id="{88C74662-E759-70E2-779D-C1C30DB928E7}"/>
               </a:ext>
             </a:extLst>
           </p:cNvPr>
@@ -4131,19 +4857,390 @@
             <a:spLocks noGrp="1"/>
           </p:cNvSpPr>
           <p:nvPr>
-            <p:ph idx="1"/>
-          </p:nvPr>
-        </p:nvSpPr>
-        <p:spPr/>
+            <p:ph type="title"/>
+          </p:nvPr>
+        </p:nvSpPr>
+        <p:spPr>
+          <a:xfrm>
+            <a:off x="838200" y="365125"/>
+            <a:ext cx="10515600" cy="1325563"/>
+          </a:xfrm>
+        </p:spPr>
         <p:txBody>
           <a:bodyPr/>
           <a:lstStyle/>
           <a:p>
             <a:r>
-              <a:rPr lang="it-IT" dirty="0"/>
-              <a:t>Breve descrizione del progetto…</a:t>
-            </a:r>
-            <a:endParaRPr lang="en-GB" dirty="0"/>
+              <a:rPr lang="it-IT" sz="6000" dirty="0">
+                <a:latin typeface="Segoe UI Semibold" panose="020B0702040204020203" pitchFamily="34" charset="0"/>
+                <a:cs typeface="Segoe UI Semibold" panose="020B0702040204020203" pitchFamily="34" charset="0"/>
+              </a:rPr>
+              <a:t>IL NOSTRO TEAM</a:t>
+            </a:r>
+            <a:endParaRPr lang="en-GB" sz="6000" dirty="0">
+              <a:latin typeface="Segoe UI Semibold" panose="020B0702040204020203" pitchFamily="34" charset="0"/>
+              <a:cs typeface="Segoe UI Semibold" panose="020B0702040204020203" pitchFamily="34" charset="0"/>
+            </a:endParaRPr>
+          </a:p>
+        </p:txBody>
+      </p:sp>
+      <p:sp>
+        <p:nvSpPr>
+          <p:cNvPr id="10" name="CasellaDiTesto 9">
+            <a:extLst>
+              <a:ext uri="{FF2B5EF4-FFF2-40B4-BE49-F238E27FC236}">
+                <a16:creationId xmlns:a16="http://schemas.microsoft.com/office/drawing/2014/main" id="{D781AA18-20E8-BFAF-C973-2C8D4BB2CA52}"/>
+              </a:ext>
+            </a:extLst>
+          </p:cNvPr>
+          <p:cNvSpPr txBox="1"/>
+          <p:nvPr/>
+        </p:nvSpPr>
+        <p:spPr>
+          <a:xfrm>
+            <a:off x="457619" y="4318179"/>
+            <a:ext cx="2448106" cy="369332"/>
+          </a:xfrm>
+          <a:prstGeom prst="rect">
+            <a:avLst/>
+          </a:prstGeom>
+          <a:noFill/>
+        </p:spPr>
+        <p:txBody>
+          <a:bodyPr wrap="none" rtlCol="0">
+            <a:spAutoFit/>
+          </a:bodyPr>
+          <a:lstStyle/>
+          <a:p>
+            <a:r>
+              <a:rPr lang="it-IT" b="1" dirty="0">
+                <a:latin typeface="Century Gothic" panose="020B0502020202020204" pitchFamily="34" charset="0"/>
+              </a:rPr>
+              <a:t>D’AMBROSI DANIELE</a:t>
+            </a:r>
+            <a:endParaRPr lang="en-GB" b="1" dirty="0">
+              <a:latin typeface="Century Gothic" panose="020B0502020202020204" pitchFamily="34" charset="0"/>
+            </a:endParaRPr>
+          </a:p>
+        </p:txBody>
+      </p:sp>
+      <p:sp>
+        <p:nvSpPr>
+          <p:cNvPr id="11" name="CasellaDiTesto 10">
+            <a:extLst>
+              <a:ext uri="{FF2B5EF4-FFF2-40B4-BE49-F238E27FC236}">
+                <a16:creationId xmlns:a16="http://schemas.microsoft.com/office/drawing/2014/main" id="{E7C9719D-13FB-9392-9B22-D1CA6C0AD34F}"/>
+              </a:ext>
+            </a:extLst>
+          </p:cNvPr>
+          <p:cNvSpPr txBox="1"/>
+          <p:nvPr/>
+        </p:nvSpPr>
+        <p:spPr>
+          <a:xfrm>
+            <a:off x="3848044" y="4318179"/>
+            <a:ext cx="1821332" cy="369332"/>
+          </a:xfrm>
+          <a:prstGeom prst="rect">
+            <a:avLst/>
+          </a:prstGeom>
+          <a:noFill/>
+        </p:spPr>
+        <p:txBody>
+          <a:bodyPr wrap="none" rtlCol="0">
+            <a:spAutoFit/>
+          </a:bodyPr>
+          <a:lstStyle/>
+          <a:p>
+            <a:r>
+              <a:rPr lang="it-IT" b="1" dirty="0">
+                <a:latin typeface="Century Gothic" panose="020B0502020202020204" pitchFamily="34" charset="0"/>
+              </a:rPr>
+              <a:t>CONCIL TANIA</a:t>
+            </a:r>
+            <a:endParaRPr lang="en-GB" b="1" dirty="0">
+              <a:latin typeface="Century Gothic" panose="020B0502020202020204" pitchFamily="34" charset="0"/>
+            </a:endParaRPr>
+          </a:p>
+        </p:txBody>
+      </p:sp>
+      <p:sp>
+        <p:nvSpPr>
+          <p:cNvPr id="12" name="CasellaDiTesto 11">
+            <a:extLst>
+              <a:ext uri="{FF2B5EF4-FFF2-40B4-BE49-F238E27FC236}">
+                <a16:creationId xmlns:a16="http://schemas.microsoft.com/office/drawing/2014/main" id="{AF46714F-1C16-5A3D-396D-E5205146DA35}"/>
+              </a:ext>
+            </a:extLst>
+          </p:cNvPr>
+          <p:cNvSpPr txBox="1"/>
+          <p:nvPr/>
+        </p:nvSpPr>
+        <p:spPr>
+          <a:xfrm>
+            <a:off x="6611696" y="4308198"/>
+            <a:ext cx="2077813" cy="369332"/>
+          </a:xfrm>
+          <a:prstGeom prst="rect">
+            <a:avLst/>
+          </a:prstGeom>
+          <a:noFill/>
+        </p:spPr>
+        <p:txBody>
+          <a:bodyPr wrap="none" rtlCol="0">
+            <a:spAutoFit/>
+          </a:bodyPr>
+          <a:lstStyle/>
+          <a:p>
+            <a:r>
+              <a:rPr lang="it-IT" b="1" dirty="0">
+                <a:latin typeface="Century Gothic" panose="020B0502020202020204" pitchFamily="34" charset="0"/>
+              </a:rPr>
+              <a:t>BIANCHI MATTEO</a:t>
+            </a:r>
+            <a:endParaRPr lang="en-GB" b="1" dirty="0">
+              <a:latin typeface="Century Gothic" panose="020B0502020202020204" pitchFamily="34" charset="0"/>
+            </a:endParaRPr>
+          </a:p>
+        </p:txBody>
+      </p:sp>
+      <p:sp>
+        <p:nvSpPr>
+          <p:cNvPr id="13" name="CasellaDiTesto 12">
+            <a:extLst>
+              <a:ext uri="{FF2B5EF4-FFF2-40B4-BE49-F238E27FC236}">
+                <a16:creationId xmlns:a16="http://schemas.microsoft.com/office/drawing/2014/main" id="{20D2BB93-5A13-CEA6-03F5-7186A6D5C97A}"/>
+              </a:ext>
+            </a:extLst>
+          </p:cNvPr>
+          <p:cNvSpPr txBox="1"/>
+          <p:nvPr/>
+        </p:nvSpPr>
+        <p:spPr>
+          <a:xfrm>
+            <a:off x="9546505" y="4308198"/>
+            <a:ext cx="2124299" cy="369332"/>
+          </a:xfrm>
+          <a:prstGeom prst="rect">
+            <a:avLst/>
+          </a:prstGeom>
+          <a:noFill/>
+        </p:spPr>
+        <p:txBody>
+          <a:bodyPr wrap="none" rtlCol="0">
+            <a:spAutoFit/>
+          </a:bodyPr>
+          <a:lstStyle/>
+          <a:p>
+            <a:r>
+              <a:rPr lang="it-IT" b="1" dirty="0">
+                <a:latin typeface="Century Gothic" panose="020B0502020202020204" pitchFamily="34" charset="0"/>
+              </a:rPr>
+              <a:t>GUERRA ANDREA</a:t>
+            </a:r>
+            <a:endParaRPr lang="en-GB" b="1" dirty="0">
+              <a:latin typeface="Century Gothic" panose="020B0502020202020204" pitchFamily="34" charset="0"/>
+            </a:endParaRPr>
+          </a:p>
+        </p:txBody>
+      </p:sp>
+      <p:sp>
+        <p:nvSpPr>
+          <p:cNvPr id="18" name="Ovale 17">
+            <a:extLst>
+              <a:ext uri="{FF2B5EF4-FFF2-40B4-BE49-F238E27FC236}">
+                <a16:creationId xmlns:a16="http://schemas.microsoft.com/office/drawing/2014/main" id="{70451482-110D-E217-681E-39031CC979FD}"/>
+              </a:ext>
+            </a:extLst>
+          </p:cNvPr>
+          <p:cNvSpPr/>
+          <p:nvPr/>
+        </p:nvSpPr>
+        <p:spPr>
+          <a:xfrm>
+            <a:off x="797752" y="2223357"/>
+            <a:ext cx="1767840" cy="1767840"/>
+          </a:xfrm>
+          <a:prstGeom prst="ellipse">
+            <a:avLst/>
+          </a:prstGeom>
+        </p:spPr>
+        <p:style>
+          <a:lnRef idx="2">
+            <a:schemeClr val="accent1">
+              <a:shade val="50000"/>
+            </a:schemeClr>
+          </a:lnRef>
+          <a:fillRef idx="1">
+            <a:schemeClr val="accent1"/>
+          </a:fillRef>
+          <a:effectRef idx="0">
+            <a:schemeClr val="accent1"/>
+          </a:effectRef>
+          <a:fontRef idx="minor">
+            <a:schemeClr val="lt1"/>
+          </a:fontRef>
+        </p:style>
+        <p:txBody>
+          <a:bodyPr rtlCol="0" anchor="ctr"/>
+          <a:lstStyle/>
+          <a:p>
+            <a:pPr algn="ctr"/>
+            <a:endParaRPr lang="en-GB"/>
+          </a:p>
+        </p:txBody>
+      </p:sp>
+      <p:sp>
+        <p:nvSpPr>
+          <p:cNvPr id="19" name="Ovale 18">
+            <a:extLst>
+              <a:ext uri="{FF2B5EF4-FFF2-40B4-BE49-F238E27FC236}">
+                <a16:creationId xmlns:a16="http://schemas.microsoft.com/office/drawing/2014/main" id="{EAA0282B-BA18-3034-F7E5-D3195F9CED54}"/>
+              </a:ext>
+            </a:extLst>
+          </p:cNvPr>
+          <p:cNvSpPr/>
+          <p:nvPr/>
+        </p:nvSpPr>
+        <p:spPr>
+          <a:xfrm>
+            <a:off x="9684052" y="2224511"/>
+            <a:ext cx="1767840" cy="1767840"/>
+          </a:xfrm>
+          <a:prstGeom prst="ellipse">
+            <a:avLst/>
+          </a:prstGeom>
+        </p:spPr>
+        <p:style>
+          <a:lnRef idx="2">
+            <a:schemeClr val="accent1">
+              <a:shade val="50000"/>
+            </a:schemeClr>
+          </a:lnRef>
+          <a:fillRef idx="1">
+            <a:schemeClr val="accent1"/>
+          </a:fillRef>
+          <a:effectRef idx="0">
+            <a:schemeClr val="accent1"/>
+          </a:effectRef>
+          <a:fontRef idx="minor">
+            <a:schemeClr val="lt1"/>
+          </a:fontRef>
+        </p:style>
+        <p:txBody>
+          <a:bodyPr rtlCol="0" anchor="ctr"/>
+          <a:lstStyle/>
+          <a:p>
+            <a:pPr algn="ctr"/>
+            <a:endParaRPr lang="en-GB"/>
+          </a:p>
+        </p:txBody>
+      </p:sp>
+      <p:sp>
+        <p:nvSpPr>
+          <p:cNvPr id="20" name="Ovale 19">
+            <a:extLst>
+              <a:ext uri="{FF2B5EF4-FFF2-40B4-BE49-F238E27FC236}">
+                <a16:creationId xmlns:a16="http://schemas.microsoft.com/office/drawing/2014/main" id="{9FC7E38C-CA99-3B00-BEC3-AB5613453A26}"/>
+              </a:ext>
+            </a:extLst>
+          </p:cNvPr>
+          <p:cNvSpPr/>
+          <p:nvPr/>
+        </p:nvSpPr>
+        <p:spPr>
+          <a:xfrm>
+            <a:off x="6611696" y="2223357"/>
+            <a:ext cx="1767840" cy="1767840"/>
+          </a:xfrm>
+          <a:prstGeom prst="ellipse">
+            <a:avLst/>
+          </a:prstGeom>
+        </p:spPr>
+        <p:style>
+          <a:lnRef idx="2">
+            <a:schemeClr val="accent1">
+              <a:shade val="50000"/>
+            </a:schemeClr>
+          </a:lnRef>
+          <a:fillRef idx="1">
+            <a:schemeClr val="accent1"/>
+          </a:fillRef>
+          <a:effectRef idx="0">
+            <a:schemeClr val="accent1"/>
+          </a:effectRef>
+          <a:fontRef idx="minor">
+            <a:schemeClr val="lt1"/>
+          </a:fontRef>
+        </p:style>
+        <p:txBody>
+          <a:bodyPr rtlCol="0" anchor="ctr"/>
+          <a:lstStyle/>
+          <a:p>
+            <a:pPr algn="ctr"/>
+            <a:endParaRPr lang="en-GB"/>
+          </a:p>
+        </p:txBody>
+      </p:sp>
+      <p:sp>
+        <p:nvSpPr>
+          <p:cNvPr id="21" name="Ovale 20">
+            <a:extLst>
+              <a:ext uri="{FF2B5EF4-FFF2-40B4-BE49-F238E27FC236}">
+                <a16:creationId xmlns:a16="http://schemas.microsoft.com/office/drawing/2014/main" id="{E8BD9A23-D8E7-8729-74BF-588D01E1C402}"/>
+              </a:ext>
+            </a:extLst>
+          </p:cNvPr>
+          <p:cNvSpPr/>
+          <p:nvPr/>
+        </p:nvSpPr>
+        <p:spPr>
+          <a:xfrm>
+            <a:off x="3705867" y="2223357"/>
+            <a:ext cx="1767840" cy="1795993"/>
+          </a:xfrm>
+          <a:prstGeom prst="ellipse">
+            <a:avLst/>
+          </a:prstGeom>
+          <a:blipFill dpi="0" rotWithShape="1">
+            <a:blip r:embed="rId3">
+              <a:extLst>
+                <a:ext uri="{28A0092B-C50C-407E-A947-70E740481C1C}">
+                  <a14:useLocalDpi xmlns:a14="http://schemas.microsoft.com/office/drawing/2010/main" val="0"/>
+                </a:ext>
+              </a:extLst>
+            </a:blip>
+            <a:srcRect/>
+            <a:stretch>
+              <a:fillRect l="-65" t="-16364" r="65" b="-14796"/>
+            </a:stretch>
+          </a:blipFill>
+          <a:ln>
+            <a:noFill/>
+          </a:ln>
+        </p:spPr>
+        <p:style>
+          <a:lnRef idx="2">
+            <a:schemeClr val="accent1">
+              <a:shade val="50000"/>
+            </a:schemeClr>
+          </a:lnRef>
+          <a:fillRef idx="1">
+            <a:schemeClr val="accent1"/>
+          </a:fillRef>
+          <a:effectRef idx="0">
+            <a:schemeClr val="accent1"/>
+          </a:effectRef>
+          <a:fontRef idx="minor">
+            <a:schemeClr val="lt1"/>
+          </a:fontRef>
+        </p:style>
+        <p:txBody>
+          <a:bodyPr rtlCol="0" anchor="ctr"/>
+          <a:lstStyle/>
+          <a:p>
+            <a:pPr algn="ctr"/>
+            <a:endParaRPr lang="en-GB"/>
           </a:p>
         </p:txBody>
       </p:sp>
@@ -4161,6 +5258,793 @@
 </file>
 
 <file path=ppt/slides/slide3.xml><?xml version="1.0" encoding="utf-8"?>
+<p:sld xmlns:a="http://schemas.openxmlformats.org/drawingml/2006/main" xmlns:r="http://schemas.openxmlformats.org/officeDocument/2006/relationships" xmlns:p="http://schemas.openxmlformats.org/presentationml/2006/main">
+  <p:cSld>
+    <p:bg>
+      <p:bgPr>
+        <a:solidFill>
+          <a:schemeClr val="bg1"/>
+        </a:solidFill>
+        <a:effectLst/>
+      </p:bgPr>
+    </p:bg>
+    <p:spTree>
+      <p:nvGrpSpPr>
+        <p:cNvPr id="1" name=""/>
+        <p:cNvGrpSpPr/>
+        <p:nvPr/>
+      </p:nvGrpSpPr>
+      <p:grpSpPr>
+        <a:xfrm>
+          <a:off x="0" y="0"/>
+          <a:ext cx="0" cy="0"/>
+          <a:chOff x="0" y="0"/>
+          <a:chExt cx="0" cy="0"/>
+        </a:xfrm>
+      </p:grpSpPr>
+      <p:sp>
+        <p:nvSpPr>
+          <p:cNvPr id="4" name="Nastro perforato 8">
+            <a:extLst>
+              <a:ext uri="{FF2B5EF4-FFF2-40B4-BE49-F238E27FC236}">
+                <a16:creationId xmlns:a16="http://schemas.microsoft.com/office/drawing/2014/main" id="{C6CC7FDD-B440-D3CE-0212-88118C7445B9}"/>
+              </a:ext>
+            </a:extLst>
+          </p:cNvPr>
+          <p:cNvSpPr/>
+          <p:nvPr/>
+        </p:nvSpPr>
+        <p:spPr>
+          <a:xfrm rot="16200000">
+            <a:off x="4675127" y="-6577938"/>
+            <a:ext cx="8359142" cy="19426738"/>
+          </a:xfrm>
+          <a:custGeom>
+            <a:avLst/>
+            <a:gdLst>
+              <a:gd name="connsiteX0" fmla="*/ 0 w 10000"/>
+              <a:gd name="connsiteY0" fmla="*/ 1000 h 10000"/>
+              <a:gd name="connsiteX1" fmla="*/ 2500 w 10000"/>
+              <a:gd name="connsiteY1" fmla="*/ 2000 h 10000"/>
+              <a:gd name="connsiteX2" fmla="*/ 5000 w 10000"/>
+              <a:gd name="connsiteY2" fmla="*/ 1000 h 10000"/>
+              <a:gd name="connsiteX3" fmla="*/ 7500 w 10000"/>
+              <a:gd name="connsiteY3" fmla="*/ 0 h 10000"/>
+              <a:gd name="connsiteX4" fmla="*/ 10000 w 10000"/>
+              <a:gd name="connsiteY4" fmla="*/ 1000 h 10000"/>
+              <a:gd name="connsiteX5" fmla="*/ 10000 w 10000"/>
+              <a:gd name="connsiteY5" fmla="*/ 9000 h 10000"/>
+              <a:gd name="connsiteX6" fmla="*/ 7500 w 10000"/>
+              <a:gd name="connsiteY6" fmla="*/ 8000 h 10000"/>
+              <a:gd name="connsiteX7" fmla="*/ 5000 w 10000"/>
+              <a:gd name="connsiteY7" fmla="*/ 9000 h 10000"/>
+              <a:gd name="connsiteX8" fmla="*/ 2500 w 10000"/>
+              <a:gd name="connsiteY8" fmla="*/ 10000 h 10000"/>
+              <a:gd name="connsiteX9" fmla="*/ 0 w 10000"/>
+              <a:gd name="connsiteY9" fmla="*/ 9000 h 10000"/>
+              <a:gd name="connsiteX10" fmla="*/ 0 w 10000"/>
+              <a:gd name="connsiteY10" fmla="*/ 1000 h 10000"/>
+              <a:gd name="connsiteX0" fmla="*/ 0 w 10000"/>
+              <a:gd name="connsiteY0" fmla="*/ 1899 h 10899"/>
+              <a:gd name="connsiteX1" fmla="*/ 2500 w 10000"/>
+              <a:gd name="connsiteY1" fmla="*/ 2899 h 10899"/>
+              <a:gd name="connsiteX2" fmla="*/ 4471 w 10000"/>
+              <a:gd name="connsiteY2" fmla="*/ 163 h 10899"/>
+              <a:gd name="connsiteX3" fmla="*/ 7500 w 10000"/>
+              <a:gd name="connsiteY3" fmla="*/ 899 h 10899"/>
+              <a:gd name="connsiteX4" fmla="*/ 10000 w 10000"/>
+              <a:gd name="connsiteY4" fmla="*/ 1899 h 10899"/>
+              <a:gd name="connsiteX5" fmla="*/ 10000 w 10000"/>
+              <a:gd name="connsiteY5" fmla="*/ 9899 h 10899"/>
+              <a:gd name="connsiteX6" fmla="*/ 7500 w 10000"/>
+              <a:gd name="connsiteY6" fmla="*/ 8899 h 10899"/>
+              <a:gd name="connsiteX7" fmla="*/ 5000 w 10000"/>
+              <a:gd name="connsiteY7" fmla="*/ 9899 h 10899"/>
+              <a:gd name="connsiteX8" fmla="*/ 2500 w 10000"/>
+              <a:gd name="connsiteY8" fmla="*/ 10899 h 10899"/>
+              <a:gd name="connsiteX9" fmla="*/ 0 w 10000"/>
+              <a:gd name="connsiteY9" fmla="*/ 9899 h 10899"/>
+              <a:gd name="connsiteX10" fmla="*/ 0 w 10000"/>
+              <a:gd name="connsiteY10" fmla="*/ 1899 h 10899"/>
+              <a:gd name="connsiteX0" fmla="*/ 0 w 10145"/>
+              <a:gd name="connsiteY0" fmla="*/ 5558 h 14558"/>
+              <a:gd name="connsiteX1" fmla="*/ 2500 w 10145"/>
+              <a:gd name="connsiteY1" fmla="*/ 6558 h 14558"/>
+              <a:gd name="connsiteX2" fmla="*/ 4471 w 10145"/>
+              <a:gd name="connsiteY2" fmla="*/ 3822 h 14558"/>
+              <a:gd name="connsiteX3" fmla="*/ 9597 w 10145"/>
+              <a:gd name="connsiteY3" fmla="*/ 19 h 14558"/>
+              <a:gd name="connsiteX4" fmla="*/ 10000 w 10145"/>
+              <a:gd name="connsiteY4" fmla="*/ 5558 h 14558"/>
+              <a:gd name="connsiteX5" fmla="*/ 10000 w 10145"/>
+              <a:gd name="connsiteY5" fmla="*/ 13558 h 14558"/>
+              <a:gd name="connsiteX6" fmla="*/ 7500 w 10145"/>
+              <a:gd name="connsiteY6" fmla="*/ 12558 h 14558"/>
+              <a:gd name="connsiteX7" fmla="*/ 5000 w 10145"/>
+              <a:gd name="connsiteY7" fmla="*/ 13558 h 14558"/>
+              <a:gd name="connsiteX8" fmla="*/ 2500 w 10145"/>
+              <a:gd name="connsiteY8" fmla="*/ 14558 h 14558"/>
+              <a:gd name="connsiteX9" fmla="*/ 0 w 10145"/>
+              <a:gd name="connsiteY9" fmla="*/ 13558 h 14558"/>
+              <a:gd name="connsiteX10" fmla="*/ 0 w 10145"/>
+              <a:gd name="connsiteY10" fmla="*/ 5558 h 14558"/>
+              <a:gd name="connsiteX0" fmla="*/ 0 w 11987"/>
+              <a:gd name="connsiteY0" fmla="*/ 5558 h 14558"/>
+              <a:gd name="connsiteX1" fmla="*/ 2500 w 11987"/>
+              <a:gd name="connsiteY1" fmla="*/ 6558 h 14558"/>
+              <a:gd name="connsiteX2" fmla="*/ 4471 w 11987"/>
+              <a:gd name="connsiteY2" fmla="*/ 3822 h 14558"/>
+              <a:gd name="connsiteX3" fmla="*/ 9597 w 11987"/>
+              <a:gd name="connsiteY3" fmla="*/ 19 h 14558"/>
+              <a:gd name="connsiteX4" fmla="*/ 11987 w 11987"/>
+              <a:gd name="connsiteY4" fmla="*/ 5558 h 14558"/>
+              <a:gd name="connsiteX5" fmla="*/ 10000 w 11987"/>
+              <a:gd name="connsiteY5" fmla="*/ 13558 h 14558"/>
+              <a:gd name="connsiteX6" fmla="*/ 7500 w 11987"/>
+              <a:gd name="connsiteY6" fmla="*/ 12558 h 14558"/>
+              <a:gd name="connsiteX7" fmla="*/ 5000 w 11987"/>
+              <a:gd name="connsiteY7" fmla="*/ 13558 h 14558"/>
+              <a:gd name="connsiteX8" fmla="*/ 2500 w 11987"/>
+              <a:gd name="connsiteY8" fmla="*/ 14558 h 14558"/>
+              <a:gd name="connsiteX9" fmla="*/ 0 w 11987"/>
+              <a:gd name="connsiteY9" fmla="*/ 13558 h 14558"/>
+              <a:gd name="connsiteX10" fmla="*/ 0 w 11987"/>
+              <a:gd name="connsiteY10" fmla="*/ 5558 h 14558"/>
+              <a:gd name="connsiteX0" fmla="*/ 0 w 11987"/>
+              <a:gd name="connsiteY0" fmla="*/ 5554 h 14554"/>
+              <a:gd name="connsiteX1" fmla="*/ 2500 w 11987"/>
+              <a:gd name="connsiteY1" fmla="*/ 6554 h 14554"/>
+              <a:gd name="connsiteX2" fmla="*/ 4562 w 11987"/>
+              <a:gd name="connsiteY2" fmla="*/ 4017 h 14554"/>
+              <a:gd name="connsiteX3" fmla="*/ 9597 w 11987"/>
+              <a:gd name="connsiteY3" fmla="*/ 15 h 14554"/>
+              <a:gd name="connsiteX4" fmla="*/ 11987 w 11987"/>
+              <a:gd name="connsiteY4" fmla="*/ 5554 h 14554"/>
+              <a:gd name="connsiteX5" fmla="*/ 10000 w 11987"/>
+              <a:gd name="connsiteY5" fmla="*/ 13554 h 14554"/>
+              <a:gd name="connsiteX6" fmla="*/ 7500 w 11987"/>
+              <a:gd name="connsiteY6" fmla="*/ 12554 h 14554"/>
+              <a:gd name="connsiteX7" fmla="*/ 5000 w 11987"/>
+              <a:gd name="connsiteY7" fmla="*/ 13554 h 14554"/>
+              <a:gd name="connsiteX8" fmla="*/ 2500 w 11987"/>
+              <a:gd name="connsiteY8" fmla="*/ 14554 h 14554"/>
+              <a:gd name="connsiteX9" fmla="*/ 0 w 11987"/>
+              <a:gd name="connsiteY9" fmla="*/ 13554 h 14554"/>
+              <a:gd name="connsiteX10" fmla="*/ 0 w 11987"/>
+              <a:gd name="connsiteY10" fmla="*/ 5554 h 14554"/>
+              <a:gd name="connsiteX0" fmla="*/ 0 w 11987"/>
+              <a:gd name="connsiteY0" fmla="*/ 5553 h 14553"/>
+              <a:gd name="connsiteX1" fmla="*/ 2208 w 11987"/>
+              <a:gd name="connsiteY1" fmla="*/ 5432 h 14553"/>
+              <a:gd name="connsiteX2" fmla="*/ 4562 w 11987"/>
+              <a:gd name="connsiteY2" fmla="*/ 4016 h 14553"/>
+              <a:gd name="connsiteX3" fmla="*/ 9597 w 11987"/>
+              <a:gd name="connsiteY3" fmla="*/ 14 h 14553"/>
+              <a:gd name="connsiteX4" fmla="*/ 11987 w 11987"/>
+              <a:gd name="connsiteY4" fmla="*/ 5553 h 14553"/>
+              <a:gd name="connsiteX5" fmla="*/ 10000 w 11987"/>
+              <a:gd name="connsiteY5" fmla="*/ 13553 h 14553"/>
+              <a:gd name="connsiteX6" fmla="*/ 7500 w 11987"/>
+              <a:gd name="connsiteY6" fmla="*/ 12553 h 14553"/>
+              <a:gd name="connsiteX7" fmla="*/ 5000 w 11987"/>
+              <a:gd name="connsiteY7" fmla="*/ 13553 h 14553"/>
+              <a:gd name="connsiteX8" fmla="*/ 2500 w 11987"/>
+              <a:gd name="connsiteY8" fmla="*/ 14553 h 14553"/>
+              <a:gd name="connsiteX9" fmla="*/ 0 w 11987"/>
+              <a:gd name="connsiteY9" fmla="*/ 13553 h 14553"/>
+              <a:gd name="connsiteX10" fmla="*/ 0 w 11987"/>
+              <a:gd name="connsiteY10" fmla="*/ 5553 h 14553"/>
+              <a:gd name="connsiteX0" fmla="*/ 182 w 11987"/>
+              <a:gd name="connsiteY0" fmla="*/ 634 h 14553"/>
+              <a:gd name="connsiteX1" fmla="*/ 2208 w 11987"/>
+              <a:gd name="connsiteY1" fmla="*/ 5432 h 14553"/>
+              <a:gd name="connsiteX2" fmla="*/ 4562 w 11987"/>
+              <a:gd name="connsiteY2" fmla="*/ 4016 h 14553"/>
+              <a:gd name="connsiteX3" fmla="*/ 9597 w 11987"/>
+              <a:gd name="connsiteY3" fmla="*/ 14 h 14553"/>
+              <a:gd name="connsiteX4" fmla="*/ 11987 w 11987"/>
+              <a:gd name="connsiteY4" fmla="*/ 5553 h 14553"/>
+              <a:gd name="connsiteX5" fmla="*/ 10000 w 11987"/>
+              <a:gd name="connsiteY5" fmla="*/ 13553 h 14553"/>
+              <a:gd name="connsiteX6" fmla="*/ 7500 w 11987"/>
+              <a:gd name="connsiteY6" fmla="*/ 12553 h 14553"/>
+              <a:gd name="connsiteX7" fmla="*/ 5000 w 11987"/>
+              <a:gd name="connsiteY7" fmla="*/ 13553 h 14553"/>
+              <a:gd name="connsiteX8" fmla="*/ 2500 w 11987"/>
+              <a:gd name="connsiteY8" fmla="*/ 14553 h 14553"/>
+              <a:gd name="connsiteX9" fmla="*/ 0 w 11987"/>
+              <a:gd name="connsiteY9" fmla="*/ 13553 h 14553"/>
+              <a:gd name="connsiteX10" fmla="*/ 182 w 11987"/>
+              <a:gd name="connsiteY10" fmla="*/ 634 h 14553"/>
+              <a:gd name="connsiteX0" fmla="*/ 182 w 11987"/>
+              <a:gd name="connsiteY0" fmla="*/ 633 h 14552"/>
+              <a:gd name="connsiteX1" fmla="*/ 2354 w 11987"/>
+              <a:gd name="connsiteY1" fmla="*/ 2990 h 14552"/>
+              <a:gd name="connsiteX2" fmla="*/ 4562 w 11987"/>
+              <a:gd name="connsiteY2" fmla="*/ 4015 h 14552"/>
+              <a:gd name="connsiteX3" fmla="*/ 9597 w 11987"/>
+              <a:gd name="connsiteY3" fmla="*/ 13 h 14552"/>
+              <a:gd name="connsiteX4" fmla="*/ 11987 w 11987"/>
+              <a:gd name="connsiteY4" fmla="*/ 5552 h 14552"/>
+              <a:gd name="connsiteX5" fmla="*/ 10000 w 11987"/>
+              <a:gd name="connsiteY5" fmla="*/ 13552 h 14552"/>
+              <a:gd name="connsiteX6" fmla="*/ 7500 w 11987"/>
+              <a:gd name="connsiteY6" fmla="*/ 12552 h 14552"/>
+              <a:gd name="connsiteX7" fmla="*/ 5000 w 11987"/>
+              <a:gd name="connsiteY7" fmla="*/ 13552 h 14552"/>
+              <a:gd name="connsiteX8" fmla="*/ 2500 w 11987"/>
+              <a:gd name="connsiteY8" fmla="*/ 14552 h 14552"/>
+              <a:gd name="connsiteX9" fmla="*/ 0 w 11987"/>
+              <a:gd name="connsiteY9" fmla="*/ 13552 h 14552"/>
+              <a:gd name="connsiteX10" fmla="*/ 182 w 11987"/>
+              <a:gd name="connsiteY10" fmla="*/ 633 h 14552"/>
+              <a:gd name="connsiteX0" fmla="*/ 182 w 11987"/>
+              <a:gd name="connsiteY0" fmla="*/ 696 h 14615"/>
+              <a:gd name="connsiteX1" fmla="*/ 2354 w 11987"/>
+              <a:gd name="connsiteY1" fmla="*/ 3053 h 14615"/>
+              <a:gd name="connsiteX2" fmla="*/ 5328 w 11987"/>
+              <a:gd name="connsiteY2" fmla="*/ 2432 h 14615"/>
+              <a:gd name="connsiteX3" fmla="*/ 9597 w 11987"/>
+              <a:gd name="connsiteY3" fmla="*/ 76 h 14615"/>
+              <a:gd name="connsiteX4" fmla="*/ 11987 w 11987"/>
+              <a:gd name="connsiteY4" fmla="*/ 5615 h 14615"/>
+              <a:gd name="connsiteX5" fmla="*/ 10000 w 11987"/>
+              <a:gd name="connsiteY5" fmla="*/ 13615 h 14615"/>
+              <a:gd name="connsiteX6" fmla="*/ 7500 w 11987"/>
+              <a:gd name="connsiteY6" fmla="*/ 12615 h 14615"/>
+              <a:gd name="connsiteX7" fmla="*/ 5000 w 11987"/>
+              <a:gd name="connsiteY7" fmla="*/ 13615 h 14615"/>
+              <a:gd name="connsiteX8" fmla="*/ 2500 w 11987"/>
+              <a:gd name="connsiteY8" fmla="*/ 14615 h 14615"/>
+              <a:gd name="connsiteX9" fmla="*/ 0 w 11987"/>
+              <a:gd name="connsiteY9" fmla="*/ 13615 h 14615"/>
+              <a:gd name="connsiteX10" fmla="*/ 182 w 11987"/>
+              <a:gd name="connsiteY10" fmla="*/ 696 h 14615"/>
+              <a:gd name="connsiteX0" fmla="*/ 182 w 11987"/>
+              <a:gd name="connsiteY0" fmla="*/ 693 h 14612"/>
+              <a:gd name="connsiteX1" fmla="*/ 2281 w 11987"/>
+              <a:gd name="connsiteY1" fmla="*/ 2164 h 14612"/>
+              <a:gd name="connsiteX2" fmla="*/ 5328 w 11987"/>
+              <a:gd name="connsiteY2" fmla="*/ 2429 h 14612"/>
+              <a:gd name="connsiteX3" fmla="*/ 9597 w 11987"/>
+              <a:gd name="connsiteY3" fmla="*/ 73 h 14612"/>
+              <a:gd name="connsiteX4" fmla="*/ 11987 w 11987"/>
+              <a:gd name="connsiteY4" fmla="*/ 5612 h 14612"/>
+              <a:gd name="connsiteX5" fmla="*/ 10000 w 11987"/>
+              <a:gd name="connsiteY5" fmla="*/ 13612 h 14612"/>
+              <a:gd name="connsiteX6" fmla="*/ 7500 w 11987"/>
+              <a:gd name="connsiteY6" fmla="*/ 12612 h 14612"/>
+              <a:gd name="connsiteX7" fmla="*/ 5000 w 11987"/>
+              <a:gd name="connsiteY7" fmla="*/ 13612 h 14612"/>
+              <a:gd name="connsiteX8" fmla="*/ 2500 w 11987"/>
+              <a:gd name="connsiteY8" fmla="*/ 14612 h 14612"/>
+              <a:gd name="connsiteX9" fmla="*/ 0 w 11987"/>
+              <a:gd name="connsiteY9" fmla="*/ 13612 h 14612"/>
+              <a:gd name="connsiteX10" fmla="*/ 182 w 11987"/>
+              <a:gd name="connsiteY10" fmla="*/ 693 h 14612"/>
+              <a:gd name="connsiteX0" fmla="*/ 182 w 11987"/>
+              <a:gd name="connsiteY0" fmla="*/ 2834 h 16753"/>
+              <a:gd name="connsiteX1" fmla="*/ 2281 w 11987"/>
+              <a:gd name="connsiteY1" fmla="*/ 4305 h 16753"/>
+              <a:gd name="connsiteX2" fmla="*/ 5328 w 11987"/>
+              <a:gd name="connsiteY2" fmla="*/ 4570 h 16753"/>
+              <a:gd name="connsiteX3" fmla="*/ 9852 w 11987"/>
+              <a:gd name="connsiteY3" fmla="*/ 44 h 16753"/>
+              <a:gd name="connsiteX4" fmla="*/ 11987 w 11987"/>
+              <a:gd name="connsiteY4" fmla="*/ 7753 h 16753"/>
+              <a:gd name="connsiteX5" fmla="*/ 10000 w 11987"/>
+              <a:gd name="connsiteY5" fmla="*/ 15753 h 16753"/>
+              <a:gd name="connsiteX6" fmla="*/ 7500 w 11987"/>
+              <a:gd name="connsiteY6" fmla="*/ 14753 h 16753"/>
+              <a:gd name="connsiteX7" fmla="*/ 5000 w 11987"/>
+              <a:gd name="connsiteY7" fmla="*/ 15753 h 16753"/>
+              <a:gd name="connsiteX8" fmla="*/ 2500 w 11987"/>
+              <a:gd name="connsiteY8" fmla="*/ 16753 h 16753"/>
+              <a:gd name="connsiteX9" fmla="*/ 0 w 11987"/>
+              <a:gd name="connsiteY9" fmla="*/ 15753 h 16753"/>
+              <a:gd name="connsiteX10" fmla="*/ 182 w 11987"/>
+              <a:gd name="connsiteY10" fmla="*/ 2834 h 16753"/>
+              <a:gd name="connsiteX0" fmla="*/ 182 w 11987"/>
+              <a:gd name="connsiteY0" fmla="*/ 2890 h 16809"/>
+              <a:gd name="connsiteX1" fmla="*/ 2281 w 11987"/>
+              <a:gd name="connsiteY1" fmla="*/ 4361 h 16809"/>
+              <a:gd name="connsiteX2" fmla="*/ 5328 w 11987"/>
+              <a:gd name="connsiteY2" fmla="*/ 3469 h 16809"/>
+              <a:gd name="connsiteX3" fmla="*/ 9852 w 11987"/>
+              <a:gd name="connsiteY3" fmla="*/ 100 h 16809"/>
+              <a:gd name="connsiteX4" fmla="*/ 11987 w 11987"/>
+              <a:gd name="connsiteY4" fmla="*/ 7809 h 16809"/>
+              <a:gd name="connsiteX5" fmla="*/ 10000 w 11987"/>
+              <a:gd name="connsiteY5" fmla="*/ 15809 h 16809"/>
+              <a:gd name="connsiteX6" fmla="*/ 7500 w 11987"/>
+              <a:gd name="connsiteY6" fmla="*/ 14809 h 16809"/>
+              <a:gd name="connsiteX7" fmla="*/ 5000 w 11987"/>
+              <a:gd name="connsiteY7" fmla="*/ 15809 h 16809"/>
+              <a:gd name="connsiteX8" fmla="*/ 2500 w 11987"/>
+              <a:gd name="connsiteY8" fmla="*/ 16809 h 16809"/>
+              <a:gd name="connsiteX9" fmla="*/ 0 w 11987"/>
+              <a:gd name="connsiteY9" fmla="*/ 15809 h 16809"/>
+              <a:gd name="connsiteX10" fmla="*/ 182 w 11987"/>
+              <a:gd name="connsiteY10" fmla="*/ 2890 h 16809"/>
+              <a:gd name="connsiteX0" fmla="*/ 182 w 11987"/>
+              <a:gd name="connsiteY0" fmla="*/ 2896 h 16815"/>
+              <a:gd name="connsiteX1" fmla="*/ 2281 w 11987"/>
+              <a:gd name="connsiteY1" fmla="*/ 4367 h 16815"/>
+              <a:gd name="connsiteX2" fmla="*/ 5255 w 11987"/>
+              <a:gd name="connsiteY2" fmla="*/ 3385 h 16815"/>
+              <a:gd name="connsiteX3" fmla="*/ 9852 w 11987"/>
+              <a:gd name="connsiteY3" fmla="*/ 106 h 16815"/>
+              <a:gd name="connsiteX4" fmla="*/ 11987 w 11987"/>
+              <a:gd name="connsiteY4" fmla="*/ 7815 h 16815"/>
+              <a:gd name="connsiteX5" fmla="*/ 10000 w 11987"/>
+              <a:gd name="connsiteY5" fmla="*/ 15815 h 16815"/>
+              <a:gd name="connsiteX6" fmla="*/ 7500 w 11987"/>
+              <a:gd name="connsiteY6" fmla="*/ 14815 h 16815"/>
+              <a:gd name="connsiteX7" fmla="*/ 5000 w 11987"/>
+              <a:gd name="connsiteY7" fmla="*/ 15815 h 16815"/>
+              <a:gd name="connsiteX8" fmla="*/ 2500 w 11987"/>
+              <a:gd name="connsiteY8" fmla="*/ 16815 h 16815"/>
+              <a:gd name="connsiteX9" fmla="*/ 0 w 11987"/>
+              <a:gd name="connsiteY9" fmla="*/ 15815 h 16815"/>
+              <a:gd name="connsiteX10" fmla="*/ 182 w 11987"/>
+              <a:gd name="connsiteY10" fmla="*/ 2896 h 16815"/>
+              <a:gd name="connsiteX0" fmla="*/ 182 w 11987"/>
+              <a:gd name="connsiteY0" fmla="*/ 2912 h 16831"/>
+              <a:gd name="connsiteX1" fmla="*/ 2281 w 11987"/>
+              <a:gd name="connsiteY1" fmla="*/ 4383 h 16831"/>
+              <a:gd name="connsiteX2" fmla="*/ 5255 w 11987"/>
+              <a:gd name="connsiteY2" fmla="*/ 3401 h 16831"/>
+              <a:gd name="connsiteX3" fmla="*/ 9852 w 11987"/>
+              <a:gd name="connsiteY3" fmla="*/ 122 h 16831"/>
+              <a:gd name="connsiteX4" fmla="*/ 11987 w 11987"/>
+              <a:gd name="connsiteY4" fmla="*/ 7831 h 16831"/>
+              <a:gd name="connsiteX5" fmla="*/ 10000 w 11987"/>
+              <a:gd name="connsiteY5" fmla="*/ 15831 h 16831"/>
+              <a:gd name="connsiteX6" fmla="*/ 7500 w 11987"/>
+              <a:gd name="connsiteY6" fmla="*/ 14831 h 16831"/>
+              <a:gd name="connsiteX7" fmla="*/ 5000 w 11987"/>
+              <a:gd name="connsiteY7" fmla="*/ 15831 h 16831"/>
+              <a:gd name="connsiteX8" fmla="*/ 2500 w 11987"/>
+              <a:gd name="connsiteY8" fmla="*/ 16831 h 16831"/>
+              <a:gd name="connsiteX9" fmla="*/ 0 w 11987"/>
+              <a:gd name="connsiteY9" fmla="*/ 15831 h 16831"/>
+              <a:gd name="connsiteX10" fmla="*/ 182 w 11987"/>
+              <a:gd name="connsiteY10" fmla="*/ 2912 h 16831"/>
+              <a:gd name="connsiteX0" fmla="*/ 218 w 11987"/>
+              <a:gd name="connsiteY0" fmla="*/ 0 h 21026"/>
+              <a:gd name="connsiteX1" fmla="*/ 2281 w 11987"/>
+              <a:gd name="connsiteY1" fmla="*/ 8578 h 21026"/>
+              <a:gd name="connsiteX2" fmla="*/ 5255 w 11987"/>
+              <a:gd name="connsiteY2" fmla="*/ 7596 h 21026"/>
+              <a:gd name="connsiteX3" fmla="*/ 9852 w 11987"/>
+              <a:gd name="connsiteY3" fmla="*/ 4317 h 21026"/>
+              <a:gd name="connsiteX4" fmla="*/ 11987 w 11987"/>
+              <a:gd name="connsiteY4" fmla="*/ 12026 h 21026"/>
+              <a:gd name="connsiteX5" fmla="*/ 10000 w 11987"/>
+              <a:gd name="connsiteY5" fmla="*/ 20026 h 21026"/>
+              <a:gd name="connsiteX6" fmla="*/ 7500 w 11987"/>
+              <a:gd name="connsiteY6" fmla="*/ 19026 h 21026"/>
+              <a:gd name="connsiteX7" fmla="*/ 5000 w 11987"/>
+              <a:gd name="connsiteY7" fmla="*/ 20026 h 21026"/>
+              <a:gd name="connsiteX8" fmla="*/ 2500 w 11987"/>
+              <a:gd name="connsiteY8" fmla="*/ 21026 h 21026"/>
+              <a:gd name="connsiteX9" fmla="*/ 0 w 11987"/>
+              <a:gd name="connsiteY9" fmla="*/ 20026 h 21026"/>
+              <a:gd name="connsiteX10" fmla="*/ 218 w 11987"/>
+              <a:gd name="connsiteY10" fmla="*/ 0 h 21026"/>
+              <a:gd name="connsiteX0" fmla="*/ 218 w 11987"/>
+              <a:gd name="connsiteY0" fmla="*/ 0 h 21026"/>
+              <a:gd name="connsiteX1" fmla="*/ 1461 w 11987"/>
+              <a:gd name="connsiteY1" fmla="*/ 5703 h 21026"/>
+              <a:gd name="connsiteX2" fmla="*/ 5255 w 11987"/>
+              <a:gd name="connsiteY2" fmla="*/ 7596 h 21026"/>
+              <a:gd name="connsiteX3" fmla="*/ 9852 w 11987"/>
+              <a:gd name="connsiteY3" fmla="*/ 4317 h 21026"/>
+              <a:gd name="connsiteX4" fmla="*/ 11987 w 11987"/>
+              <a:gd name="connsiteY4" fmla="*/ 12026 h 21026"/>
+              <a:gd name="connsiteX5" fmla="*/ 10000 w 11987"/>
+              <a:gd name="connsiteY5" fmla="*/ 20026 h 21026"/>
+              <a:gd name="connsiteX6" fmla="*/ 7500 w 11987"/>
+              <a:gd name="connsiteY6" fmla="*/ 19026 h 21026"/>
+              <a:gd name="connsiteX7" fmla="*/ 5000 w 11987"/>
+              <a:gd name="connsiteY7" fmla="*/ 20026 h 21026"/>
+              <a:gd name="connsiteX8" fmla="*/ 2500 w 11987"/>
+              <a:gd name="connsiteY8" fmla="*/ 21026 h 21026"/>
+              <a:gd name="connsiteX9" fmla="*/ 0 w 11987"/>
+              <a:gd name="connsiteY9" fmla="*/ 20026 h 21026"/>
+              <a:gd name="connsiteX10" fmla="*/ 218 w 11987"/>
+              <a:gd name="connsiteY10" fmla="*/ 0 h 21026"/>
+              <a:gd name="connsiteX0" fmla="*/ 218 w 11987"/>
+              <a:gd name="connsiteY0" fmla="*/ 0 h 21026"/>
+              <a:gd name="connsiteX1" fmla="*/ 1461 w 11987"/>
+              <a:gd name="connsiteY1" fmla="*/ 5703 h 21026"/>
+              <a:gd name="connsiteX2" fmla="*/ 5474 w 11987"/>
+              <a:gd name="connsiteY2" fmla="*/ 6601 h 21026"/>
+              <a:gd name="connsiteX3" fmla="*/ 9852 w 11987"/>
+              <a:gd name="connsiteY3" fmla="*/ 4317 h 21026"/>
+              <a:gd name="connsiteX4" fmla="*/ 11987 w 11987"/>
+              <a:gd name="connsiteY4" fmla="*/ 12026 h 21026"/>
+              <a:gd name="connsiteX5" fmla="*/ 10000 w 11987"/>
+              <a:gd name="connsiteY5" fmla="*/ 20026 h 21026"/>
+              <a:gd name="connsiteX6" fmla="*/ 7500 w 11987"/>
+              <a:gd name="connsiteY6" fmla="*/ 19026 h 21026"/>
+              <a:gd name="connsiteX7" fmla="*/ 5000 w 11987"/>
+              <a:gd name="connsiteY7" fmla="*/ 20026 h 21026"/>
+              <a:gd name="connsiteX8" fmla="*/ 2500 w 11987"/>
+              <a:gd name="connsiteY8" fmla="*/ 21026 h 21026"/>
+              <a:gd name="connsiteX9" fmla="*/ 0 w 11987"/>
+              <a:gd name="connsiteY9" fmla="*/ 20026 h 21026"/>
+              <a:gd name="connsiteX10" fmla="*/ 218 w 11987"/>
+              <a:gd name="connsiteY10" fmla="*/ 0 h 21026"/>
+              <a:gd name="connsiteX0" fmla="*/ 218 w 11987"/>
+              <a:gd name="connsiteY0" fmla="*/ 0 h 21026"/>
+              <a:gd name="connsiteX1" fmla="*/ 1461 w 11987"/>
+              <a:gd name="connsiteY1" fmla="*/ 5703 h 21026"/>
+              <a:gd name="connsiteX2" fmla="*/ 5474 w 11987"/>
+              <a:gd name="connsiteY2" fmla="*/ 6601 h 21026"/>
+              <a:gd name="connsiteX3" fmla="*/ 9688 w 11987"/>
+              <a:gd name="connsiteY3" fmla="*/ 11261 h 21026"/>
+              <a:gd name="connsiteX4" fmla="*/ 11987 w 11987"/>
+              <a:gd name="connsiteY4" fmla="*/ 12026 h 21026"/>
+              <a:gd name="connsiteX5" fmla="*/ 10000 w 11987"/>
+              <a:gd name="connsiteY5" fmla="*/ 20026 h 21026"/>
+              <a:gd name="connsiteX6" fmla="*/ 7500 w 11987"/>
+              <a:gd name="connsiteY6" fmla="*/ 19026 h 21026"/>
+              <a:gd name="connsiteX7" fmla="*/ 5000 w 11987"/>
+              <a:gd name="connsiteY7" fmla="*/ 20026 h 21026"/>
+              <a:gd name="connsiteX8" fmla="*/ 2500 w 11987"/>
+              <a:gd name="connsiteY8" fmla="*/ 21026 h 21026"/>
+              <a:gd name="connsiteX9" fmla="*/ 0 w 11987"/>
+              <a:gd name="connsiteY9" fmla="*/ 20026 h 21026"/>
+              <a:gd name="connsiteX10" fmla="*/ 218 w 11987"/>
+              <a:gd name="connsiteY10" fmla="*/ 0 h 21026"/>
+              <a:gd name="connsiteX0" fmla="*/ 218 w 11987"/>
+              <a:gd name="connsiteY0" fmla="*/ 0 h 21026"/>
+              <a:gd name="connsiteX1" fmla="*/ 1461 w 11987"/>
+              <a:gd name="connsiteY1" fmla="*/ 5703 h 21026"/>
+              <a:gd name="connsiteX2" fmla="*/ 5328 w 11987"/>
+              <a:gd name="connsiteY2" fmla="*/ 7415 h 21026"/>
+              <a:gd name="connsiteX3" fmla="*/ 9688 w 11987"/>
+              <a:gd name="connsiteY3" fmla="*/ 11261 h 21026"/>
+              <a:gd name="connsiteX4" fmla="*/ 11987 w 11987"/>
+              <a:gd name="connsiteY4" fmla="*/ 12026 h 21026"/>
+              <a:gd name="connsiteX5" fmla="*/ 10000 w 11987"/>
+              <a:gd name="connsiteY5" fmla="*/ 20026 h 21026"/>
+              <a:gd name="connsiteX6" fmla="*/ 7500 w 11987"/>
+              <a:gd name="connsiteY6" fmla="*/ 19026 h 21026"/>
+              <a:gd name="connsiteX7" fmla="*/ 5000 w 11987"/>
+              <a:gd name="connsiteY7" fmla="*/ 20026 h 21026"/>
+              <a:gd name="connsiteX8" fmla="*/ 2500 w 11987"/>
+              <a:gd name="connsiteY8" fmla="*/ 21026 h 21026"/>
+              <a:gd name="connsiteX9" fmla="*/ 0 w 11987"/>
+              <a:gd name="connsiteY9" fmla="*/ 20026 h 21026"/>
+              <a:gd name="connsiteX10" fmla="*/ 218 w 11987"/>
+              <a:gd name="connsiteY10" fmla="*/ 0 h 21026"/>
+              <a:gd name="connsiteX0" fmla="*/ 218 w 11987"/>
+              <a:gd name="connsiteY0" fmla="*/ 0 h 21026"/>
+              <a:gd name="connsiteX1" fmla="*/ 1698 w 11987"/>
+              <a:gd name="connsiteY1" fmla="*/ 3515 h 21026"/>
+              <a:gd name="connsiteX2" fmla="*/ 5328 w 11987"/>
+              <a:gd name="connsiteY2" fmla="*/ 7415 h 21026"/>
+              <a:gd name="connsiteX3" fmla="*/ 9688 w 11987"/>
+              <a:gd name="connsiteY3" fmla="*/ 11261 h 21026"/>
+              <a:gd name="connsiteX4" fmla="*/ 11987 w 11987"/>
+              <a:gd name="connsiteY4" fmla="*/ 12026 h 21026"/>
+              <a:gd name="connsiteX5" fmla="*/ 10000 w 11987"/>
+              <a:gd name="connsiteY5" fmla="*/ 20026 h 21026"/>
+              <a:gd name="connsiteX6" fmla="*/ 7500 w 11987"/>
+              <a:gd name="connsiteY6" fmla="*/ 19026 h 21026"/>
+              <a:gd name="connsiteX7" fmla="*/ 5000 w 11987"/>
+              <a:gd name="connsiteY7" fmla="*/ 20026 h 21026"/>
+              <a:gd name="connsiteX8" fmla="*/ 2500 w 11987"/>
+              <a:gd name="connsiteY8" fmla="*/ 21026 h 21026"/>
+              <a:gd name="connsiteX9" fmla="*/ 0 w 11987"/>
+              <a:gd name="connsiteY9" fmla="*/ 20026 h 21026"/>
+              <a:gd name="connsiteX10" fmla="*/ 218 w 11987"/>
+              <a:gd name="connsiteY10" fmla="*/ 0 h 21026"/>
+              <a:gd name="connsiteX0" fmla="*/ 601 w 11987"/>
+              <a:gd name="connsiteY0" fmla="*/ 0 h 23051"/>
+              <a:gd name="connsiteX1" fmla="*/ 1698 w 11987"/>
+              <a:gd name="connsiteY1" fmla="*/ 5540 h 23051"/>
+              <a:gd name="connsiteX2" fmla="*/ 5328 w 11987"/>
+              <a:gd name="connsiteY2" fmla="*/ 9440 h 23051"/>
+              <a:gd name="connsiteX3" fmla="*/ 9688 w 11987"/>
+              <a:gd name="connsiteY3" fmla="*/ 13286 h 23051"/>
+              <a:gd name="connsiteX4" fmla="*/ 11987 w 11987"/>
+              <a:gd name="connsiteY4" fmla="*/ 14051 h 23051"/>
+              <a:gd name="connsiteX5" fmla="*/ 10000 w 11987"/>
+              <a:gd name="connsiteY5" fmla="*/ 22051 h 23051"/>
+              <a:gd name="connsiteX6" fmla="*/ 7500 w 11987"/>
+              <a:gd name="connsiteY6" fmla="*/ 21051 h 23051"/>
+              <a:gd name="connsiteX7" fmla="*/ 5000 w 11987"/>
+              <a:gd name="connsiteY7" fmla="*/ 22051 h 23051"/>
+              <a:gd name="connsiteX8" fmla="*/ 2500 w 11987"/>
+              <a:gd name="connsiteY8" fmla="*/ 23051 h 23051"/>
+              <a:gd name="connsiteX9" fmla="*/ 0 w 11987"/>
+              <a:gd name="connsiteY9" fmla="*/ 22051 h 23051"/>
+              <a:gd name="connsiteX10" fmla="*/ 601 w 11987"/>
+              <a:gd name="connsiteY10" fmla="*/ 0 h 23051"/>
+              <a:gd name="connsiteX0" fmla="*/ 601 w 11987"/>
+              <a:gd name="connsiteY0" fmla="*/ 0 h 23051"/>
+              <a:gd name="connsiteX1" fmla="*/ 1698 w 11987"/>
+              <a:gd name="connsiteY1" fmla="*/ 5540 h 23051"/>
+              <a:gd name="connsiteX2" fmla="*/ 4745 w 11987"/>
+              <a:gd name="connsiteY2" fmla="*/ 10218 h 23051"/>
+              <a:gd name="connsiteX3" fmla="*/ 9688 w 11987"/>
+              <a:gd name="connsiteY3" fmla="*/ 13286 h 23051"/>
+              <a:gd name="connsiteX4" fmla="*/ 11987 w 11987"/>
+              <a:gd name="connsiteY4" fmla="*/ 14051 h 23051"/>
+              <a:gd name="connsiteX5" fmla="*/ 10000 w 11987"/>
+              <a:gd name="connsiteY5" fmla="*/ 22051 h 23051"/>
+              <a:gd name="connsiteX6" fmla="*/ 7500 w 11987"/>
+              <a:gd name="connsiteY6" fmla="*/ 21051 h 23051"/>
+              <a:gd name="connsiteX7" fmla="*/ 5000 w 11987"/>
+              <a:gd name="connsiteY7" fmla="*/ 22051 h 23051"/>
+              <a:gd name="connsiteX8" fmla="*/ 2500 w 11987"/>
+              <a:gd name="connsiteY8" fmla="*/ 23051 h 23051"/>
+              <a:gd name="connsiteX9" fmla="*/ 0 w 11987"/>
+              <a:gd name="connsiteY9" fmla="*/ 22051 h 23051"/>
+              <a:gd name="connsiteX10" fmla="*/ 601 w 11987"/>
+              <a:gd name="connsiteY10" fmla="*/ 0 h 23051"/>
+              <a:gd name="connsiteX0" fmla="*/ 601 w 10000"/>
+              <a:gd name="connsiteY0" fmla="*/ 0 h 23051"/>
+              <a:gd name="connsiteX1" fmla="*/ 1698 w 10000"/>
+              <a:gd name="connsiteY1" fmla="*/ 5540 h 23051"/>
+              <a:gd name="connsiteX2" fmla="*/ 4745 w 10000"/>
+              <a:gd name="connsiteY2" fmla="*/ 10218 h 23051"/>
+              <a:gd name="connsiteX3" fmla="*/ 9688 w 10000"/>
+              <a:gd name="connsiteY3" fmla="*/ 13286 h 23051"/>
+              <a:gd name="connsiteX4" fmla="*/ 8778 w 10000"/>
+              <a:gd name="connsiteY4" fmla="*/ 13943 h 23051"/>
+              <a:gd name="connsiteX5" fmla="*/ 10000 w 10000"/>
+              <a:gd name="connsiteY5" fmla="*/ 22051 h 23051"/>
+              <a:gd name="connsiteX6" fmla="*/ 7500 w 10000"/>
+              <a:gd name="connsiteY6" fmla="*/ 21051 h 23051"/>
+              <a:gd name="connsiteX7" fmla="*/ 5000 w 10000"/>
+              <a:gd name="connsiteY7" fmla="*/ 22051 h 23051"/>
+              <a:gd name="connsiteX8" fmla="*/ 2500 w 10000"/>
+              <a:gd name="connsiteY8" fmla="*/ 23051 h 23051"/>
+              <a:gd name="connsiteX9" fmla="*/ 0 w 10000"/>
+              <a:gd name="connsiteY9" fmla="*/ 22051 h 23051"/>
+              <a:gd name="connsiteX10" fmla="*/ 601 w 10000"/>
+              <a:gd name="connsiteY10" fmla="*/ 0 h 23051"/>
+              <a:gd name="connsiteX0" fmla="*/ 601 w 10000"/>
+              <a:gd name="connsiteY0" fmla="*/ 0 h 23051"/>
+              <a:gd name="connsiteX1" fmla="*/ 1698 w 10000"/>
+              <a:gd name="connsiteY1" fmla="*/ 5540 h 23051"/>
+              <a:gd name="connsiteX2" fmla="*/ 4745 w 10000"/>
+              <a:gd name="connsiteY2" fmla="*/ 10218 h 23051"/>
+              <a:gd name="connsiteX3" fmla="*/ 9724 w 10000"/>
+              <a:gd name="connsiteY3" fmla="*/ 13286 h 23051"/>
+              <a:gd name="connsiteX4" fmla="*/ 8778 w 10000"/>
+              <a:gd name="connsiteY4" fmla="*/ 13943 h 23051"/>
+              <a:gd name="connsiteX5" fmla="*/ 10000 w 10000"/>
+              <a:gd name="connsiteY5" fmla="*/ 22051 h 23051"/>
+              <a:gd name="connsiteX6" fmla="*/ 7500 w 10000"/>
+              <a:gd name="connsiteY6" fmla="*/ 21051 h 23051"/>
+              <a:gd name="connsiteX7" fmla="*/ 5000 w 10000"/>
+              <a:gd name="connsiteY7" fmla="*/ 22051 h 23051"/>
+              <a:gd name="connsiteX8" fmla="*/ 2500 w 10000"/>
+              <a:gd name="connsiteY8" fmla="*/ 23051 h 23051"/>
+              <a:gd name="connsiteX9" fmla="*/ 0 w 10000"/>
+              <a:gd name="connsiteY9" fmla="*/ 22051 h 23051"/>
+              <a:gd name="connsiteX10" fmla="*/ 601 w 10000"/>
+              <a:gd name="connsiteY10" fmla="*/ 0 h 23051"/>
+              <a:gd name="connsiteX0" fmla="*/ 601 w 10000"/>
+              <a:gd name="connsiteY0" fmla="*/ 0 h 23051"/>
+              <a:gd name="connsiteX1" fmla="*/ 1698 w 10000"/>
+              <a:gd name="connsiteY1" fmla="*/ 5540 h 23051"/>
+              <a:gd name="connsiteX2" fmla="*/ 4745 w 10000"/>
+              <a:gd name="connsiteY2" fmla="*/ 10218 h 23051"/>
+              <a:gd name="connsiteX3" fmla="*/ 9724 w 10000"/>
+              <a:gd name="connsiteY3" fmla="*/ 13286 h 23051"/>
+              <a:gd name="connsiteX4" fmla="*/ 8778 w 10000"/>
+              <a:gd name="connsiteY4" fmla="*/ 13943 h 23051"/>
+              <a:gd name="connsiteX5" fmla="*/ 10000 w 10000"/>
+              <a:gd name="connsiteY5" fmla="*/ 22051 h 23051"/>
+              <a:gd name="connsiteX6" fmla="*/ 7500 w 10000"/>
+              <a:gd name="connsiteY6" fmla="*/ 21051 h 23051"/>
+              <a:gd name="connsiteX7" fmla="*/ 5000 w 10000"/>
+              <a:gd name="connsiteY7" fmla="*/ 22051 h 23051"/>
+              <a:gd name="connsiteX8" fmla="*/ 2500 w 10000"/>
+              <a:gd name="connsiteY8" fmla="*/ 23051 h 23051"/>
+              <a:gd name="connsiteX9" fmla="*/ 0 w 10000"/>
+              <a:gd name="connsiteY9" fmla="*/ 22051 h 23051"/>
+              <a:gd name="connsiteX10" fmla="*/ 601 w 10000"/>
+              <a:gd name="connsiteY10" fmla="*/ 0 h 23051"/>
+            </a:gdLst>
+            <a:ahLst/>
+            <a:cxnLst>
+              <a:cxn ang="0">
+                <a:pos x="connsiteX0" y="connsiteY0"/>
+              </a:cxn>
+              <a:cxn ang="0">
+                <a:pos x="connsiteX1" y="connsiteY1"/>
+              </a:cxn>
+              <a:cxn ang="0">
+                <a:pos x="connsiteX2" y="connsiteY2"/>
+              </a:cxn>
+              <a:cxn ang="0">
+                <a:pos x="connsiteX3" y="connsiteY3"/>
+              </a:cxn>
+              <a:cxn ang="0">
+                <a:pos x="connsiteX4" y="connsiteY4"/>
+              </a:cxn>
+              <a:cxn ang="0">
+                <a:pos x="connsiteX5" y="connsiteY5"/>
+              </a:cxn>
+              <a:cxn ang="0">
+                <a:pos x="connsiteX6" y="connsiteY6"/>
+              </a:cxn>
+              <a:cxn ang="0">
+                <a:pos x="connsiteX7" y="connsiteY7"/>
+              </a:cxn>
+              <a:cxn ang="0">
+                <a:pos x="connsiteX8" y="connsiteY8"/>
+              </a:cxn>
+              <a:cxn ang="0">
+                <a:pos x="connsiteX9" y="connsiteY9"/>
+              </a:cxn>
+              <a:cxn ang="0">
+                <a:pos x="connsiteX10" y="connsiteY10"/>
+              </a:cxn>
+            </a:cxnLst>
+            <a:rect l="l" t="t" r="r" b="b"/>
+            <a:pathLst>
+              <a:path w="10000" h="23051">
+                <a:moveTo>
+                  <a:pt x="601" y="0"/>
+                </a:moveTo>
+                <a:cubicBezTo>
+                  <a:pt x="601" y="552"/>
+                  <a:pt x="1007" y="3837"/>
+                  <a:pt x="1698" y="5540"/>
+                </a:cubicBezTo>
+                <a:cubicBezTo>
+                  <a:pt x="2389" y="7243"/>
+                  <a:pt x="3407" y="8927"/>
+                  <a:pt x="4745" y="10218"/>
+                </a:cubicBezTo>
+                <a:cubicBezTo>
+                  <a:pt x="6083" y="11509"/>
+                  <a:pt x="9234" y="12629"/>
+                  <a:pt x="9724" y="13286"/>
+                </a:cubicBezTo>
+                <a:cubicBezTo>
+                  <a:pt x="10214" y="13943"/>
+                  <a:pt x="8778" y="13391"/>
+                  <a:pt x="8778" y="13943"/>
+                </a:cubicBezTo>
+                <a:lnTo>
+                  <a:pt x="10000" y="22051"/>
+                </a:lnTo>
+                <a:cubicBezTo>
+                  <a:pt x="10000" y="21499"/>
+                  <a:pt x="8881" y="21051"/>
+                  <a:pt x="7500" y="21051"/>
+                </a:cubicBezTo>
+                <a:cubicBezTo>
+                  <a:pt x="6119" y="21051"/>
+                  <a:pt x="5000" y="21499"/>
+                  <a:pt x="5000" y="22051"/>
+                </a:cubicBezTo>
+                <a:cubicBezTo>
+                  <a:pt x="5000" y="22603"/>
+                  <a:pt x="3881" y="23051"/>
+                  <a:pt x="2500" y="23051"/>
+                </a:cubicBezTo>
+                <a:cubicBezTo>
+                  <a:pt x="1119" y="23051"/>
+                  <a:pt x="0" y="22603"/>
+                  <a:pt x="0" y="22051"/>
+                </a:cubicBezTo>
+                <a:cubicBezTo>
+                  <a:pt x="61" y="17745"/>
+                  <a:pt x="540" y="4306"/>
+                  <a:pt x="601" y="0"/>
+                </a:cubicBezTo>
+                <a:close/>
+              </a:path>
+            </a:pathLst>
+          </a:custGeom>
+          <a:solidFill>
+            <a:srgbClr val="61AC43">
+              <a:alpha val="20000"/>
+            </a:srgbClr>
+          </a:solidFill>
+          <a:ln>
+            <a:noFill/>
+          </a:ln>
+        </p:spPr>
+        <p:style>
+          <a:lnRef idx="2">
+            <a:schemeClr val="accent1">
+              <a:shade val="50000"/>
+            </a:schemeClr>
+          </a:lnRef>
+          <a:fillRef idx="1">
+            <a:schemeClr val="accent1"/>
+          </a:fillRef>
+          <a:effectRef idx="0">
+            <a:schemeClr val="accent1"/>
+          </a:effectRef>
+          <a:fontRef idx="minor">
+            <a:schemeClr val="lt1"/>
+          </a:fontRef>
+        </p:style>
+        <p:txBody>
+          <a:bodyPr rtlCol="0" anchor="ctr"/>
+          <a:lstStyle/>
+          <a:p>
+            <a:pPr algn="ctr"/>
+            <a:endParaRPr lang="en-GB"/>
+          </a:p>
+        </p:txBody>
+      </p:sp>
+      <p:sp>
+        <p:nvSpPr>
+          <p:cNvPr id="6" name="Segnaposto contenuto 5">
+            <a:extLst>
+              <a:ext uri="{FF2B5EF4-FFF2-40B4-BE49-F238E27FC236}">
+                <a16:creationId xmlns:a16="http://schemas.microsoft.com/office/drawing/2014/main" id="{19768556-4F22-9832-25A3-4CB4F960CDE9}"/>
+              </a:ext>
+            </a:extLst>
+          </p:cNvPr>
+          <p:cNvSpPr>
+            <a:spLocks noGrp="1"/>
+          </p:cNvSpPr>
+          <p:nvPr>
+            <p:ph idx="1"/>
+          </p:nvPr>
+        </p:nvSpPr>
+        <p:spPr/>
+        <p:txBody>
+          <a:bodyPr/>
+          <a:lstStyle/>
+          <a:p>
+            <a:endParaRPr lang="en-GB" dirty="0"/>
+          </a:p>
+        </p:txBody>
+      </p:sp>
+      <p:sp>
+        <p:nvSpPr>
+          <p:cNvPr id="8" name="Titolo 7">
+            <a:extLst>
+              <a:ext uri="{FF2B5EF4-FFF2-40B4-BE49-F238E27FC236}">
+                <a16:creationId xmlns:a16="http://schemas.microsoft.com/office/drawing/2014/main" id="{4C48BB92-229B-24FF-08D2-ACBF43D897F8}"/>
+              </a:ext>
+            </a:extLst>
+          </p:cNvPr>
+          <p:cNvSpPr>
+            <a:spLocks noGrp="1"/>
+          </p:cNvSpPr>
+          <p:nvPr>
+            <p:ph type="title"/>
+          </p:nvPr>
+        </p:nvSpPr>
+        <p:spPr/>
+        <p:txBody>
+          <a:bodyPr/>
+          <a:lstStyle/>
+          <a:p>
+            <a:endParaRPr lang="en-GB"/>
+          </a:p>
+        </p:txBody>
+      </p:sp>
+    </p:spTree>
+    <p:extLst>
+      <p:ext uri="{BB962C8B-B14F-4D97-AF65-F5344CB8AC3E}">
+        <p14:creationId xmlns:p14="http://schemas.microsoft.com/office/powerpoint/2010/main" val="2726098133"/>
+      </p:ext>
+    </p:extLst>
+  </p:cSld>
+  <p:clrMapOvr>
+    <a:masterClrMapping/>
+  </p:clrMapOvr>
+</p:sld>
+</file>
+
+<file path=ppt/slides/slide4.xml><?xml version="1.0" encoding="utf-8"?>
 <p:sld xmlns:a="http://schemas.openxmlformats.org/drawingml/2006/main" xmlns:r="http://schemas.openxmlformats.org/officeDocument/2006/relationships" xmlns:p="http://schemas.openxmlformats.org/presentationml/2006/main">
   <p:cSld>
     <p:spTree>
@@ -4810,7 +6694,7 @@
 </p:sld>
 </file>
 
-<file path=ppt/slides/slide4.xml><?xml version="1.0" encoding="utf-8"?>
+<file path=ppt/slides/slide5.xml><?xml version="1.0" encoding="utf-8"?>
 <p:sld xmlns:a="http://schemas.openxmlformats.org/drawingml/2006/main" xmlns:r="http://schemas.openxmlformats.org/officeDocument/2006/relationships" xmlns:p="http://schemas.openxmlformats.org/presentationml/2006/main">
   <p:cSld>
     <p:spTree>
@@ -5372,7 +7256,7 @@
 </p:sld>
 </file>
 
-<file path=ppt/slides/slide5.xml><?xml version="1.0" encoding="utf-8"?>
+<file path=ppt/slides/slide6.xml><?xml version="1.0" encoding="utf-8"?>
 <p:sld xmlns:a="http://schemas.openxmlformats.org/drawingml/2006/main" xmlns:r="http://schemas.openxmlformats.org/officeDocument/2006/relationships" xmlns:p="http://schemas.openxmlformats.org/presentationml/2006/main">
   <p:cSld>
     <p:spTree>
@@ -5764,7 +7648,7 @@
 </p:sld>
 </file>
 
-<file path=ppt/slides/slide6.xml><?xml version="1.0" encoding="utf-8"?>
+<file path=ppt/slides/slide7.xml><?xml version="1.0" encoding="utf-8"?>
 <p:sld xmlns:a="http://schemas.openxmlformats.org/drawingml/2006/main" xmlns:r="http://schemas.openxmlformats.org/officeDocument/2006/relationships" xmlns:p="http://schemas.openxmlformats.org/presentationml/2006/main">
   <p:cSld>
     <p:spTree>
@@ -5946,7 +7830,7 @@
 </p:sld>
 </file>
 
-<file path=ppt/slides/slide7.xml><?xml version="1.0" encoding="utf-8"?>
+<file path=ppt/slides/slide8.xml><?xml version="1.0" encoding="utf-8"?>
 <p:sld xmlns:a="http://schemas.openxmlformats.org/drawingml/2006/main" xmlns:r="http://schemas.openxmlformats.org/officeDocument/2006/relationships" xmlns:p="http://schemas.openxmlformats.org/presentationml/2006/main">
   <p:cSld>
     <p:spTree>
